--- a/클래스 설계도.pptx
+++ b/클래스 설계도.pptx
@@ -6,6 +6,7 @@
   </p:sldMasterIdLst>
   <p:sldIdLst>
     <p:sldId id="256" r:id="rId2"/>
+    <p:sldId id="257" r:id="rId3"/>
   </p:sldIdLst>
   <p:sldSz cx="12192000" cy="6858000"/>
   <p:notesSz cx="6858000" cy="9144000"/>
@@ -104,6 +105,11 @@
       </a:defRPr>
     </a:lvl9pPr>
   </p:defaultTextStyle>
+  <p:extLst>
+    <p:ext uri="{EFAFB233-063F-42B5-8137-9DF3F51BA10A}">
+      <p15:sldGuideLst xmlns:p15="http://schemas.microsoft.com/office/powerpoint/2012/main"/>
+    </p:ext>
+  </p:extLst>
 </p:presentation>
 </file>
 
@@ -149,10 +155,9 @@
           </a:lstStyle>
           <a:p>
             <a:r>
-              <a:rPr lang="ko-KR" altLang="en-US" smtClean="0"/>
+              <a:rPr lang="ko-KR" altLang="en-US"/>
               <a:t>마스터 제목 스타일 편집</a:t>
             </a:r>
-            <a:endParaRPr lang="ko-KR" altLang="en-US"/>
           </a:p>
         </p:txBody>
       </p:sp>
@@ -214,10 +219,9 @@
           </a:lstStyle>
           <a:p>
             <a:r>
-              <a:rPr lang="ko-KR" altLang="en-US" smtClean="0"/>
+              <a:rPr lang="ko-KR" altLang="en-US"/>
               <a:t>클릭하여 마스터 부제목 스타일 편집</a:t>
             </a:r>
-            <a:endParaRPr lang="ko-KR" altLang="en-US"/>
           </a:p>
         </p:txBody>
       </p:sp>
@@ -238,7 +242,7 @@
           <a:p>
             <a:fld id="{F9EE1C67-F7D1-497A-B2E4-C5BCCC4B7E13}" type="datetimeFigureOut">
               <a:rPr lang="ko-KR" altLang="en-US" smtClean="0"/>
-              <a:t>2018-03-27</a:t>
+              <a:t>2018-04-08</a:t>
             </a:fld>
             <a:endParaRPr lang="ko-KR" altLang="en-US"/>
           </a:p>
@@ -332,10 +336,9 @@
           <a:lstStyle/>
           <a:p>
             <a:r>
-              <a:rPr lang="ko-KR" altLang="en-US" smtClean="0"/>
+              <a:rPr lang="ko-KR" altLang="en-US"/>
               <a:t>마스터 제목 스타일 편집</a:t>
             </a:r>
-            <a:endParaRPr lang="ko-KR" altLang="en-US"/>
           </a:p>
         </p:txBody>
       </p:sp>
@@ -356,38 +359,37 @@
           <a:p>
             <a:pPr lvl="0"/>
             <a:r>
-              <a:rPr lang="ko-KR" altLang="en-US" smtClean="0"/>
+              <a:rPr lang="ko-KR" altLang="en-US"/>
               <a:t>마스터 텍스트 스타일 편집</a:t>
             </a:r>
           </a:p>
           <a:p>
             <a:pPr lvl="1"/>
             <a:r>
-              <a:rPr lang="ko-KR" altLang="en-US" smtClean="0"/>
+              <a:rPr lang="ko-KR" altLang="en-US"/>
               <a:t>둘째 수준</a:t>
             </a:r>
           </a:p>
           <a:p>
             <a:pPr lvl="2"/>
             <a:r>
-              <a:rPr lang="ko-KR" altLang="en-US" smtClean="0"/>
+              <a:rPr lang="ko-KR" altLang="en-US"/>
               <a:t>셋째 수준</a:t>
             </a:r>
           </a:p>
           <a:p>
             <a:pPr lvl="3"/>
             <a:r>
-              <a:rPr lang="ko-KR" altLang="en-US" smtClean="0"/>
+              <a:rPr lang="ko-KR" altLang="en-US"/>
               <a:t>넷째 수준</a:t>
             </a:r>
           </a:p>
           <a:p>
             <a:pPr lvl="4"/>
             <a:r>
-              <a:rPr lang="ko-KR" altLang="en-US" smtClean="0"/>
+              <a:rPr lang="ko-KR" altLang="en-US"/>
               <a:t>다섯째 수준</a:t>
             </a:r>
-            <a:endParaRPr lang="ko-KR" altLang="en-US"/>
           </a:p>
         </p:txBody>
       </p:sp>
@@ -408,7 +410,7 @@
           <a:p>
             <a:fld id="{F9EE1C67-F7D1-497A-B2E4-C5BCCC4B7E13}" type="datetimeFigureOut">
               <a:rPr lang="ko-KR" altLang="en-US" smtClean="0"/>
-              <a:t>2018-03-27</a:t>
+              <a:t>2018-04-08</a:t>
             </a:fld>
             <a:endParaRPr lang="ko-KR" altLang="en-US"/>
           </a:p>
@@ -507,10 +509,9 @@
           <a:lstStyle/>
           <a:p>
             <a:r>
-              <a:rPr lang="ko-KR" altLang="en-US" smtClean="0"/>
+              <a:rPr lang="ko-KR" altLang="en-US"/>
               <a:t>마스터 제목 스타일 편집</a:t>
             </a:r>
-            <a:endParaRPr lang="ko-KR" altLang="en-US"/>
           </a:p>
         </p:txBody>
       </p:sp>
@@ -536,38 +537,37 @@
           <a:p>
             <a:pPr lvl="0"/>
             <a:r>
-              <a:rPr lang="ko-KR" altLang="en-US" smtClean="0"/>
+              <a:rPr lang="ko-KR" altLang="en-US"/>
               <a:t>마스터 텍스트 스타일 편집</a:t>
             </a:r>
           </a:p>
           <a:p>
             <a:pPr lvl="1"/>
             <a:r>
-              <a:rPr lang="ko-KR" altLang="en-US" smtClean="0"/>
+              <a:rPr lang="ko-KR" altLang="en-US"/>
               <a:t>둘째 수준</a:t>
             </a:r>
           </a:p>
           <a:p>
             <a:pPr lvl="2"/>
             <a:r>
-              <a:rPr lang="ko-KR" altLang="en-US" smtClean="0"/>
+              <a:rPr lang="ko-KR" altLang="en-US"/>
               <a:t>셋째 수준</a:t>
             </a:r>
           </a:p>
           <a:p>
             <a:pPr lvl="3"/>
             <a:r>
-              <a:rPr lang="ko-KR" altLang="en-US" smtClean="0"/>
+              <a:rPr lang="ko-KR" altLang="en-US"/>
               <a:t>넷째 수준</a:t>
             </a:r>
           </a:p>
           <a:p>
             <a:pPr lvl="4"/>
             <a:r>
-              <a:rPr lang="ko-KR" altLang="en-US" smtClean="0"/>
+              <a:rPr lang="ko-KR" altLang="en-US"/>
               <a:t>다섯째 수준</a:t>
             </a:r>
-            <a:endParaRPr lang="ko-KR" altLang="en-US"/>
           </a:p>
         </p:txBody>
       </p:sp>
@@ -588,7 +588,7 @@
           <a:p>
             <a:fld id="{F9EE1C67-F7D1-497A-B2E4-C5BCCC4B7E13}" type="datetimeFigureOut">
               <a:rPr lang="ko-KR" altLang="en-US" smtClean="0"/>
-              <a:t>2018-03-27</a:t>
+              <a:t>2018-04-08</a:t>
             </a:fld>
             <a:endParaRPr lang="ko-KR" altLang="en-US"/>
           </a:p>
@@ -682,10 +682,9 @@
           <a:lstStyle/>
           <a:p>
             <a:r>
-              <a:rPr lang="ko-KR" altLang="en-US" smtClean="0"/>
+              <a:rPr lang="ko-KR" altLang="en-US"/>
               <a:t>마스터 제목 스타일 편집</a:t>
             </a:r>
-            <a:endParaRPr lang="ko-KR" altLang="en-US"/>
           </a:p>
         </p:txBody>
       </p:sp>
@@ -706,38 +705,37 @@
           <a:p>
             <a:pPr lvl="0"/>
             <a:r>
-              <a:rPr lang="ko-KR" altLang="en-US" smtClean="0"/>
+              <a:rPr lang="ko-KR" altLang="en-US"/>
               <a:t>마스터 텍스트 스타일 편집</a:t>
             </a:r>
           </a:p>
           <a:p>
             <a:pPr lvl="1"/>
             <a:r>
-              <a:rPr lang="ko-KR" altLang="en-US" smtClean="0"/>
+              <a:rPr lang="ko-KR" altLang="en-US"/>
               <a:t>둘째 수준</a:t>
             </a:r>
           </a:p>
           <a:p>
             <a:pPr lvl="2"/>
             <a:r>
-              <a:rPr lang="ko-KR" altLang="en-US" smtClean="0"/>
+              <a:rPr lang="ko-KR" altLang="en-US"/>
               <a:t>셋째 수준</a:t>
             </a:r>
           </a:p>
           <a:p>
             <a:pPr lvl="3"/>
             <a:r>
-              <a:rPr lang="ko-KR" altLang="en-US" smtClean="0"/>
+              <a:rPr lang="ko-KR" altLang="en-US"/>
               <a:t>넷째 수준</a:t>
             </a:r>
           </a:p>
           <a:p>
             <a:pPr lvl="4"/>
             <a:r>
-              <a:rPr lang="ko-KR" altLang="en-US" smtClean="0"/>
+              <a:rPr lang="ko-KR" altLang="en-US"/>
               <a:t>다섯째 수준</a:t>
             </a:r>
-            <a:endParaRPr lang="ko-KR" altLang="en-US"/>
           </a:p>
         </p:txBody>
       </p:sp>
@@ -758,7 +756,7 @@
           <a:p>
             <a:fld id="{F9EE1C67-F7D1-497A-B2E4-C5BCCC4B7E13}" type="datetimeFigureOut">
               <a:rPr lang="ko-KR" altLang="en-US" smtClean="0"/>
-              <a:t>2018-03-27</a:t>
+              <a:t>2018-04-08</a:t>
             </a:fld>
             <a:endParaRPr lang="ko-KR" altLang="en-US"/>
           </a:p>
@@ -861,10 +859,9 @@
           </a:lstStyle>
           <a:p>
             <a:r>
-              <a:rPr lang="ko-KR" altLang="en-US" smtClean="0"/>
+              <a:rPr lang="ko-KR" altLang="en-US"/>
               <a:t>마스터 제목 스타일 편집</a:t>
             </a:r>
-            <a:endParaRPr lang="ko-KR" altLang="en-US"/>
           </a:p>
         </p:txBody>
       </p:sp>
@@ -981,7 +978,7 @@
           <a:p>
             <a:pPr lvl="0"/>
             <a:r>
-              <a:rPr lang="ko-KR" altLang="en-US" smtClean="0"/>
+              <a:rPr lang="ko-KR" altLang="en-US"/>
               <a:t>마스터 텍스트 스타일 편집</a:t>
             </a:r>
           </a:p>
@@ -1004,7 +1001,7 @@
           <a:p>
             <a:fld id="{F9EE1C67-F7D1-497A-B2E4-C5BCCC4B7E13}" type="datetimeFigureOut">
               <a:rPr lang="ko-KR" altLang="en-US" smtClean="0"/>
-              <a:t>2018-03-27</a:t>
+              <a:t>2018-04-08</a:t>
             </a:fld>
             <a:endParaRPr lang="ko-KR" altLang="en-US"/>
           </a:p>
@@ -1098,10 +1095,9 @@
           <a:lstStyle/>
           <a:p>
             <a:r>
-              <a:rPr lang="ko-KR" altLang="en-US" smtClean="0"/>
+              <a:rPr lang="ko-KR" altLang="en-US"/>
               <a:t>마스터 제목 스타일 편집</a:t>
             </a:r>
-            <a:endParaRPr lang="ko-KR" altLang="en-US"/>
           </a:p>
         </p:txBody>
       </p:sp>
@@ -1127,38 +1123,37 @@
           <a:p>
             <a:pPr lvl="0"/>
             <a:r>
-              <a:rPr lang="ko-KR" altLang="en-US" smtClean="0"/>
+              <a:rPr lang="ko-KR" altLang="en-US"/>
               <a:t>마스터 텍스트 스타일 편집</a:t>
             </a:r>
           </a:p>
           <a:p>
             <a:pPr lvl="1"/>
             <a:r>
-              <a:rPr lang="ko-KR" altLang="en-US" smtClean="0"/>
+              <a:rPr lang="ko-KR" altLang="en-US"/>
               <a:t>둘째 수준</a:t>
             </a:r>
           </a:p>
           <a:p>
             <a:pPr lvl="2"/>
             <a:r>
-              <a:rPr lang="ko-KR" altLang="en-US" smtClean="0"/>
+              <a:rPr lang="ko-KR" altLang="en-US"/>
               <a:t>셋째 수준</a:t>
             </a:r>
           </a:p>
           <a:p>
             <a:pPr lvl="3"/>
             <a:r>
-              <a:rPr lang="ko-KR" altLang="en-US" smtClean="0"/>
+              <a:rPr lang="ko-KR" altLang="en-US"/>
               <a:t>넷째 수준</a:t>
             </a:r>
           </a:p>
           <a:p>
             <a:pPr lvl="4"/>
             <a:r>
-              <a:rPr lang="ko-KR" altLang="en-US" smtClean="0"/>
+              <a:rPr lang="ko-KR" altLang="en-US"/>
               <a:t>다섯째 수준</a:t>
             </a:r>
-            <a:endParaRPr lang="ko-KR" altLang="en-US"/>
           </a:p>
         </p:txBody>
       </p:sp>
@@ -1184,38 +1179,37 @@
           <a:p>
             <a:pPr lvl="0"/>
             <a:r>
-              <a:rPr lang="ko-KR" altLang="en-US" smtClean="0"/>
+              <a:rPr lang="ko-KR" altLang="en-US"/>
               <a:t>마스터 텍스트 스타일 편집</a:t>
             </a:r>
           </a:p>
           <a:p>
             <a:pPr lvl="1"/>
             <a:r>
-              <a:rPr lang="ko-KR" altLang="en-US" smtClean="0"/>
+              <a:rPr lang="ko-KR" altLang="en-US"/>
               <a:t>둘째 수준</a:t>
             </a:r>
           </a:p>
           <a:p>
             <a:pPr lvl="2"/>
             <a:r>
-              <a:rPr lang="ko-KR" altLang="en-US" smtClean="0"/>
+              <a:rPr lang="ko-KR" altLang="en-US"/>
               <a:t>셋째 수준</a:t>
             </a:r>
           </a:p>
           <a:p>
             <a:pPr lvl="3"/>
             <a:r>
-              <a:rPr lang="ko-KR" altLang="en-US" smtClean="0"/>
+              <a:rPr lang="ko-KR" altLang="en-US"/>
               <a:t>넷째 수준</a:t>
             </a:r>
           </a:p>
           <a:p>
             <a:pPr lvl="4"/>
             <a:r>
-              <a:rPr lang="ko-KR" altLang="en-US" smtClean="0"/>
+              <a:rPr lang="ko-KR" altLang="en-US"/>
               <a:t>다섯째 수준</a:t>
             </a:r>
-            <a:endParaRPr lang="ko-KR" altLang="en-US"/>
           </a:p>
         </p:txBody>
       </p:sp>
@@ -1236,7 +1230,7 @@
           <a:p>
             <a:fld id="{F9EE1C67-F7D1-497A-B2E4-C5BCCC4B7E13}" type="datetimeFigureOut">
               <a:rPr lang="ko-KR" altLang="en-US" smtClean="0"/>
-              <a:t>2018-03-27</a:t>
+              <a:t>2018-04-08</a:t>
             </a:fld>
             <a:endParaRPr lang="ko-KR" altLang="en-US"/>
           </a:p>
@@ -1335,10 +1329,9 @@
           <a:lstStyle/>
           <a:p>
             <a:r>
-              <a:rPr lang="ko-KR" altLang="en-US" smtClean="0"/>
+              <a:rPr lang="ko-KR" altLang="en-US"/>
               <a:t>마스터 제목 스타일 편집</a:t>
             </a:r>
-            <a:endParaRPr lang="ko-KR" altLang="en-US"/>
           </a:p>
         </p:txBody>
       </p:sp>
@@ -1401,7 +1394,7 @@
           <a:p>
             <a:pPr lvl="0"/>
             <a:r>
-              <a:rPr lang="ko-KR" altLang="en-US" smtClean="0"/>
+              <a:rPr lang="ko-KR" altLang="en-US"/>
               <a:t>마스터 텍스트 스타일 편집</a:t>
             </a:r>
           </a:p>
@@ -1429,38 +1422,37 @@
           <a:p>
             <a:pPr lvl="0"/>
             <a:r>
-              <a:rPr lang="ko-KR" altLang="en-US" smtClean="0"/>
+              <a:rPr lang="ko-KR" altLang="en-US"/>
               <a:t>마스터 텍스트 스타일 편집</a:t>
             </a:r>
           </a:p>
           <a:p>
             <a:pPr lvl="1"/>
             <a:r>
-              <a:rPr lang="ko-KR" altLang="en-US" smtClean="0"/>
+              <a:rPr lang="ko-KR" altLang="en-US"/>
               <a:t>둘째 수준</a:t>
             </a:r>
           </a:p>
           <a:p>
             <a:pPr lvl="2"/>
             <a:r>
-              <a:rPr lang="ko-KR" altLang="en-US" smtClean="0"/>
+              <a:rPr lang="ko-KR" altLang="en-US"/>
               <a:t>셋째 수준</a:t>
             </a:r>
           </a:p>
           <a:p>
             <a:pPr lvl="3"/>
             <a:r>
-              <a:rPr lang="ko-KR" altLang="en-US" smtClean="0"/>
+              <a:rPr lang="ko-KR" altLang="en-US"/>
               <a:t>넷째 수준</a:t>
             </a:r>
           </a:p>
           <a:p>
             <a:pPr lvl="4"/>
             <a:r>
-              <a:rPr lang="ko-KR" altLang="en-US" smtClean="0"/>
+              <a:rPr lang="ko-KR" altLang="en-US"/>
               <a:t>다섯째 수준</a:t>
             </a:r>
-            <a:endParaRPr lang="ko-KR" altLang="en-US"/>
           </a:p>
         </p:txBody>
       </p:sp>
@@ -1523,7 +1515,7 @@
           <a:p>
             <a:pPr lvl="0"/>
             <a:r>
-              <a:rPr lang="ko-KR" altLang="en-US" smtClean="0"/>
+              <a:rPr lang="ko-KR" altLang="en-US"/>
               <a:t>마스터 텍스트 스타일 편집</a:t>
             </a:r>
           </a:p>
@@ -1551,38 +1543,37 @@
           <a:p>
             <a:pPr lvl="0"/>
             <a:r>
-              <a:rPr lang="ko-KR" altLang="en-US" smtClean="0"/>
+              <a:rPr lang="ko-KR" altLang="en-US"/>
               <a:t>마스터 텍스트 스타일 편집</a:t>
             </a:r>
           </a:p>
           <a:p>
             <a:pPr lvl="1"/>
             <a:r>
-              <a:rPr lang="ko-KR" altLang="en-US" smtClean="0"/>
+              <a:rPr lang="ko-KR" altLang="en-US"/>
               <a:t>둘째 수준</a:t>
             </a:r>
           </a:p>
           <a:p>
             <a:pPr lvl="2"/>
             <a:r>
-              <a:rPr lang="ko-KR" altLang="en-US" smtClean="0"/>
+              <a:rPr lang="ko-KR" altLang="en-US"/>
               <a:t>셋째 수준</a:t>
             </a:r>
           </a:p>
           <a:p>
             <a:pPr lvl="3"/>
             <a:r>
-              <a:rPr lang="ko-KR" altLang="en-US" smtClean="0"/>
+              <a:rPr lang="ko-KR" altLang="en-US"/>
               <a:t>넷째 수준</a:t>
             </a:r>
           </a:p>
           <a:p>
             <a:pPr lvl="4"/>
             <a:r>
-              <a:rPr lang="ko-KR" altLang="en-US" smtClean="0"/>
+              <a:rPr lang="ko-KR" altLang="en-US"/>
               <a:t>다섯째 수준</a:t>
             </a:r>
-            <a:endParaRPr lang="ko-KR" altLang="en-US"/>
           </a:p>
         </p:txBody>
       </p:sp>
@@ -1603,7 +1594,7 @@
           <a:p>
             <a:fld id="{F9EE1C67-F7D1-497A-B2E4-C5BCCC4B7E13}" type="datetimeFigureOut">
               <a:rPr lang="ko-KR" altLang="en-US" smtClean="0"/>
-              <a:t>2018-03-27</a:t>
+              <a:t>2018-04-08</a:t>
             </a:fld>
             <a:endParaRPr lang="ko-KR" altLang="en-US"/>
           </a:p>
@@ -1697,10 +1688,9 @@
           <a:lstStyle/>
           <a:p>
             <a:r>
-              <a:rPr lang="ko-KR" altLang="en-US" smtClean="0"/>
+              <a:rPr lang="ko-KR" altLang="en-US"/>
               <a:t>마스터 제목 스타일 편집</a:t>
             </a:r>
-            <a:endParaRPr lang="ko-KR" altLang="en-US"/>
           </a:p>
         </p:txBody>
       </p:sp>
@@ -1721,7 +1711,7 @@
           <a:p>
             <a:fld id="{F9EE1C67-F7D1-497A-B2E4-C5BCCC4B7E13}" type="datetimeFigureOut">
               <a:rPr lang="ko-KR" altLang="en-US" smtClean="0"/>
-              <a:t>2018-03-27</a:t>
+              <a:t>2018-04-08</a:t>
             </a:fld>
             <a:endParaRPr lang="ko-KR" altLang="en-US"/>
           </a:p>
@@ -1816,7 +1806,7 @@
           <a:p>
             <a:fld id="{F9EE1C67-F7D1-497A-B2E4-C5BCCC4B7E13}" type="datetimeFigureOut">
               <a:rPr lang="ko-KR" altLang="en-US" smtClean="0"/>
-              <a:t>2018-03-27</a:t>
+              <a:t>2018-04-08</a:t>
             </a:fld>
             <a:endParaRPr lang="ko-KR" altLang="en-US"/>
           </a:p>
@@ -1919,10 +1909,9 @@
           </a:lstStyle>
           <a:p>
             <a:r>
-              <a:rPr lang="ko-KR" altLang="en-US" smtClean="0"/>
+              <a:rPr lang="ko-KR" altLang="en-US"/>
               <a:t>마스터 제목 스타일 편집</a:t>
             </a:r>
-            <a:endParaRPr lang="ko-KR" altLang="en-US"/>
           </a:p>
         </p:txBody>
       </p:sp>
@@ -1976,38 +1965,37 @@
           <a:p>
             <a:pPr lvl="0"/>
             <a:r>
-              <a:rPr lang="ko-KR" altLang="en-US" smtClean="0"/>
+              <a:rPr lang="ko-KR" altLang="en-US"/>
               <a:t>마스터 텍스트 스타일 편집</a:t>
             </a:r>
           </a:p>
           <a:p>
             <a:pPr lvl="1"/>
             <a:r>
-              <a:rPr lang="ko-KR" altLang="en-US" smtClean="0"/>
+              <a:rPr lang="ko-KR" altLang="en-US"/>
               <a:t>둘째 수준</a:t>
             </a:r>
           </a:p>
           <a:p>
             <a:pPr lvl="2"/>
             <a:r>
-              <a:rPr lang="ko-KR" altLang="en-US" smtClean="0"/>
+              <a:rPr lang="ko-KR" altLang="en-US"/>
               <a:t>셋째 수준</a:t>
             </a:r>
           </a:p>
           <a:p>
             <a:pPr lvl="3"/>
             <a:r>
-              <a:rPr lang="ko-KR" altLang="en-US" smtClean="0"/>
+              <a:rPr lang="ko-KR" altLang="en-US"/>
               <a:t>넷째 수준</a:t>
             </a:r>
           </a:p>
           <a:p>
             <a:pPr lvl="4"/>
             <a:r>
-              <a:rPr lang="ko-KR" altLang="en-US" smtClean="0"/>
+              <a:rPr lang="ko-KR" altLang="en-US"/>
               <a:t>다섯째 수준</a:t>
             </a:r>
-            <a:endParaRPr lang="ko-KR" altLang="en-US"/>
           </a:p>
         </p:txBody>
       </p:sp>
@@ -2070,7 +2058,7 @@
           <a:p>
             <a:pPr lvl="0"/>
             <a:r>
-              <a:rPr lang="ko-KR" altLang="en-US" smtClean="0"/>
+              <a:rPr lang="ko-KR" altLang="en-US"/>
               <a:t>마스터 텍스트 스타일 편집</a:t>
             </a:r>
           </a:p>
@@ -2093,7 +2081,7 @@
           <a:p>
             <a:fld id="{F9EE1C67-F7D1-497A-B2E4-C5BCCC4B7E13}" type="datetimeFigureOut">
               <a:rPr lang="ko-KR" altLang="en-US" smtClean="0"/>
-              <a:t>2018-03-27</a:t>
+              <a:t>2018-04-08</a:t>
             </a:fld>
             <a:endParaRPr lang="ko-KR" altLang="en-US"/>
           </a:p>
@@ -2196,10 +2184,9 @@
           </a:lstStyle>
           <a:p>
             <a:r>
-              <a:rPr lang="ko-KR" altLang="en-US" smtClean="0"/>
+              <a:rPr lang="ko-KR" altLang="en-US"/>
               <a:t>마스터 제목 스타일 편집</a:t>
             </a:r>
-            <a:endParaRPr lang="ko-KR" altLang="en-US"/>
           </a:p>
         </p:txBody>
       </p:sp>
@@ -2323,7 +2310,7 @@
           <a:p>
             <a:pPr lvl="0"/>
             <a:r>
-              <a:rPr lang="ko-KR" altLang="en-US" smtClean="0"/>
+              <a:rPr lang="ko-KR" altLang="en-US"/>
               <a:t>마스터 텍스트 스타일 편집</a:t>
             </a:r>
           </a:p>
@@ -2346,7 +2333,7 @@
           <a:p>
             <a:fld id="{F9EE1C67-F7D1-497A-B2E4-C5BCCC4B7E13}" type="datetimeFigureOut">
               <a:rPr lang="ko-KR" altLang="en-US" smtClean="0"/>
-              <a:t>2018-03-27</a:t>
+              <a:t>2018-04-08</a:t>
             </a:fld>
             <a:endParaRPr lang="ko-KR" altLang="en-US"/>
           </a:p>
@@ -2455,10 +2442,9 @@
           <a:lstStyle/>
           <a:p>
             <a:r>
-              <a:rPr lang="ko-KR" altLang="en-US" smtClean="0"/>
+              <a:rPr lang="ko-KR" altLang="en-US"/>
               <a:t>마스터 제목 스타일 편집</a:t>
             </a:r>
-            <a:endParaRPr lang="ko-KR" altLang="en-US"/>
           </a:p>
         </p:txBody>
       </p:sp>
@@ -2489,38 +2475,37 @@
           <a:p>
             <a:pPr lvl="0"/>
             <a:r>
-              <a:rPr lang="ko-KR" altLang="en-US" smtClean="0"/>
+              <a:rPr lang="ko-KR" altLang="en-US"/>
               <a:t>마스터 텍스트 스타일 편집</a:t>
             </a:r>
           </a:p>
           <a:p>
             <a:pPr lvl="1"/>
             <a:r>
-              <a:rPr lang="ko-KR" altLang="en-US" smtClean="0"/>
+              <a:rPr lang="ko-KR" altLang="en-US"/>
               <a:t>둘째 수준</a:t>
             </a:r>
           </a:p>
           <a:p>
             <a:pPr lvl="2"/>
             <a:r>
-              <a:rPr lang="ko-KR" altLang="en-US" smtClean="0"/>
+              <a:rPr lang="ko-KR" altLang="en-US"/>
               <a:t>셋째 수준</a:t>
             </a:r>
           </a:p>
           <a:p>
             <a:pPr lvl="3"/>
             <a:r>
-              <a:rPr lang="ko-KR" altLang="en-US" smtClean="0"/>
+              <a:rPr lang="ko-KR" altLang="en-US"/>
               <a:t>넷째 수준</a:t>
             </a:r>
           </a:p>
           <a:p>
             <a:pPr lvl="4"/>
             <a:r>
-              <a:rPr lang="ko-KR" altLang="en-US" smtClean="0"/>
+              <a:rPr lang="ko-KR" altLang="en-US"/>
               <a:t>다섯째 수준</a:t>
             </a:r>
-            <a:endParaRPr lang="ko-KR" altLang="en-US"/>
           </a:p>
         </p:txBody>
       </p:sp>
@@ -2559,7 +2544,7 @@
           <a:p>
             <a:fld id="{F9EE1C67-F7D1-497A-B2E4-C5BCCC4B7E13}" type="datetimeFigureOut">
               <a:rPr lang="ko-KR" altLang="en-US" smtClean="0"/>
-              <a:t>2018-03-27</a:t>
+              <a:t>2018-04-08</a:t>
             </a:fld>
             <a:endParaRPr lang="ko-KR" altLang="en-US"/>
           </a:p>
@@ -2966,16 +2951,22 @@
       </p:grpSpPr>
       <p:grpSp>
         <p:nvGrpSpPr>
-          <p:cNvPr id="28" name="그룹 27"/>
+          <p:cNvPr id="82" name="그룹 81">
+            <a:extLst>
+              <a:ext uri="{FF2B5EF4-FFF2-40B4-BE49-F238E27FC236}">
+                <a16:creationId xmlns:a16="http://schemas.microsoft.com/office/drawing/2014/main" id="{62D79789-09C8-434B-8E22-D6809010E1AB}"/>
+              </a:ext>
+            </a:extLst>
+          </p:cNvPr>
           <p:cNvGrpSpPr/>
           <p:nvPr/>
         </p:nvGrpSpPr>
         <p:grpSpPr>
           <a:xfrm>
-            <a:off x="1446414" y="1162397"/>
-            <a:ext cx="9793718" cy="4673907"/>
-            <a:chOff x="1579417" y="1079270"/>
-            <a:chExt cx="9793718" cy="4673907"/>
+            <a:off x="1870479" y="1045445"/>
+            <a:ext cx="9081411" cy="4910768"/>
+            <a:chOff x="1870479" y="1045445"/>
+            <a:chExt cx="9081411" cy="4910768"/>
           </a:xfrm>
         </p:grpSpPr>
         <p:sp>
@@ -2986,8 +2977,8 @@
           </p:nvSpPr>
           <p:spPr>
             <a:xfrm>
-              <a:off x="4126806" y="2660073"/>
-              <a:ext cx="2376511" cy="1068340"/>
+              <a:off x="4142672" y="3411980"/>
+              <a:ext cx="2277499" cy="1035869"/>
             </a:xfrm>
             <a:prstGeom prst="rect">
               <a:avLst/>
@@ -3021,34 +3012,46 @@
             <a:p>
               <a:pPr algn="ctr"/>
               <a:r>
-                <a:rPr lang="en-US" altLang="ko-KR" dirty="0" err="1" smtClean="0"/>
+                <a:rPr lang="en-US" altLang="ko-KR" sz="1500" dirty="0" err="1"/>
                 <a:t>HomeController</a:t>
               </a:r>
-              <a:endParaRPr lang="en-US" altLang="ko-KR" dirty="0" smtClean="0"/>
+              <a:endParaRPr lang="en-US" altLang="ko-KR" sz="1500" dirty="0"/>
             </a:p>
             <a:p>
               <a:pPr algn="ctr"/>
               <a:r>
-                <a:rPr lang="en-US" altLang="ko-KR" dirty="0" smtClean="0"/>
+                <a:rPr lang="en-US" altLang="ko-KR" sz="1500" dirty="0"/>
                 <a:t>(</a:t>
               </a:r>
               <a:r>
-                <a:rPr lang="ko-KR" altLang="en-US" dirty="0" smtClean="0"/>
+                <a:rPr lang="ko-KR" altLang="en-US" sz="1500" dirty="0"/>
                 <a:t>이벤트 리스트 </a:t>
               </a:r>
-              <a:endParaRPr lang="en-US" altLang="ko-KR" dirty="0" smtClean="0"/>
+              <a:endParaRPr lang="en-US" altLang="ko-KR" sz="1500" dirty="0"/>
             </a:p>
             <a:p>
               <a:pPr algn="ctr"/>
               <a:r>
-                <a:rPr lang="ko-KR" altLang="en-US" dirty="0" smtClean="0"/>
-                <a:t>요청 처리</a:t>
+                <a:rPr lang="ko-KR" altLang="en-US" sz="1500" dirty="0"/>
+                <a:t>요청</a:t>
               </a:r>
               <a:r>
-                <a:rPr lang="en-US" altLang="ko-KR" dirty="0" smtClean="0"/>
+                <a:rPr lang="en-US" altLang="ko-KR" sz="1500" dirty="0"/>
+                <a:t>, </a:t>
+              </a:r>
+              <a:r>
+                <a:rPr lang="en-US" altLang="ko-KR" sz="1500" dirty="0" err="1"/>
+                <a:t>jsp</a:t>
+              </a:r>
+              <a:r>
+                <a:rPr lang="ko-KR" altLang="en-US" sz="1500" dirty="0"/>
+                <a:t>처리</a:t>
+              </a:r>
+              <a:r>
+                <a:rPr lang="en-US" altLang="ko-KR" sz="1500" dirty="0"/>
                 <a:t>)</a:t>
               </a:r>
-              <a:endParaRPr lang="ko-KR" altLang="en-US" dirty="0"/>
+              <a:endParaRPr lang="ko-KR" altLang="en-US" sz="1500" dirty="0"/>
             </a:p>
           </p:txBody>
         </p:sp>
@@ -3060,8 +3063,8 @@
           </p:nvSpPr>
           <p:spPr>
             <a:xfrm>
-              <a:off x="8707520" y="2508288"/>
-              <a:ext cx="2665615" cy="1068340"/>
+              <a:off x="8397331" y="3412270"/>
+              <a:ext cx="2554559" cy="1035869"/>
             </a:xfrm>
             <a:prstGeom prst="rect">
               <a:avLst/>
@@ -3095,26 +3098,26 @@
             <a:p>
               <a:pPr algn="ctr"/>
               <a:r>
-                <a:rPr lang="en-US" altLang="ko-KR" dirty="0" err="1" smtClean="0"/>
+                <a:rPr lang="en-US" altLang="ko-KR" sz="1500" dirty="0" err="1"/>
                 <a:t>GoogleCalendarService</a:t>
               </a:r>
-              <a:endParaRPr lang="en-US" altLang="ko-KR" dirty="0" smtClean="0"/>
+              <a:endParaRPr lang="en-US" altLang="ko-KR" sz="1500" dirty="0"/>
             </a:p>
             <a:p>
               <a:pPr algn="ctr"/>
               <a:r>
-                <a:rPr lang="en-US" altLang="ko-KR" dirty="0" smtClean="0"/>
+                <a:rPr lang="en-US" altLang="ko-KR" sz="1500" dirty="0"/>
                 <a:t>(API </a:t>
               </a:r>
               <a:r>
-                <a:rPr lang="ko-KR" altLang="en-US" dirty="0" smtClean="0"/>
+                <a:rPr lang="ko-KR" altLang="en-US" sz="1500" dirty="0"/>
                 <a:t>처리</a:t>
               </a:r>
               <a:r>
-                <a:rPr lang="en-US" altLang="ko-KR" dirty="0" smtClean="0"/>
+                <a:rPr lang="en-US" altLang="ko-KR" sz="1500" dirty="0"/>
                 <a:t>)</a:t>
               </a:r>
-              <a:endParaRPr lang="ko-KR" altLang="en-US" dirty="0"/>
+              <a:endParaRPr lang="ko-KR" altLang="en-US" sz="1500" dirty="0"/>
             </a:p>
           </p:txBody>
         </p:sp>
@@ -3126,8 +3129,8 @@
           </p:nvSpPr>
           <p:spPr>
             <a:xfrm>
-              <a:off x="4126805" y="1079270"/>
-              <a:ext cx="2839259" cy="1068340"/>
+              <a:off x="4142672" y="1045900"/>
+              <a:ext cx="2277499" cy="1035869"/>
             </a:xfrm>
             <a:prstGeom prst="rect">
               <a:avLst/>
@@ -3161,42 +3164,42 @@
             <a:p>
               <a:pPr algn="ctr"/>
               <a:r>
-                <a:rPr lang="en-US" altLang="ko-KR" dirty="0" err="1" smtClean="0"/>
+                <a:rPr lang="en-US" altLang="ko-KR" sz="1500" dirty="0" err="1"/>
                 <a:t>EventController</a:t>
               </a:r>
-              <a:endParaRPr lang="en-US" altLang="ko-KR" dirty="0" smtClean="0"/>
+              <a:endParaRPr lang="en-US" altLang="ko-KR" sz="1500" dirty="0"/>
             </a:p>
             <a:p>
               <a:pPr algn="ctr"/>
               <a:r>
-                <a:rPr lang="en-US" altLang="ko-KR" dirty="0" smtClean="0"/>
+                <a:rPr lang="en-US" altLang="ko-KR" sz="1500" dirty="0"/>
                 <a:t>(</a:t>
               </a:r>
               <a:r>
-                <a:rPr lang="ko-KR" altLang="en-US" dirty="0" smtClean="0"/>
-                <a:t>이벤트 추가</a:t>
+                <a:rPr lang="ko-KR" altLang="en-US" sz="1500" dirty="0"/>
+                <a:t>이벤트 생성</a:t>
               </a:r>
               <a:r>
-                <a:rPr lang="en-US" altLang="ko-KR" dirty="0" smtClean="0"/>
+                <a:rPr lang="en-US" altLang="ko-KR" sz="1500" dirty="0"/>
                 <a:t>, </a:t>
               </a:r>
               <a:r>
-                <a:rPr lang="ko-KR" altLang="en-US" dirty="0" smtClean="0"/>
+                <a:rPr lang="ko-KR" altLang="en-US" sz="1500" dirty="0"/>
                 <a:t>수정</a:t>
               </a:r>
               <a:r>
-                <a:rPr lang="en-US" altLang="ko-KR" dirty="0" smtClean="0"/>
+                <a:rPr lang="en-US" altLang="ko-KR" sz="1500" dirty="0"/>
                 <a:t>, </a:t>
               </a:r>
               <a:r>
-                <a:rPr lang="ko-KR" altLang="en-US" dirty="0" smtClean="0"/>
+                <a:rPr lang="ko-KR" altLang="en-US" sz="1500" dirty="0"/>
                 <a:t>삭제</a:t>
               </a:r>
               <a:r>
-                <a:rPr lang="en-US" altLang="ko-KR" dirty="0" smtClean="0"/>
+                <a:rPr lang="en-US" altLang="ko-KR" sz="1500" dirty="0"/>
                 <a:t>)</a:t>
               </a:r>
-              <a:endParaRPr lang="ko-KR" altLang="en-US" dirty="0"/>
+              <a:endParaRPr lang="ko-KR" altLang="en-US" sz="1500" dirty="0"/>
             </a:p>
           </p:txBody>
         </p:sp>
@@ -3208,8 +3211,8 @@
           </p:nvSpPr>
           <p:spPr>
             <a:xfrm>
-              <a:off x="6079067" y="4753340"/>
-              <a:ext cx="2387600" cy="999067"/>
+              <a:off x="6357879" y="4917865"/>
+              <a:ext cx="2288126" cy="968701"/>
             </a:xfrm>
             <a:prstGeom prst="rect">
               <a:avLst/>
@@ -3243,47 +3246,47 @@
             <a:p>
               <a:pPr algn="ctr"/>
               <a:r>
-                <a:rPr lang="en-US" altLang="ko-KR" dirty="0" err="1" smtClean="0"/>
+                <a:rPr lang="en-US" altLang="ko-KR" sz="1500" dirty="0" err="1"/>
                 <a:t>EventProcessing</a:t>
               </a:r>
-              <a:endParaRPr lang="en-US" altLang="ko-KR" dirty="0" smtClean="0"/>
+              <a:endParaRPr lang="en-US" altLang="ko-KR" sz="1500" dirty="0"/>
             </a:p>
             <a:p>
               <a:pPr algn="ctr"/>
               <a:r>
-                <a:rPr lang="en-US" altLang="ko-KR" dirty="0" smtClean="0"/>
+                <a:rPr lang="en-US" altLang="ko-KR" sz="1500" dirty="0"/>
                 <a:t>(</a:t>
               </a:r>
               <a:r>
-                <a:rPr lang="ko-KR" altLang="en-US" dirty="0" smtClean="0"/>
+                <a:rPr lang="ko-KR" altLang="en-US" sz="1500" dirty="0"/>
                 <a:t>이벤트 우선순위 </a:t>
               </a:r>
-              <a:endParaRPr lang="en-US" altLang="ko-KR" dirty="0" smtClean="0"/>
+              <a:endParaRPr lang="en-US" altLang="ko-KR" sz="1500" dirty="0"/>
             </a:p>
             <a:p>
               <a:pPr algn="ctr"/>
               <a:r>
-                <a:rPr lang="ko-KR" altLang="en-US" dirty="0" smtClean="0"/>
+                <a:rPr lang="ko-KR" altLang="en-US" sz="1500" dirty="0"/>
                 <a:t>정렬</a:t>
               </a:r>
               <a:r>
-                <a:rPr lang="en-US" altLang="ko-KR" dirty="0" smtClean="0"/>
+                <a:rPr lang="en-US" altLang="ko-KR" sz="1500" dirty="0"/>
                 <a:t>)</a:t>
               </a:r>
-              <a:endParaRPr lang="ko-KR" altLang="en-US" dirty="0"/>
+              <a:endParaRPr lang="ko-KR" altLang="en-US" sz="1500" dirty="0"/>
             </a:p>
           </p:txBody>
         </p:sp>
         <p:sp>
           <p:nvSpPr>
-            <p:cNvPr id="9" name="직사각형 8"/>
+            <p:cNvPr id="10" name="직사각형 9"/>
             <p:cNvSpPr/>
             <p:nvPr/>
           </p:nvSpPr>
           <p:spPr>
             <a:xfrm>
-              <a:off x="1579417" y="4806756"/>
-              <a:ext cx="1993669" cy="946421"/>
+              <a:off x="1870479" y="3342126"/>
+              <a:ext cx="1194960" cy="1175577"/>
             </a:xfrm>
             <a:prstGeom prst="rect">
               <a:avLst/>
@@ -3317,39 +3320,241 @@
             <a:p>
               <a:pPr algn="ctr"/>
               <a:r>
-                <a:rPr lang="en-US" altLang="ko-KR" dirty="0" err="1" smtClean="0"/>
-                <a:t>CalendarDTO</a:t>
+                <a:rPr lang="en-US" altLang="ko-KR" sz="1500" dirty="0"/>
+                <a:t>View</a:t>
               </a:r>
-              <a:endParaRPr lang="en-US" altLang="ko-KR" dirty="0" smtClean="0"/>
-            </a:p>
-            <a:p>
-              <a:pPr algn="ctr"/>
-              <a:r>
-                <a:rPr lang="en-US" altLang="ko-KR" dirty="0" smtClean="0"/>
-                <a:t>(</a:t>
-              </a:r>
-              <a:r>
-                <a:rPr lang="ko-KR" altLang="en-US" dirty="0" smtClean="0"/>
-                <a:t>일정 객체</a:t>
-              </a:r>
-              <a:r>
-                <a:rPr lang="en-US" altLang="ko-KR" dirty="0" smtClean="0"/>
-                <a:t>)</a:t>
-              </a:r>
-              <a:endParaRPr lang="ko-KR" altLang="en-US" dirty="0"/>
+              <a:endParaRPr lang="ko-KR" altLang="en-US" sz="1500" dirty="0"/>
             </a:p>
           </p:txBody>
         </p:sp>
         <p:sp>
           <p:nvSpPr>
-            <p:cNvPr id="10" name="직사각형 9"/>
+            <p:cNvPr id="22" name="TextBox 21"/>
+            <p:cNvSpPr txBox="1"/>
+            <p:nvPr/>
+          </p:nvSpPr>
+          <p:spPr>
+            <a:xfrm>
+              <a:off x="3338717" y="3500351"/>
+              <a:ext cx="569387" cy="323165"/>
+            </a:xfrm>
+            <a:prstGeom prst="rect">
+              <a:avLst/>
+            </a:prstGeom>
+            <a:noFill/>
+          </p:spPr>
+          <p:txBody>
+            <a:bodyPr wrap="none" rtlCol="0">
+              <a:spAutoFit/>
+            </a:bodyPr>
+            <a:lstStyle/>
+            <a:p>
+              <a:r>
+                <a:rPr lang="ko-KR" altLang="en-US" sz="1500" dirty="0"/>
+                <a:t>요청</a:t>
+              </a:r>
+            </a:p>
+          </p:txBody>
+        </p:sp>
+        <p:sp>
+          <p:nvSpPr>
+            <p:cNvPr id="23" name="TextBox 22"/>
+            <p:cNvSpPr txBox="1"/>
+            <p:nvPr/>
+          </p:nvSpPr>
+          <p:spPr>
+            <a:xfrm>
+              <a:off x="3338716" y="3944325"/>
+              <a:ext cx="569387" cy="323165"/>
+            </a:xfrm>
+            <a:prstGeom prst="rect">
+              <a:avLst/>
+            </a:prstGeom>
+            <a:noFill/>
+          </p:spPr>
+          <p:txBody>
+            <a:bodyPr wrap="none" rtlCol="0">
+              <a:spAutoFit/>
+            </a:bodyPr>
+            <a:lstStyle/>
+            <a:p>
+              <a:r>
+                <a:rPr lang="ko-KR" altLang="en-US" sz="1500" dirty="0"/>
+                <a:t>응답</a:t>
+              </a:r>
+            </a:p>
+          </p:txBody>
+        </p:sp>
+        <p:sp>
+          <p:nvSpPr>
+            <p:cNvPr id="24" name="TextBox 23"/>
+            <p:cNvSpPr txBox="1"/>
+            <p:nvPr/>
+          </p:nvSpPr>
+          <p:spPr>
+            <a:xfrm>
+              <a:off x="6357879" y="3560438"/>
+              <a:ext cx="2101743" cy="323165"/>
+            </a:xfrm>
+            <a:prstGeom prst="rect">
+              <a:avLst/>
+            </a:prstGeom>
+            <a:noFill/>
+          </p:spPr>
+          <p:txBody>
+            <a:bodyPr wrap="square" rtlCol="0">
+              <a:spAutoFit/>
+            </a:bodyPr>
+            <a:lstStyle/>
+            <a:p>
+              <a:pPr algn="ctr"/>
+              <a:r>
+                <a:rPr lang="ko-KR" altLang="en-US" sz="1500" dirty="0"/>
+                <a:t>이벤트리스트 요청</a:t>
+              </a:r>
+            </a:p>
+          </p:txBody>
+        </p:sp>
+        <p:sp>
+          <p:nvSpPr>
+            <p:cNvPr id="25" name="TextBox 24"/>
+            <p:cNvSpPr txBox="1"/>
+            <p:nvPr/>
+          </p:nvSpPr>
+          <p:spPr>
+            <a:xfrm>
+              <a:off x="2946648" y="1571300"/>
+              <a:ext cx="569387" cy="323165"/>
+            </a:xfrm>
+            <a:prstGeom prst="rect">
+              <a:avLst/>
+            </a:prstGeom>
+            <a:noFill/>
+          </p:spPr>
+          <p:txBody>
+            <a:bodyPr wrap="none" rtlCol="0">
+              <a:spAutoFit/>
+            </a:bodyPr>
+            <a:lstStyle/>
+            <a:p>
+              <a:r>
+                <a:rPr lang="ko-KR" altLang="en-US" sz="1500" dirty="0"/>
+                <a:t>응답</a:t>
+              </a:r>
+            </a:p>
+          </p:txBody>
+        </p:sp>
+        <p:sp>
+          <p:nvSpPr>
+            <p:cNvPr id="26" name="TextBox 25"/>
+            <p:cNvSpPr txBox="1"/>
+            <p:nvPr/>
+          </p:nvSpPr>
+          <p:spPr>
+            <a:xfrm>
+              <a:off x="2919986" y="1045445"/>
+              <a:ext cx="569387" cy="323165"/>
+            </a:xfrm>
+            <a:prstGeom prst="rect">
+              <a:avLst/>
+            </a:prstGeom>
+            <a:noFill/>
+          </p:spPr>
+          <p:txBody>
+            <a:bodyPr wrap="none" rtlCol="0">
+              <a:spAutoFit/>
+            </a:bodyPr>
+            <a:lstStyle/>
+            <a:p>
+              <a:r>
+                <a:rPr lang="ko-KR" altLang="en-US" sz="1500" dirty="0"/>
+                <a:t>요청</a:t>
+              </a:r>
+            </a:p>
+          </p:txBody>
+        </p:sp>
+        <p:sp>
+          <p:nvSpPr>
+            <p:cNvPr id="27" name="TextBox 26"/>
+            <p:cNvSpPr txBox="1"/>
+            <p:nvPr/>
+          </p:nvSpPr>
+          <p:spPr>
+            <a:xfrm>
+              <a:off x="4293715" y="5435509"/>
+              <a:ext cx="2126456" cy="323165"/>
+            </a:xfrm>
+            <a:prstGeom prst="rect">
+              <a:avLst/>
+            </a:prstGeom>
+            <a:noFill/>
+          </p:spPr>
+          <p:txBody>
+            <a:bodyPr wrap="square" rtlCol="0">
+              <a:spAutoFit/>
+            </a:bodyPr>
+            <a:lstStyle/>
+            <a:p>
+              <a:pPr algn="ctr"/>
+              <a:r>
+                <a:rPr lang="ko-KR" altLang="en-US" sz="1500" dirty="0"/>
+                <a:t>이벤트리스트 리턴</a:t>
+              </a:r>
+            </a:p>
+          </p:txBody>
+        </p:sp>
+        <p:sp>
+          <p:nvSpPr>
+            <p:cNvPr id="29" name="TextBox 28">
+              <a:extLst>
+                <a:ext uri="{FF2B5EF4-FFF2-40B4-BE49-F238E27FC236}">
+                  <a16:creationId xmlns:a16="http://schemas.microsoft.com/office/drawing/2014/main" id="{7E3D9B85-57E2-4274-ADEC-815307140332}"/>
+                </a:ext>
+              </a:extLst>
+            </p:cNvPr>
+            <p:cNvSpPr txBox="1"/>
+            <p:nvPr/>
+          </p:nvSpPr>
+          <p:spPr>
+            <a:xfrm>
+              <a:off x="7241235" y="1050074"/>
+              <a:ext cx="2101743" cy="323165"/>
+            </a:xfrm>
+            <a:prstGeom prst="rect">
+              <a:avLst/>
+            </a:prstGeom>
+            <a:noFill/>
+          </p:spPr>
+          <p:txBody>
+            <a:bodyPr wrap="square" rtlCol="0">
+              <a:spAutoFit/>
+            </a:bodyPr>
+            <a:lstStyle/>
+            <a:p>
+              <a:pPr algn="ctr"/>
+              <a:r>
+                <a:rPr lang="ko-KR" altLang="en-US" sz="1500" dirty="0"/>
+                <a:t>서비스 요청</a:t>
+              </a:r>
+            </a:p>
+          </p:txBody>
+        </p:sp>
+        <p:sp>
+          <p:nvSpPr>
+            <p:cNvPr id="31" name="직사각형 30">
+              <a:extLst>
+                <a:ext uri="{FF2B5EF4-FFF2-40B4-BE49-F238E27FC236}">
+                  <a16:creationId xmlns:a16="http://schemas.microsoft.com/office/drawing/2014/main" id="{4E5B8437-381F-42AD-B7BD-871DE3222263}"/>
+                </a:ext>
+              </a:extLst>
+            </p:cNvPr>
             <p:cNvSpPr/>
             <p:nvPr/>
           </p:nvSpPr>
           <p:spPr>
             <a:xfrm>
-              <a:off x="1755832" y="2588029"/>
-              <a:ext cx="1246910" cy="1212428"/>
+              <a:off x="4150456" y="2228940"/>
+              <a:ext cx="2277499" cy="1035869"/>
             </a:xfrm>
             <a:prstGeom prst="rect">
               <a:avLst/>
@@ -3383,363 +3588,53 @@
             <a:p>
               <a:pPr algn="ctr"/>
               <a:r>
-                <a:rPr lang="en-US" altLang="ko-KR" dirty="0" smtClean="0"/>
-                <a:t>View</a:t>
+                <a:rPr lang="en-US" altLang="ko-KR" sz="1500" dirty="0" err="1"/>
+                <a:t>CalendarController</a:t>
               </a:r>
-              <a:endParaRPr lang="ko-KR" altLang="en-US" dirty="0"/>
+              <a:endParaRPr lang="en-US" altLang="ko-KR" sz="1500" dirty="0"/>
+            </a:p>
+            <a:p>
+              <a:pPr algn="ctr"/>
+              <a:r>
+                <a:rPr lang="en-US" altLang="ko-KR" sz="1500" dirty="0"/>
+                <a:t>(</a:t>
+              </a:r>
+              <a:r>
+                <a:rPr lang="ko-KR" altLang="en-US" sz="1500" dirty="0"/>
+                <a:t>캘린더 리스트 </a:t>
+              </a:r>
+              <a:endParaRPr lang="en-US" altLang="ko-KR" sz="1500" dirty="0"/>
+            </a:p>
+            <a:p>
+              <a:pPr algn="ctr"/>
+              <a:r>
+                <a:rPr lang="ko-KR" altLang="en-US" sz="1500" dirty="0"/>
+                <a:t>요청 처리</a:t>
+              </a:r>
+              <a:r>
+                <a:rPr lang="en-US" altLang="ko-KR" sz="1500" dirty="0"/>
+                <a:t>)</a:t>
+              </a:r>
+              <a:endParaRPr lang="ko-KR" altLang="en-US" sz="1500" dirty="0"/>
             </a:p>
           </p:txBody>
         </p:sp>
         <p:sp>
           <p:nvSpPr>
-            <p:cNvPr id="14" name="오른쪽 화살표 13"/>
-            <p:cNvSpPr/>
-            <p:nvPr/>
-          </p:nvSpPr>
-          <p:spPr>
-            <a:xfrm>
-              <a:off x="3002742" y="2859578"/>
-              <a:ext cx="1124064" cy="182880"/>
-            </a:xfrm>
-            <a:prstGeom prst="rightArrow">
-              <a:avLst/>
-            </a:prstGeom>
-          </p:spPr>
-          <p:style>
-            <a:lnRef idx="2">
-              <a:schemeClr val="accent1">
-                <a:shade val="50000"/>
-              </a:schemeClr>
-            </a:lnRef>
-            <a:fillRef idx="1">
-              <a:schemeClr val="accent1"/>
-            </a:fillRef>
-            <a:effectRef idx="0">
-              <a:schemeClr val="accent1"/>
-            </a:effectRef>
-            <a:fontRef idx="minor">
-              <a:schemeClr val="lt1"/>
-            </a:fontRef>
-          </p:style>
-          <p:txBody>
-            <a:bodyPr rtlCol="0" anchor="ctr"/>
-            <a:lstStyle/>
-            <a:p>
-              <a:pPr algn="ctr"/>
-              <a:endParaRPr lang="ko-KR" altLang="en-US"/>
-            </a:p>
-          </p:txBody>
-        </p:sp>
-        <p:sp>
-          <p:nvSpPr>
-            <p:cNvPr id="15" name="오른쪽 화살표 14"/>
-            <p:cNvSpPr/>
-            <p:nvPr/>
-          </p:nvSpPr>
-          <p:spPr>
-            <a:xfrm>
-              <a:off x="6514406" y="2908299"/>
-              <a:ext cx="2173712" cy="134159"/>
-            </a:xfrm>
-            <a:prstGeom prst="rightArrow">
-              <a:avLst/>
-            </a:prstGeom>
-          </p:spPr>
-          <p:style>
-            <a:lnRef idx="2">
-              <a:schemeClr val="accent1">
-                <a:shade val="50000"/>
-              </a:schemeClr>
-            </a:lnRef>
-            <a:fillRef idx="1">
-              <a:schemeClr val="accent1"/>
-            </a:fillRef>
-            <a:effectRef idx="0">
-              <a:schemeClr val="accent1"/>
-            </a:effectRef>
-            <a:fontRef idx="minor">
-              <a:schemeClr val="lt1"/>
-            </a:fontRef>
-          </p:style>
-          <p:txBody>
-            <a:bodyPr rtlCol="0" anchor="ctr"/>
-            <a:lstStyle/>
-            <a:p>
-              <a:pPr algn="ctr"/>
-              <a:endParaRPr lang="ko-KR" altLang="en-US"/>
-            </a:p>
-          </p:txBody>
-        </p:sp>
-        <p:sp>
-          <p:nvSpPr>
-            <p:cNvPr id="16" name="오른쪽 화살표 15"/>
-            <p:cNvSpPr/>
-            <p:nvPr/>
-          </p:nvSpPr>
-          <p:spPr>
-            <a:xfrm rot="10800000">
-              <a:off x="3011055" y="3293995"/>
-              <a:ext cx="1124064" cy="182880"/>
-            </a:xfrm>
-            <a:prstGeom prst="rightArrow">
-              <a:avLst/>
-            </a:prstGeom>
-          </p:spPr>
-          <p:style>
-            <a:lnRef idx="2">
-              <a:schemeClr val="accent1">
-                <a:shade val="50000"/>
-              </a:schemeClr>
-            </a:lnRef>
-            <a:fillRef idx="1">
-              <a:schemeClr val="accent1"/>
-            </a:fillRef>
-            <a:effectRef idx="0">
-              <a:schemeClr val="accent1"/>
-            </a:effectRef>
-            <a:fontRef idx="minor">
-              <a:schemeClr val="lt1"/>
-            </a:fontRef>
-          </p:style>
-          <p:txBody>
-            <a:bodyPr rtlCol="0" anchor="ctr"/>
-            <a:lstStyle/>
-            <a:p>
-              <a:pPr algn="ctr"/>
-              <a:endParaRPr lang="ko-KR" altLang="en-US"/>
-            </a:p>
-          </p:txBody>
-        </p:sp>
-        <p:sp>
-          <p:nvSpPr>
-            <p:cNvPr id="17" name="오른쪽 화살표 16"/>
-            <p:cNvSpPr/>
-            <p:nvPr/>
-          </p:nvSpPr>
-          <p:spPr>
-            <a:xfrm rot="13284277">
-              <a:off x="4661674" y="4147778"/>
-              <a:ext cx="1694096" cy="186198"/>
-            </a:xfrm>
-            <a:prstGeom prst="rightArrow">
-              <a:avLst/>
-            </a:prstGeom>
-          </p:spPr>
-          <p:style>
-            <a:lnRef idx="2">
-              <a:schemeClr val="accent1">
-                <a:shade val="50000"/>
-              </a:schemeClr>
-            </a:lnRef>
-            <a:fillRef idx="1">
-              <a:schemeClr val="accent1"/>
-            </a:fillRef>
-            <a:effectRef idx="0">
-              <a:schemeClr val="accent1"/>
-            </a:effectRef>
-            <a:fontRef idx="minor">
-              <a:schemeClr val="lt1"/>
-            </a:fontRef>
-          </p:style>
-          <p:txBody>
-            <a:bodyPr rtlCol="0" anchor="ctr"/>
-            <a:lstStyle/>
-            <a:p>
-              <a:pPr algn="ctr"/>
-              <a:endParaRPr lang="ko-KR" altLang="en-US"/>
-            </a:p>
-          </p:txBody>
-        </p:sp>
-        <p:sp>
-          <p:nvSpPr>
-            <p:cNvPr id="18" name="오른쪽 화살표 17"/>
-            <p:cNvSpPr/>
-            <p:nvPr/>
-          </p:nvSpPr>
-          <p:spPr>
-            <a:xfrm rot="7010561">
-              <a:off x="7814503" y="4042016"/>
-              <a:ext cx="1311907" cy="212314"/>
-            </a:xfrm>
-            <a:prstGeom prst="rightArrow">
-              <a:avLst/>
-            </a:prstGeom>
-          </p:spPr>
-          <p:style>
-            <a:lnRef idx="2">
-              <a:schemeClr val="accent1">
-                <a:shade val="50000"/>
-              </a:schemeClr>
-            </a:lnRef>
-            <a:fillRef idx="1">
-              <a:schemeClr val="accent1"/>
-            </a:fillRef>
-            <a:effectRef idx="0">
-              <a:schemeClr val="accent1"/>
-            </a:effectRef>
-            <a:fontRef idx="minor">
-              <a:schemeClr val="lt1"/>
-            </a:fontRef>
-          </p:style>
-          <p:txBody>
-            <a:bodyPr rtlCol="0" anchor="ctr"/>
-            <a:lstStyle/>
-            <a:p>
-              <a:pPr algn="ctr"/>
-              <a:endParaRPr lang="ko-KR" altLang="en-US"/>
-            </a:p>
-          </p:txBody>
-        </p:sp>
-        <p:sp>
-          <p:nvSpPr>
-            <p:cNvPr id="20" name="오른쪽 화살표 19"/>
-            <p:cNvSpPr/>
-            <p:nvPr/>
-          </p:nvSpPr>
-          <p:spPr>
-            <a:xfrm rot="8502193">
-              <a:off x="2471553" y="2024913"/>
-              <a:ext cx="1811814" cy="152355"/>
-            </a:xfrm>
-            <a:prstGeom prst="rightArrow">
-              <a:avLst/>
-            </a:prstGeom>
-          </p:spPr>
-          <p:style>
-            <a:lnRef idx="2">
-              <a:schemeClr val="accent1">
-                <a:shade val="50000"/>
-              </a:schemeClr>
-            </a:lnRef>
-            <a:fillRef idx="1">
-              <a:schemeClr val="accent1"/>
-            </a:fillRef>
-            <a:effectRef idx="0">
-              <a:schemeClr val="accent1"/>
-            </a:effectRef>
-            <a:fontRef idx="minor">
-              <a:schemeClr val="lt1"/>
-            </a:fontRef>
-          </p:style>
-          <p:txBody>
-            <a:bodyPr rtlCol="0" anchor="ctr"/>
-            <a:lstStyle/>
-            <a:p>
-              <a:pPr algn="ctr"/>
-              <a:endParaRPr lang="ko-KR" altLang="en-US"/>
-            </a:p>
-          </p:txBody>
-        </p:sp>
-        <p:sp>
-          <p:nvSpPr>
-            <p:cNvPr id="21" name="오른쪽 화살표 20"/>
-            <p:cNvSpPr/>
-            <p:nvPr/>
-          </p:nvSpPr>
-          <p:spPr>
-            <a:xfrm rot="19347693">
-              <a:off x="2175876" y="1853327"/>
-              <a:ext cx="2138736" cy="140963"/>
-            </a:xfrm>
-            <a:prstGeom prst="rightArrow">
-              <a:avLst/>
-            </a:prstGeom>
-          </p:spPr>
-          <p:style>
-            <a:lnRef idx="2">
-              <a:schemeClr val="accent1">
-                <a:shade val="50000"/>
-              </a:schemeClr>
-            </a:lnRef>
-            <a:fillRef idx="1">
-              <a:schemeClr val="accent1"/>
-            </a:fillRef>
-            <a:effectRef idx="0">
-              <a:schemeClr val="accent1"/>
-            </a:effectRef>
-            <a:fontRef idx="minor">
-              <a:schemeClr val="lt1"/>
-            </a:fontRef>
-          </p:style>
-          <p:txBody>
-            <a:bodyPr rtlCol="0" anchor="ctr"/>
-            <a:lstStyle/>
-            <a:p>
-              <a:pPr algn="ctr"/>
-              <a:endParaRPr lang="ko-KR" altLang="en-US"/>
-            </a:p>
-          </p:txBody>
-        </p:sp>
-        <p:sp>
-          <p:nvSpPr>
-            <p:cNvPr id="22" name="TextBox 21"/>
+            <p:cNvPr id="35" name="TextBox 34">
+              <a:extLst>
+                <a:ext uri="{FF2B5EF4-FFF2-40B4-BE49-F238E27FC236}">
+                  <a16:creationId xmlns:a16="http://schemas.microsoft.com/office/drawing/2014/main" id="{7CDE742E-103B-4BE3-8E67-B2262E6FD034}"/>
+                </a:ext>
+              </a:extLst>
+            </p:cNvPr>
             <p:cNvSpPr txBox="1"/>
             <p:nvPr/>
           </p:nvSpPr>
           <p:spPr>
             <a:xfrm>
-              <a:off x="3267676" y="2544998"/>
-              <a:ext cx="646331" cy="369332"/>
-            </a:xfrm>
-            <a:prstGeom prst="rect">
-              <a:avLst/>
-            </a:prstGeom>
-            <a:noFill/>
-          </p:spPr>
-          <p:txBody>
-            <a:bodyPr wrap="none" rtlCol="0">
-              <a:spAutoFit/>
-            </a:bodyPr>
-            <a:lstStyle/>
-            <a:p>
-              <a:r>
-                <a:rPr lang="ko-KR" altLang="en-US" dirty="0" smtClean="0"/>
-                <a:t>요청</a:t>
-              </a:r>
-              <a:endParaRPr lang="ko-KR" altLang="en-US" dirty="0"/>
-            </a:p>
-          </p:txBody>
-        </p:sp>
-        <p:sp>
-          <p:nvSpPr>
-            <p:cNvPr id="23" name="TextBox 22"/>
-            <p:cNvSpPr txBox="1"/>
-            <p:nvPr/>
-          </p:nvSpPr>
-          <p:spPr>
-            <a:xfrm>
-              <a:off x="3280285" y="3413713"/>
-              <a:ext cx="646331" cy="369332"/>
-            </a:xfrm>
-            <a:prstGeom prst="rect">
-              <a:avLst/>
-            </a:prstGeom>
-            <a:noFill/>
-          </p:spPr>
-          <p:txBody>
-            <a:bodyPr wrap="none" rtlCol="0">
-              <a:spAutoFit/>
-            </a:bodyPr>
-            <a:lstStyle/>
-            <a:p>
-              <a:r>
-                <a:rPr lang="ko-KR" altLang="en-US" smtClean="0"/>
-                <a:t>응답</a:t>
-              </a:r>
-              <a:endParaRPr lang="ko-KR" altLang="en-US" dirty="0"/>
-            </a:p>
-          </p:txBody>
-        </p:sp>
-        <p:sp>
-          <p:nvSpPr>
-            <p:cNvPr id="24" name="TextBox 23"/>
-            <p:cNvSpPr txBox="1"/>
-            <p:nvPr/>
-          </p:nvSpPr>
-          <p:spPr>
-            <a:xfrm>
-              <a:off x="6495004" y="2599520"/>
-              <a:ext cx="2193114" cy="369332"/>
+              <a:off x="7241234" y="1569690"/>
+              <a:ext cx="2101743" cy="323165"/>
             </a:xfrm>
             <a:prstGeom prst="rect">
               <a:avLst/>
@@ -3754,23 +3649,158 @@
             <a:p>
               <a:pPr algn="ctr"/>
               <a:r>
-                <a:rPr lang="ko-KR" altLang="en-US" dirty="0" smtClean="0"/>
-                <a:t>이벤트리스트 요청</a:t>
+                <a:rPr lang="ko-KR" altLang="en-US" sz="1500" dirty="0"/>
+                <a:t>서비스 리턴</a:t>
               </a:r>
-              <a:endParaRPr lang="ko-KR" altLang="en-US" dirty="0"/>
             </a:p>
           </p:txBody>
         </p:sp>
+        <p:cxnSp>
+          <p:nvCxnSpPr>
+            <p:cNvPr id="11" name="직선 화살표 연결선 10">
+              <a:extLst>
+                <a:ext uri="{FF2B5EF4-FFF2-40B4-BE49-F238E27FC236}">
+                  <a16:creationId xmlns:a16="http://schemas.microsoft.com/office/drawing/2014/main" id="{9620A5EF-03C3-47B4-AEDF-8DE699D17295}"/>
+                </a:ext>
+              </a:extLst>
+            </p:cNvPr>
+            <p:cNvCxnSpPr>
+              <a:cxnSpLocks/>
+            </p:cNvCxnSpPr>
+            <p:nvPr/>
+          </p:nvCxnSpPr>
+          <p:spPr>
+            <a:xfrm rot="5400000" flipH="1" flipV="1">
+              <a:off x="2234390" y="1384570"/>
+              <a:ext cx="1993904" cy="1921211"/>
+            </a:xfrm>
+            <a:prstGeom prst="bentConnector3">
+              <a:avLst>
+                <a:gd name="adj1" fmla="val 100159"/>
+              </a:avLst>
+            </a:prstGeom>
+            <a:ln>
+              <a:solidFill>
+                <a:schemeClr val="tx1"/>
+              </a:solidFill>
+              <a:tailEnd type="triangle"/>
+            </a:ln>
+          </p:spPr>
+          <p:style>
+            <a:lnRef idx="1">
+              <a:schemeClr val="dk1"/>
+            </a:lnRef>
+            <a:fillRef idx="0">
+              <a:schemeClr val="dk1"/>
+            </a:fillRef>
+            <a:effectRef idx="0">
+              <a:schemeClr val="dk1"/>
+            </a:effectRef>
+            <a:fontRef idx="minor">
+              <a:schemeClr val="tx1"/>
+            </a:fontRef>
+          </p:style>
+        </p:cxnSp>
+        <p:cxnSp>
+          <p:nvCxnSpPr>
+            <p:cNvPr id="19" name="직선 화살표 연결선 18">
+              <a:extLst>
+                <a:ext uri="{FF2B5EF4-FFF2-40B4-BE49-F238E27FC236}">
+                  <a16:creationId xmlns:a16="http://schemas.microsoft.com/office/drawing/2014/main" id="{FA55B88B-6E9F-4582-9671-98D7CE887FDF}"/>
+                </a:ext>
+              </a:extLst>
+            </p:cNvPr>
+            <p:cNvCxnSpPr>
+              <a:cxnSpLocks/>
+              <a:stCxn id="7" idx="1"/>
+              <a:endCxn id="10" idx="0"/>
+            </p:cNvCxnSpPr>
+            <p:nvPr/>
+          </p:nvCxnSpPr>
+          <p:spPr>
+            <a:xfrm rot="10800000" flipV="1">
+              <a:off x="2467960" y="1563834"/>
+              <a:ext cx="1674713" cy="1778291"/>
+            </a:xfrm>
+            <a:prstGeom prst="bentConnector2">
+              <a:avLst/>
+            </a:prstGeom>
+            <a:ln>
+              <a:tailEnd type="triangle"/>
+            </a:ln>
+          </p:spPr>
+          <p:style>
+            <a:lnRef idx="1">
+              <a:schemeClr val="dk1"/>
+            </a:lnRef>
+            <a:fillRef idx="0">
+              <a:schemeClr val="dk1"/>
+            </a:fillRef>
+            <a:effectRef idx="0">
+              <a:schemeClr val="dk1"/>
+            </a:effectRef>
+            <a:fontRef idx="minor">
+              <a:schemeClr val="tx1"/>
+            </a:fontRef>
+          </p:style>
+        </p:cxnSp>
+        <p:cxnSp>
+          <p:nvCxnSpPr>
+            <p:cNvPr id="38" name="직선 화살표 연결선 37">
+              <a:extLst>
+                <a:ext uri="{FF2B5EF4-FFF2-40B4-BE49-F238E27FC236}">
+                  <a16:creationId xmlns:a16="http://schemas.microsoft.com/office/drawing/2014/main" id="{AF869DA9-356F-4A44-97BD-2DCA5BAB34EF}"/>
+                </a:ext>
+              </a:extLst>
+            </p:cNvPr>
+            <p:cNvCxnSpPr/>
+            <p:nvPr/>
+          </p:nvCxnSpPr>
+          <p:spPr>
+            <a:xfrm flipV="1">
+              <a:off x="2950450" y="2599704"/>
+              <a:ext cx="1175784" cy="742423"/>
+            </a:xfrm>
+            <a:prstGeom prst="bentConnector3">
+              <a:avLst>
+                <a:gd name="adj1" fmla="val -11567"/>
+              </a:avLst>
+            </a:prstGeom>
+            <a:ln>
+              <a:tailEnd type="triangle"/>
+            </a:ln>
+          </p:spPr>
+          <p:style>
+            <a:lnRef idx="1">
+              <a:schemeClr val="dk1"/>
+            </a:lnRef>
+            <a:fillRef idx="0">
+              <a:schemeClr val="dk1"/>
+            </a:fillRef>
+            <a:effectRef idx="0">
+              <a:schemeClr val="dk1"/>
+            </a:effectRef>
+            <a:fontRef idx="minor">
+              <a:schemeClr val="tx1"/>
+            </a:fontRef>
+          </p:style>
+        </p:cxnSp>
         <p:sp>
           <p:nvSpPr>
-            <p:cNvPr id="25" name="TextBox 24"/>
+            <p:cNvPr id="41" name="TextBox 40">
+              <a:extLst>
+                <a:ext uri="{FF2B5EF4-FFF2-40B4-BE49-F238E27FC236}">
+                  <a16:creationId xmlns:a16="http://schemas.microsoft.com/office/drawing/2014/main" id="{9C751B4C-E873-4ED9-9432-8F623FC8F650}"/>
+                </a:ext>
+              </a:extLst>
+            </p:cNvPr>
             <p:cNvSpPr txBox="1"/>
             <p:nvPr/>
           </p:nvSpPr>
           <p:spPr>
-            <a:xfrm rot="19057666">
-              <a:off x="3249335" y="2069151"/>
-              <a:ext cx="646331" cy="369332"/>
+            <a:xfrm>
+              <a:off x="3204594" y="2350124"/>
+              <a:ext cx="569387" cy="323165"/>
             </a:xfrm>
             <a:prstGeom prst="rect">
               <a:avLst/>
@@ -3784,23 +3814,72 @@
             <a:lstStyle/>
             <a:p>
               <a:r>
-                <a:rPr lang="ko-KR" altLang="en-US" smtClean="0"/>
-                <a:t>응답</a:t>
+                <a:rPr lang="ko-KR" altLang="en-US" sz="1500" dirty="0"/>
+                <a:t>요청</a:t>
               </a:r>
-              <a:endParaRPr lang="ko-KR" altLang="en-US" dirty="0"/>
             </a:p>
           </p:txBody>
         </p:sp>
+        <p:cxnSp>
+          <p:nvCxnSpPr>
+            <p:cNvPr id="43" name="직선 화살표 연결선 42">
+              <a:extLst>
+                <a:ext uri="{FF2B5EF4-FFF2-40B4-BE49-F238E27FC236}">
+                  <a16:creationId xmlns:a16="http://schemas.microsoft.com/office/drawing/2014/main" id="{1D45C879-239A-4693-9EC4-57816A06F528}"/>
+                </a:ext>
+              </a:extLst>
+            </p:cNvPr>
+            <p:cNvCxnSpPr>
+              <a:cxnSpLocks/>
+              <a:stCxn id="31" idx="1"/>
+            </p:cNvCxnSpPr>
+            <p:nvPr/>
+          </p:nvCxnSpPr>
+          <p:spPr>
+            <a:xfrm rot="10800000" flipV="1">
+              <a:off x="2942666" y="2746875"/>
+              <a:ext cx="1207791" cy="595250"/>
+            </a:xfrm>
+            <a:prstGeom prst="bentConnector3">
+              <a:avLst>
+                <a:gd name="adj1" fmla="val 99683"/>
+              </a:avLst>
+            </a:prstGeom>
+            <a:ln>
+              <a:tailEnd type="triangle"/>
+            </a:ln>
+          </p:spPr>
+          <p:style>
+            <a:lnRef idx="1">
+              <a:schemeClr val="dk1"/>
+            </a:lnRef>
+            <a:fillRef idx="0">
+              <a:schemeClr val="dk1"/>
+            </a:fillRef>
+            <a:effectRef idx="0">
+              <a:schemeClr val="dk1"/>
+            </a:effectRef>
+            <a:fontRef idx="minor">
+              <a:schemeClr val="tx1"/>
+            </a:fontRef>
+          </p:style>
+        </p:cxnSp>
         <p:sp>
           <p:nvSpPr>
-            <p:cNvPr id="26" name="TextBox 25"/>
+            <p:cNvPr id="44" name="TextBox 43">
+              <a:extLst>
+                <a:ext uri="{FF2B5EF4-FFF2-40B4-BE49-F238E27FC236}">
+                  <a16:creationId xmlns:a16="http://schemas.microsoft.com/office/drawing/2014/main" id="{ED4E6E3D-E8F0-49E0-A592-449F12EBFD64}"/>
+                </a:ext>
+              </a:extLst>
+            </p:cNvPr>
             <p:cNvSpPr txBox="1"/>
             <p:nvPr/>
           </p:nvSpPr>
           <p:spPr>
-            <a:xfrm rot="19057666">
-              <a:off x="2710009" y="1591431"/>
-              <a:ext cx="646331" cy="369332"/>
+            <a:xfrm>
+              <a:off x="3250053" y="2758831"/>
+              <a:ext cx="569387" cy="323165"/>
             </a:xfrm>
             <a:prstGeom prst="rect">
               <a:avLst/>
@@ -3814,23 +3893,236 @@
             <a:lstStyle/>
             <a:p>
               <a:r>
-                <a:rPr lang="ko-KR" altLang="en-US" dirty="0" smtClean="0"/>
-                <a:t>요청</a:t>
+                <a:rPr lang="ko-KR" altLang="en-US" sz="1500" dirty="0"/>
+                <a:t>응답</a:t>
               </a:r>
-              <a:endParaRPr lang="ko-KR" altLang="en-US" dirty="0"/>
             </a:p>
           </p:txBody>
         </p:sp>
+        <p:cxnSp>
+          <p:nvCxnSpPr>
+            <p:cNvPr id="46" name="직선 화살표 연결선 45">
+              <a:extLst>
+                <a:ext uri="{FF2B5EF4-FFF2-40B4-BE49-F238E27FC236}">
+                  <a16:creationId xmlns:a16="http://schemas.microsoft.com/office/drawing/2014/main" id="{B458B4BF-4829-4346-912E-20E507061CE8}"/>
+                </a:ext>
+              </a:extLst>
+            </p:cNvPr>
+            <p:cNvCxnSpPr/>
+            <p:nvPr/>
+          </p:nvCxnSpPr>
+          <p:spPr>
+            <a:xfrm>
+              <a:off x="3065439" y="3782743"/>
+              <a:ext cx="1085017" cy="0"/>
+            </a:xfrm>
+            <a:prstGeom prst="straightConnector1">
+              <a:avLst/>
+            </a:prstGeom>
+            <a:ln>
+              <a:tailEnd type="triangle"/>
+            </a:ln>
+          </p:spPr>
+          <p:style>
+            <a:lnRef idx="1">
+              <a:schemeClr val="dk1"/>
+            </a:lnRef>
+            <a:fillRef idx="0">
+              <a:schemeClr val="dk1"/>
+            </a:fillRef>
+            <a:effectRef idx="0">
+              <a:schemeClr val="dk1"/>
+            </a:effectRef>
+            <a:fontRef idx="minor">
+              <a:schemeClr val="tx1"/>
+            </a:fontRef>
+          </p:style>
+        </p:cxnSp>
+        <p:cxnSp>
+          <p:nvCxnSpPr>
+            <p:cNvPr id="48" name="직선 화살표 연결선 47">
+              <a:extLst>
+                <a:ext uri="{FF2B5EF4-FFF2-40B4-BE49-F238E27FC236}">
+                  <a16:creationId xmlns:a16="http://schemas.microsoft.com/office/drawing/2014/main" id="{A6A63512-05AF-4C96-A154-D3E8631D0E62}"/>
+                </a:ext>
+              </a:extLst>
+            </p:cNvPr>
+            <p:cNvCxnSpPr>
+              <a:stCxn id="4" idx="1"/>
+              <a:endCxn id="10" idx="3"/>
+            </p:cNvCxnSpPr>
+            <p:nvPr/>
+          </p:nvCxnSpPr>
+          <p:spPr>
+            <a:xfrm flipH="1">
+              <a:off x="3065439" y="3929915"/>
+              <a:ext cx="1077233" cy="0"/>
+            </a:xfrm>
+            <a:prstGeom prst="straightConnector1">
+              <a:avLst/>
+            </a:prstGeom>
+            <a:ln>
+              <a:tailEnd type="triangle"/>
+            </a:ln>
+          </p:spPr>
+          <p:style>
+            <a:lnRef idx="1">
+              <a:schemeClr val="dk1"/>
+            </a:lnRef>
+            <a:fillRef idx="0">
+              <a:schemeClr val="dk1"/>
+            </a:fillRef>
+            <a:effectRef idx="0">
+              <a:schemeClr val="dk1"/>
+            </a:effectRef>
+            <a:fontRef idx="minor">
+              <a:schemeClr val="tx1"/>
+            </a:fontRef>
+          </p:style>
+        </p:cxnSp>
+        <p:cxnSp>
+          <p:nvCxnSpPr>
+            <p:cNvPr id="50" name="직선 화살표 연결선 49">
+              <a:extLst>
+                <a:ext uri="{FF2B5EF4-FFF2-40B4-BE49-F238E27FC236}">
+                  <a16:creationId xmlns:a16="http://schemas.microsoft.com/office/drawing/2014/main" id="{446B200A-DC74-482A-B86A-4F47BE27DE0C}"/>
+                </a:ext>
+              </a:extLst>
+            </p:cNvPr>
+            <p:cNvCxnSpPr>
+              <a:stCxn id="4" idx="3"/>
+              <a:endCxn id="6" idx="1"/>
+            </p:cNvCxnSpPr>
+            <p:nvPr/>
+          </p:nvCxnSpPr>
+          <p:spPr>
+            <a:xfrm>
+              <a:off x="6420171" y="3929915"/>
+              <a:ext cx="1977160" cy="290"/>
+            </a:xfrm>
+            <a:prstGeom prst="straightConnector1">
+              <a:avLst/>
+            </a:prstGeom>
+            <a:ln>
+              <a:tailEnd type="triangle"/>
+            </a:ln>
+          </p:spPr>
+          <p:style>
+            <a:lnRef idx="1">
+              <a:schemeClr val="dk1"/>
+            </a:lnRef>
+            <a:fillRef idx="0">
+              <a:schemeClr val="dk1"/>
+            </a:fillRef>
+            <a:effectRef idx="0">
+              <a:schemeClr val="dk1"/>
+            </a:effectRef>
+            <a:fontRef idx="minor">
+              <a:schemeClr val="tx1"/>
+            </a:fontRef>
+          </p:style>
+        </p:cxnSp>
+        <p:cxnSp>
+          <p:nvCxnSpPr>
+            <p:cNvPr id="53" name="직선 화살표 연결선 52">
+              <a:extLst>
+                <a:ext uri="{FF2B5EF4-FFF2-40B4-BE49-F238E27FC236}">
+                  <a16:creationId xmlns:a16="http://schemas.microsoft.com/office/drawing/2014/main" id="{AA72EFB8-D3B6-4573-9FE6-6F5B3AAFE87F}"/>
+                </a:ext>
+              </a:extLst>
+            </p:cNvPr>
+            <p:cNvCxnSpPr>
+              <a:cxnSpLocks/>
+              <a:stCxn id="6" idx="2"/>
+            </p:cNvCxnSpPr>
+            <p:nvPr/>
+          </p:nvCxnSpPr>
+          <p:spPr>
+            <a:xfrm rot="5400000">
+              <a:off x="8683270" y="4410874"/>
+              <a:ext cx="954076" cy="1028606"/>
+            </a:xfrm>
+            <a:prstGeom prst="bentConnector2">
+              <a:avLst/>
+            </a:prstGeom>
+            <a:ln>
+              <a:tailEnd type="triangle"/>
+            </a:ln>
+          </p:spPr>
+          <p:style>
+            <a:lnRef idx="1">
+              <a:schemeClr val="dk1"/>
+            </a:lnRef>
+            <a:fillRef idx="0">
+              <a:schemeClr val="dk1"/>
+            </a:fillRef>
+            <a:effectRef idx="0">
+              <a:schemeClr val="dk1"/>
+            </a:effectRef>
+            <a:fontRef idx="minor">
+              <a:schemeClr val="tx1"/>
+            </a:fontRef>
+          </p:style>
+        </p:cxnSp>
+        <p:cxnSp>
+          <p:nvCxnSpPr>
+            <p:cNvPr id="55" name="직선 화살표 연결선 54">
+              <a:extLst>
+                <a:ext uri="{FF2B5EF4-FFF2-40B4-BE49-F238E27FC236}">
+                  <a16:creationId xmlns:a16="http://schemas.microsoft.com/office/drawing/2014/main" id="{603FF358-30F4-44EA-ABF4-301ACADFB01E}"/>
+                </a:ext>
+              </a:extLst>
+            </p:cNvPr>
+            <p:cNvCxnSpPr>
+              <a:cxnSpLocks/>
+              <a:stCxn id="8" idx="1"/>
+              <a:endCxn id="4" idx="2"/>
+            </p:cNvCxnSpPr>
+            <p:nvPr/>
+          </p:nvCxnSpPr>
+          <p:spPr>
+            <a:xfrm rot="10800000">
+              <a:off x="5281423" y="4447850"/>
+              <a:ext cx="1076457" cy="954367"/>
+            </a:xfrm>
+            <a:prstGeom prst="bentConnector2">
+              <a:avLst/>
+            </a:prstGeom>
+            <a:ln>
+              <a:tailEnd type="triangle"/>
+            </a:ln>
+          </p:spPr>
+          <p:style>
+            <a:lnRef idx="1">
+              <a:schemeClr val="dk1"/>
+            </a:lnRef>
+            <a:fillRef idx="0">
+              <a:schemeClr val="dk1"/>
+            </a:fillRef>
+            <a:effectRef idx="0">
+              <a:schemeClr val="dk1"/>
+            </a:effectRef>
+            <a:fontRef idx="minor">
+              <a:schemeClr val="tx1"/>
+            </a:fontRef>
+          </p:style>
+        </p:cxnSp>
         <p:sp>
           <p:nvSpPr>
-            <p:cNvPr id="27" name="TextBox 26"/>
+            <p:cNvPr id="61" name="TextBox 60">
+              <a:extLst>
+                <a:ext uri="{FF2B5EF4-FFF2-40B4-BE49-F238E27FC236}">
+                  <a16:creationId xmlns:a16="http://schemas.microsoft.com/office/drawing/2014/main" id="{C32777A4-5277-4E26-9341-9843C36936B8}"/>
+                </a:ext>
+              </a:extLst>
+            </p:cNvPr>
             <p:cNvSpPr txBox="1"/>
             <p:nvPr/>
           </p:nvSpPr>
           <p:spPr>
-            <a:xfrm rot="2726143">
-              <a:off x="4243967" y="4302800"/>
-              <a:ext cx="2193114" cy="369332"/>
+            <a:xfrm>
+              <a:off x="8573863" y="5402215"/>
+              <a:ext cx="2101743" cy="553998"/>
             </a:xfrm>
             <a:prstGeom prst="rect">
               <a:avLst/>
@@ -3845,10 +4137,260 @@
             <a:p>
               <a:pPr algn="ctr"/>
               <a:r>
-                <a:rPr lang="ko-KR" altLang="en-US" dirty="0" smtClean="0"/>
-                <a:t>이벤트리스트 리턴</a:t>
+                <a:rPr lang="ko-KR" altLang="en-US" sz="1500" dirty="0"/>
+                <a:t>이벤트리스트 </a:t>
               </a:r>
-              <a:endParaRPr lang="ko-KR" altLang="en-US" dirty="0"/>
+              <a:endParaRPr lang="en-US" altLang="ko-KR" sz="1500" dirty="0"/>
+            </a:p>
+            <a:p>
+              <a:pPr algn="ctr"/>
+              <a:r>
+                <a:rPr lang="ko-KR" altLang="en-US" sz="1500" dirty="0"/>
+                <a:t>요청 시 정렬</a:t>
+              </a:r>
+            </a:p>
+          </p:txBody>
+        </p:sp>
+        <p:cxnSp>
+          <p:nvCxnSpPr>
+            <p:cNvPr id="63" name="직선 화살표 연결선 62">
+              <a:extLst>
+                <a:ext uri="{FF2B5EF4-FFF2-40B4-BE49-F238E27FC236}">
+                  <a16:creationId xmlns:a16="http://schemas.microsoft.com/office/drawing/2014/main" id="{EA473D81-BEBE-4CE2-BB24-22E9E05A225F}"/>
+                </a:ext>
+              </a:extLst>
+            </p:cNvPr>
+            <p:cNvCxnSpPr>
+              <a:cxnSpLocks/>
+            </p:cNvCxnSpPr>
+            <p:nvPr/>
+          </p:nvCxnSpPr>
+          <p:spPr>
+            <a:xfrm>
+              <a:off x="6420171" y="1348223"/>
+              <a:ext cx="3609654" cy="2063757"/>
+            </a:xfrm>
+            <a:prstGeom prst="bentConnector3">
+              <a:avLst>
+                <a:gd name="adj1" fmla="val 99873"/>
+              </a:avLst>
+            </a:prstGeom>
+            <a:ln>
+              <a:tailEnd type="triangle"/>
+            </a:ln>
+          </p:spPr>
+          <p:style>
+            <a:lnRef idx="1">
+              <a:schemeClr val="dk1"/>
+            </a:lnRef>
+            <a:fillRef idx="0">
+              <a:schemeClr val="dk1"/>
+            </a:fillRef>
+            <a:effectRef idx="0">
+              <a:schemeClr val="dk1"/>
+            </a:effectRef>
+            <a:fontRef idx="minor">
+              <a:schemeClr val="tx1"/>
+            </a:fontRef>
+          </p:style>
+        </p:cxnSp>
+        <p:cxnSp>
+          <p:nvCxnSpPr>
+            <p:cNvPr id="65" name="직선 화살표 연결선 64">
+              <a:extLst>
+                <a:ext uri="{FF2B5EF4-FFF2-40B4-BE49-F238E27FC236}">
+                  <a16:creationId xmlns:a16="http://schemas.microsoft.com/office/drawing/2014/main" id="{E3C7A6FC-4AB3-428B-A34D-6CEC6343CEA0}"/>
+                </a:ext>
+              </a:extLst>
+            </p:cNvPr>
+            <p:cNvCxnSpPr>
+              <a:cxnSpLocks/>
+              <a:stCxn id="6" idx="0"/>
+              <a:endCxn id="7" idx="3"/>
+            </p:cNvCxnSpPr>
+            <p:nvPr/>
+          </p:nvCxnSpPr>
+          <p:spPr>
+            <a:xfrm rot="16200000" flipV="1">
+              <a:off x="7123174" y="860833"/>
+              <a:ext cx="1848435" cy="3254440"/>
+            </a:xfrm>
+            <a:prstGeom prst="bentConnector2">
+              <a:avLst/>
+            </a:prstGeom>
+            <a:ln>
+              <a:tailEnd type="triangle"/>
+            </a:ln>
+          </p:spPr>
+          <p:style>
+            <a:lnRef idx="1">
+              <a:schemeClr val="dk1"/>
+            </a:lnRef>
+            <a:fillRef idx="0">
+              <a:schemeClr val="dk1"/>
+            </a:fillRef>
+            <a:effectRef idx="0">
+              <a:schemeClr val="dk1"/>
+            </a:effectRef>
+            <a:fontRef idx="minor">
+              <a:schemeClr val="tx1"/>
+            </a:fontRef>
+          </p:style>
+        </p:cxnSp>
+        <p:cxnSp>
+          <p:nvCxnSpPr>
+            <p:cNvPr id="74" name="직선 화살표 연결선 73">
+              <a:extLst>
+                <a:ext uri="{FF2B5EF4-FFF2-40B4-BE49-F238E27FC236}">
+                  <a16:creationId xmlns:a16="http://schemas.microsoft.com/office/drawing/2014/main" id="{60A29372-D651-4AA1-B542-F43440C537B3}"/>
+                </a:ext>
+              </a:extLst>
+            </p:cNvPr>
+            <p:cNvCxnSpPr/>
+            <p:nvPr/>
+          </p:nvCxnSpPr>
+          <p:spPr>
+            <a:xfrm>
+              <a:off x="6420171" y="2610132"/>
+              <a:ext cx="2740137" cy="801848"/>
+            </a:xfrm>
+            <a:prstGeom prst="bentConnector3">
+              <a:avLst>
+                <a:gd name="adj1" fmla="val 100056"/>
+              </a:avLst>
+            </a:prstGeom>
+            <a:ln>
+              <a:tailEnd type="triangle"/>
+            </a:ln>
+          </p:spPr>
+          <p:style>
+            <a:lnRef idx="1">
+              <a:schemeClr val="dk1"/>
+            </a:lnRef>
+            <a:fillRef idx="0">
+              <a:schemeClr val="dk1"/>
+            </a:fillRef>
+            <a:effectRef idx="0">
+              <a:schemeClr val="dk1"/>
+            </a:effectRef>
+            <a:fontRef idx="minor">
+              <a:schemeClr val="tx1"/>
+            </a:fontRef>
+          </p:style>
+        </p:cxnSp>
+        <p:cxnSp>
+          <p:nvCxnSpPr>
+            <p:cNvPr id="78" name="직선 화살표 연결선 77">
+              <a:extLst>
+                <a:ext uri="{FF2B5EF4-FFF2-40B4-BE49-F238E27FC236}">
+                  <a16:creationId xmlns:a16="http://schemas.microsoft.com/office/drawing/2014/main" id="{E8B2B037-FA01-4D08-9B20-145F3BEEEA3F}"/>
+                </a:ext>
+              </a:extLst>
+            </p:cNvPr>
+            <p:cNvCxnSpPr>
+              <a:cxnSpLocks/>
+              <a:endCxn id="31" idx="3"/>
+            </p:cNvCxnSpPr>
+            <p:nvPr/>
+          </p:nvCxnSpPr>
+          <p:spPr>
+            <a:xfrm rot="10800000">
+              <a:off x="6427956" y="2746875"/>
+              <a:ext cx="2502067" cy="660752"/>
+            </a:xfrm>
+            <a:prstGeom prst="bentConnector3">
+              <a:avLst>
+                <a:gd name="adj1" fmla="val 130"/>
+              </a:avLst>
+            </a:prstGeom>
+            <a:ln>
+              <a:tailEnd type="triangle"/>
+            </a:ln>
+          </p:spPr>
+          <p:style>
+            <a:lnRef idx="1">
+              <a:schemeClr val="dk1"/>
+            </a:lnRef>
+            <a:fillRef idx="0">
+              <a:schemeClr val="dk1"/>
+            </a:fillRef>
+            <a:effectRef idx="0">
+              <a:schemeClr val="dk1"/>
+            </a:effectRef>
+            <a:fontRef idx="minor">
+              <a:schemeClr val="tx1"/>
+            </a:fontRef>
+          </p:style>
+        </p:cxnSp>
+        <p:sp>
+          <p:nvSpPr>
+            <p:cNvPr id="79" name="TextBox 78">
+              <a:extLst>
+                <a:ext uri="{FF2B5EF4-FFF2-40B4-BE49-F238E27FC236}">
+                  <a16:creationId xmlns:a16="http://schemas.microsoft.com/office/drawing/2014/main" id="{DE506908-6604-4C93-812E-6BD3A2C29EBC}"/>
+                </a:ext>
+              </a:extLst>
+            </p:cNvPr>
+            <p:cNvSpPr txBox="1"/>
+            <p:nvPr/>
+          </p:nvSpPr>
+          <p:spPr>
+            <a:xfrm>
+              <a:off x="6867713" y="2325541"/>
+              <a:ext cx="2101743" cy="323165"/>
+            </a:xfrm>
+            <a:prstGeom prst="rect">
+              <a:avLst/>
+            </a:prstGeom>
+            <a:noFill/>
+          </p:spPr>
+          <p:txBody>
+            <a:bodyPr wrap="square" rtlCol="0">
+              <a:spAutoFit/>
+            </a:bodyPr>
+            <a:lstStyle/>
+            <a:p>
+              <a:pPr algn="ctr"/>
+              <a:r>
+                <a:rPr lang="ko-KR" altLang="en-US" sz="1500" dirty="0"/>
+                <a:t>서비스 요청</a:t>
+              </a:r>
+            </a:p>
+          </p:txBody>
+        </p:sp>
+        <p:sp>
+          <p:nvSpPr>
+            <p:cNvPr id="81" name="TextBox 80">
+              <a:extLst>
+                <a:ext uri="{FF2B5EF4-FFF2-40B4-BE49-F238E27FC236}">
+                  <a16:creationId xmlns:a16="http://schemas.microsoft.com/office/drawing/2014/main" id="{2234B263-F17D-43D3-8DF0-DB1388EB2B96}"/>
+                </a:ext>
+              </a:extLst>
+            </p:cNvPr>
+            <p:cNvSpPr txBox="1"/>
+            <p:nvPr/>
+          </p:nvSpPr>
+          <p:spPr>
+            <a:xfrm>
+              <a:off x="6885552" y="2753113"/>
+              <a:ext cx="2101743" cy="323165"/>
+            </a:xfrm>
+            <a:prstGeom prst="rect">
+              <a:avLst/>
+            </a:prstGeom>
+            <a:noFill/>
+          </p:spPr>
+          <p:txBody>
+            <a:bodyPr wrap="square" rtlCol="0">
+              <a:spAutoFit/>
+            </a:bodyPr>
+            <a:lstStyle/>
+            <a:p>
+              <a:pPr algn="ctr"/>
+              <a:r>
+                <a:rPr lang="ko-KR" altLang="en-US" sz="1500" dirty="0"/>
+                <a:t>서비스 리턴</a:t>
+              </a:r>
             </a:p>
           </p:txBody>
         </p:sp>
@@ -3857,6 +4399,66 @@
     <p:extLst>
       <p:ext uri="{BB962C8B-B14F-4D97-AF65-F5344CB8AC3E}">
         <p14:creationId xmlns:p14="http://schemas.microsoft.com/office/powerpoint/2010/main" val="2750648608"/>
+      </p:ext>
+    </p:extLst>
+  </p:cSld>
+  <p:clrMapOvr>
+    <a:masterClrMapping/>
+  </p:clrMapOvr>
+</p:sld>
+</file>
+
+<file path=ppt/slides/slide2.xml><?xml version="1.0" encoding="utf-8"?>
+<p:sld xmlns:a="http://schemas.openxmlformats.org/drawingml/2006/main" xmlns:r="http://schemas.openxmlformats.org/officeDocument/2006/relationships" xmlns:p="http://schemas.openxmlformats.org/presentationml/2006/main">
+  <p:cSld>
+    <p:spTree>
+      <p:nvGrpSpPr>
+        <p:cNvPr id="1" name=""/>
+        <p:cNvGrpSpPr/>
+        <p:nvPr/>
+      </p:nvGrpSpPr>
+      <p:grpSpPr>
+        <a:xfrm>
+          <a:off x="0" y="0"/>
+          <a:ext cx="0" cy="0"/>
+          <a:chOff x="0" y="0"/>
+          <a:chExt cx="0" cy="0"/>
+        </a:xfrm>
+      </p:grpSpPr>
+      <p:pic>
+        <p:nvPicPr>
+          <p:cNvPr id="4" name="그림 3">
+            <a:extLst>
+              <a:ext uri="{FF2B5EF4-FFF2-40B4-BE49-F238E27FC236}">
+                <a16:creationId xmlns:a16="http://schemas.microsoft.com/office/drawing/2014/main" id="{24B7F0E2-AD5C-43F0-9DB7-F3C6EC58B0E8}"/>
+              </a:ext>
+            </a:extLst>
+          </p:cNvPr>
+          <p:cNvPicPr>
+            <a:picLocks noChangeAspect="1"/>
+          </p:cNvPicPr>
+          <p:nvPr/>
+        </p:nvPicPr>
+        <p:blipFill>
+          <a:blip r:embed="rId2"/>
+          <a:stretch>
+            <a:fillRect/>
+          </a:stretch>
+        </p:blipFill>
+        <p:spPr>
+          <a:xfrm>
+            <a:off x="2674186" y="1364836"/>
+            <a:ext cx="7594899" cy="4128327"/>
+          </a:xfrm>
+          <a:prstGeom prst="rect">
+            <a:avLst/>
+          </a:prstGeom>
+        </p:spPr>
+      </p:pic>
+    </p:spTree>
+    <p:extLst>
+      <p:ext uri="{BB962C8B-B14F-4D97-AF65-F5344CB8AC3E}">
+        <p14:creationId xmlns:p14="http://schemas.microsoft.com/office/powerpoint/2010/main" val="2779517650"/>
       </p:ext>
     </p:extLst>
   </p:cSld>

--- a/클래스 설계도.pptx
+++ b/클래스 설계도.pptx
@@ -6,7 +6,8 @@
   </p:sldMasterIdLst>
   <p:sldIdLst>
     <p:sldId id="256" r:id="rId2"/>
-    <p:sldId id="257" r:id="rId3"/>
+    <p:sldId id="258" r:id="rId3"/>
+    <p:sldId id="257" r:id="rId4"/>
   </p:sldIdLst>
   <p:sldSz cx="12192000" cy="6858000"/>
   <p:notesSz cx="6858000" cy="9144000"/>
@@ -242,7 +243,7 @@
           <a:p>
             <a:fld id="{F9EE1C67-F7D1-497A-B2E4-C5BCCC4B7E13}" type="datetimeFigureOut">
               <a:rPr lang="ko-KR" altLang="en-US" smtClean="0"/>
-              <a:t>2018-04-08</a:t>
+              <a:t>2018-05-13</a:t>
             </a:fld>
             <a:endParaRPr lang="ko-KR" altLang="en-US"/>
           </a:p>
@@ -410,7 +411,7 @@
           <a:p>
             <a:fld id="{F9EE1C67-F7D1-497A-B2E4-C5BCCC4B7E13}" type="datetimeFigureOut">
               <a:rPr lang="ko-KR" altLang="en-US" smtClean="0"/>
-              <a:t>2018-04-08</a:t>
+              <a:t>2018-05-13</a:t>
             </a:fld>
             <a:endParaRPr lang="ko-KR" altLang="en-US"/>
           </a:p>
@@ -588,7 +589,7 @@
           <a:p>
             <a:fld id="{F9EE1C67-F7D1-497A-B2E4-C5BCCC4B7E13}" type="datetimeFigureOut">
               <a:rPr lang="ko-KR" altLang="en-US" smtClean="0"/>
-              <a:t>2018-04-08</a:t>
+              <a:t>2018-05-13</a:t>
             </a:fld>
             <a:endParaRPr lang="ko-KR" altLang="en-US"/>
           </a:p>
@@ -756,7 +757,7 @@
           <a:p>
             <a:fld id="{F9EE1C67-F7D1-497A-B2E4-C5BCCC4B7E13}" type="datetimeFigureOut">
               <a:rPr lang="ko-KR" altLang="en-US" smtClean="0"/>
-              <a:t>2018-04-08</a:t>
+              <a:t>2018-05-13</a:t>
             </a:fld>
             <a:endParaRPr lang="ko-KR" altLang="en-US"/>
           </a:p>
@@ -1001,7 +1002,7 @@
           <a:p>
             <a:fld id="{F9EE1C67-F7D1-497A-B2E4-C5BCCC4B7E13}" type="datetimeFigureOut">
               <a:rPr lang="ko-KR" altLang="en-US" smtClean="0"/>
-              <a:t>2018-04-08</a:t>
+              <a:t>2018-05-13</a:t>
             </a:fld>
             <a:endParaRPr lang="ko-KR" altLang="en-US"/>
           </a:p>
@@ -1230,7 +1231,7 @@
           <a:p>
             <a:fld id="{F9EE1C67-F7D1-497A-B2E4-C5BCCC4B7E13}" type="datetimeFigureOut">
               <a:rPr lang="ko-KR" altLang="en-US" smtClean="0"/>
-              <a:t>2018-04-08</a:t>
+              <a:t>2018-05-13</a:t>
             </a:fld>
             <a:endParaRPr lang="ko-KR" altLang="en-US"/>
           </a:p>
@@ -1594,7 +1595,7 @@
           <a:p>
             <a:fld id="{F9EE1C67-F7D1-497A-B2E4-C5BCCC4B7E13}" type="datetimeFigureOut">
               <a:rPr lang="ko-KR" altLang="en-US" smtClean="0"/>
-              <a:t>2018-04-08</a:t>
+              <a:t>2018-05-13</a:t>
             </a:fld>
             <a:endParaRPr lang="ko-KR" altLang="en-US"/>
           </a:p>
@@ -1711,7 +1712,7 @@
           <a:p>
             <a:fld id="{F9EE1C67-F7D1-497A-B2E4-C5BCCC4B7E13}" type="datetimeFigureOut">
               <a:rPr lang="ko-KR" altLang="en-US" smtClean="0"/>
-              <a:t>2018-04-08</a:t>
+              <a:t>2018-05-13</a:t>
             </a:fld>
             <a:endParaRPr lang="ko-KR" altLang="en-US"/>
           </a:p>
@@ -1806,7 +1807,7 @@
           <a:p>
             <a:fld id="{F9EE1C67-F7D1-497A-B2E4-C5BCCC4B7E13}" type="datetimeFigureOut">
               <a:rPr lang="ko-KR" altLang="en-US" smtClean="0"/>
-              <a:t>2018-04-08</a:t>
+              <a:t>2018-05-13</a:t>
             </a:fld>
             <a:endParaRPr lang="ko-KR" altLang="en-US"/>
           </a:p>
@@ -2081,7 +2082,7 @@
           <a:p>
             <a:fld id="{F9EE1C67-F7D1-497A-B2E4-C5BCCC4B7E13}" type="datetimeFigureOut">
               <a:rPr lang="ko-KR" altLang="en-US" smtClean="0"/>
-              <a:t>2018-04-08</a:t>
+              <a:t>2018-05-13</a:t>
             </a:fld>
             <a:endParaRPr lang="ko-KR" altLang="en-US"/>
           </a:p>
@@ -2333,7 +2334,7 @@
           <a:p>
             <a:fld id="{F9EE1C67-F7D1-497A-B2E4-C5BCCC4B7E13}" type="datetimeFigureOut">
               <a:rPr lang="ko-KR" altLang="en-US" smtClean="0"/>
-              <a:t>2018-04-08</a:t>
+              <a:t>2018-05-13</a:t>
             </a:fld>
             <a:endParaRPr lang="ko-KR" altLang="en-US"/>
           </a:p>
@@ -2544,7 +2545,7 @@
           <a:p>
             <a:fld id="{F9EE1C67-F7D1-497A-B2E4-C5BCCC4B7E13}" type="datetimeFigureOut">
               <a:rPr lang="ko-KR" altLang="en-US" smtClean="0"/>
-              <a:t>2018-04-08</a:t>
+              <a:t>2018-05-13</a:t>
             </a:fld>
             <a:endParaRPr lang="ko-KR" altLang="en-US"/>
           </a:p>
@@ -4425,6 +4426,2068 @@
           <a:chExt cx="0" cy="0"/>
         </a:xfrm>
       </p:grpSpPr>
+      <p:grpSp>
+        <p:nvGrpSpPr>
+          <p:cNvPr id="129" name="그룹 128">
+            <a:extLst>
+              <a:ext uri="{FF2B5EF4-FFF2-40B4-BE49-F238E27FC236}">
+                <a16:creationId xmlns:a16="http://schemas.microsoft.com/office/drawing/2014/main" id="{8B74138F-74AE-4649-B291-C6F4FFAE9507}"/>
+              </a:ext>
+            </a:extLst>
+          </p:cNvPr>
+          <p:cNvGrpSpPr/>
+          <p:nvPr/>
+        </p:nvGrpSpPr>
+        <p:grpSpPr>
+          <a:xfrm>
+            <a:off x="1023975" y="912038"/>
+            <a:ext cx="9949487" cy="5461762"/>
+            <a:chOff x="1614525" y="1045388"/>
+            <a:chExt cx="9949487" cy="5461762"/>
+          </a:xfrm>
+        </p:grpSpPr>
+        <p:sp>
+          <p:nvSpPr>
+            <p:cNvPr id="4" name="직사각형 3"/>
+            <p:cNvSpPr/>
+            <p:nvPr/>
+          </p:nvSpPr>
+          <p:spPr>
+            <a:xfrm>
+              <a:off x="1614525" y="5147659"/>
+              <a:ext cx="2277499" cy="705239"/>
+            </a:xfrm>
+            <a:prstGeom prst="rect">
+              <a:avLst/>
+            </a:prstGeom>
+            <a:solidFill>
+              <a:schemeClr val="bg1"/>
+            </a:solidFill>
+            <a:ln>
+              <a:solidFill>
+                <a:schemeClr val="tx1"/>
+              </a:solidFill>
+            </a:ln>
+          </p:spPr>
+          <p:style>
+            <a:lnRef idx="2">
+              <a:schemeClr val="accent6"/>
+            </a:lnRef>
+            <a:fillRef idx="1">
+              <a:schemeClr val="lt1"/>
+            </a:fillRef>
+            <a:effectRef idx="0">
+              <a:schemeClr val="accent6"/>
+            </a:effectRef>
+            <a:fontRef idx="minor">
+              <a:schemeClr val="dk1"/>
+            </a:fontRef>
+          </p:style>
+          <p:txBody>
+            <a:bodyPr rtlCol="0" anchor="ctr"/>
+            <a:lstStyle/>
+            <a:p>
+              <a:pPr algn="ctr"/>
+              <a:r>
+                <a:rPr lang="en-US" altLang="ko-KR" sz="1500" dirty="0" err="1"/>
+                <a:t>HomeController</a:t>
+              </a:r>
+              <a:endParaRPr lang="en-US" altLang="ko-KR" sz="1500" dirty="0"/>
+            </a:p>
+            <a:p>
+              <a:pPr algn="ctr"/>
+              <a:r>
+                <a:rPr lang="en-US" altLang="ko-KR" sz="1500" dirty="0"/>
+                <a:t>(</a:t>
+              </a:r>
+              <a:r>
+                <a:rPr lang="en-US" altLang="ko-KR" sz="1500" dirty="0" err="1"/>
+                <a:t>jsp</a:t>
+              </a:r>
+              <a:r>
+                <a:rPr lang="ko-KR" altLang="en-US" sz="1500" dirty="0"/>
+                <a:t>처리</a:t>
+              </a:r>
+              <a:r>
+                <a:rPr lang="en-US" altLang="ko-KR" sz="1500" dirty="0"/>
+                <a:t>)</a:t>
+              </a:r>
+              <a:endParaRPr lang="ko-KR" altLang="en-US" sz="1500" dirty="0"/>
+            </a:p>
+          </p:txBody>
+        </p:sp>
+        <p:sp>
+          <p:nvSpPr>
+            <p:cNvPr id="6" name="직사각형 5"/>
+            <p:cNvSpPr/>
+            <p:nvPr/>
+          </p:nvSpPr>
+          <p:spPr>
+            <a:xfrm>
+              <a:off x="8397331" y="3412270"/>
+              <a:ext cx="2554559" cy="1035869"/>
+            </a:xfrm>
+            <a:prstGeom prst="rect">
+              <a:avLst/>
+            </a:prstGeom>
+            <a:solidFill>
+              <a:schemeClr val="bg1"/>
+            </a:solidFill>
+            <a:ln>
+              <a:solidFill>
+                <a:schemeClr val="tx1"/>
+              </a:solidFill>
+            </a:ln>
+          </p:spPr>
+          <p:style>
+            <a:lnRef idx="2">
+              <a:schemeClr val="accent6"/>
+            </a:lnRef>
+            <a:fillRef idx="1">
+              <a:schemeClr val="lt1"/>
+            </a:fillRef>
+            <a:effectRef idx="0">
+              <a:schemeClr val="accent6"/>
+            </a:effectRef>
+            <a:fontRef idx="minor">
+              <a:schemeClr val="dk1"/>
+            </a:fontRef>
+          </p:style>
+          <p:txBody>
+            <a:bodyPr rtlCol="0" anchor="ctr"/>
+            <a:lstStyle/>
+            <a:p>
+              <a:pPr algn="ctr"/>
+              <a:r>
+                <a:rPr lang="en-US" altLang="ko-KR" sz="1500" dirty="0" err="1"/>
+                <a:t>GoogleCalendarService</a:t>
+              </a:r>
+              <a:endParaRPr lang="en-US" altLang="ko-KR" sz="1500" dirty="0"/>
+            </a:p>
+            <a:p>
+              <a:pPr algn="ctr"/>
+              <a:r>
+                <a:rPr lang="en-US" altLang="ko-KR" sz="1500" dirty="0"/>
+                <a:t>(API </a:t>
+              </a:r>
+              <a:r>
+                <a:rPr lang="ko-KR" altLang="en-US" sz="1500" dirty="0"/>
+                <a:t>처리</a:t>
+              </a:r>
+              <a:r>
+                <a:rPr lang="en-US" altLang="ko-KR" sz="1500" dirty="0"/>
+                <a:t>, </a:t>
+              </a:r>
+              <a:r>
+                <a:rPr lang="ko-KR" altLang="en-US" sz="1500" dirty="0"/>
+                <a:t>이벤트 리스트 전달</a:t>
+              </a:r>
+              <a:r>
+                <a:rPr lang="en-US" altLang="ko-KR" sz="1500" dirty="0"/>
+                <a:t>)</a:t>
+              </a:r>
+              <a:endParaRPr lang="ko-KR" altLang="en-US" sz="1500" dirty="0"/>
+            </a:p>
+          </p:txBody>
+        </p:sp>
+        <p:sp>
+          <p:nvSpPr>
+            <p:cNvPr id="7" name="직사각형 6"/>
+            <p:cNvSpPr/>
+            <p:nvPr/>
+          </p:nvSpPr>
+          <p:spPr>
+            <a:xfrm>
+              <a:off x="4070406" y="2343022"/>
+              <a:ext cx="2277499" cy="1035869"/>
+            </a:xfrm>
+            <a:prstGeom prst="rect">
+              <a:avLst/>
+            </a:prstGeom>
+            <a:solidFill>
+              <a:schemeClr val="bg1"/>
+            </a:solidFill>
+            <a:ln>
+              <a:solidFill>
+                <a:schemeClr val="tx1"/>
+              </a:solidFill>
+            </a:ln>
+          </p:spPr>
+          <p:style>
+            <a:lnRef idx="2">
+              <a:schemeClr val="accent6"/>
+            </a:lnRef>
+            <a:fillRef idx="1">
+              <a:schemeClr val="lt1"/>
+            </a:fillRef>
+            <a:effectRef idx="0">
+              <a:schemeClr val="accent6"/>
+            </a:effectRef>
+            <a:fontRef idx="minor">
+              <a:schemeClr val="dk1"/>
+            </a:fontRef>
+          </p:style>
+          <p:txBody>
+            <a:bodyPr rtlCol="0" anchor="ctr"/>
+            <a:lstStyle/>
+            <a:p>
+              <a:pPr algn="ctr"/>
+              <a:r>
+                <a:rPr lang="en-US" altLang="ko-KR" sz="1500"/>
+                <a:t>CalendarController</a:t>
+              </a:r>
+            </a:p>
+            <a:p>
+              <a:pPr algn="ctr"/>
+              <a:r>
+                <a:rPr lang="en-US" altLang="ko-KR" sz="1500"/>
+                <a:t>(</a:t>
+              </a:r>
+              <a:r>
+                <a:rPr lang="ko-KR" altLang="en-US" sz="1500"/>
+                <a:t>캘린더 리스트 </a:t>
+              </a:r>
+              <a:endParaRPr lang="en-US" altLang="ko-KR" sz="1500"/>
+            </a:p>
+            <a:p>
+              <a:pPr algn="ctr"/>
+              <a:r>
+                <a:rPr lang="ko-KR" altLang="en-US" sz="1500"/>
+                <a:t>전달</a:t>
+              </a:r>
+              <a:r>
+                <a:rPr lang="en-US" altLang="ko-KR" sz="1500"/>
+                <a:t>, </a:t>
+              </a:r>
+              <a:r>
+                <a:rPr lang="ko-KR" altLang="en-US" sz="1500"/>
+                <a:t>캘린더 생성</a:t>
+              </a:r>
+              <a:r>
+                <a:rPr lang="en-US" altLang="ko-KR" sz="1500"/>
+                <a:t>, </a:t>
+              </a:r>
+              <a:r>
+                <a:rPr lang="ko-KR" altLang="en-US" sz="1500"/>
+                <a:t>수정</a:t>
+              </a:r>
+              <a:r>
+                <a:rPr lang="en-US" altLang="ko-KR" sz="1500"/>
+                <a:t>, </a:t>
+              </a:r>
+              <a:r>
+                <a:rPr lang="ko-KR" altLang="en-US" sz="1500"/>
+                <a:t>삭제</a:t>
+              </a:r>
+              <a:r>
+                <a:rPr lang="en-US" altLang="ko-KR" sz="1500"/>
+                <a:t>)</a:t>
+              </a:r>
+              <a:endParaRPr lang="en-US" altLang="ko-KR" sz="1500" dirty="0"/>
+            </a:p>
+          </p:txBody>
+        </p:sp>
+        <p:sp>
+          <p:nvSpPr>
+            <p:cNvPr id="8" name="직사각형 7"/>
+            <p:cNvSpPr/>
+            <p:nvPr/>
+          </p:nvSpPr>
+          <p:spPr>
+            <a:xfrm>
+              <a:off x="5634525" y="5435508"/>
+              <a:ext cx="2288126" cy="946537"/>
+            </a:xfrm>
+            <a:prstGeom prst="rect">
+              <a:avLst/>
+            </a:prstGeom>
+            <a:solidFill>
+              <a:schemeClr val="bg1"/>
+            </a:solidFill>
+            <a:ln>
+              <a:solidFill>
+                <a:schemeClr val="tx1"/>
+              </a:solidFill>
+            </a:ln>
+          </p:spPr>
+          <p:style>
+            <a:lnRef idx="2">
+              <a:schemeClr val="accent6"/>
+            </a:lnRef>
+            <a:fillRef idx="1">
+              <a:schemeClr val="lt1"/>
+            </a:fillRef>
+            <a:effectRef idx="0">
+              <a:schemeClr val="accent6"/>
+            </a:effectRef>
+            <a:fontRef idx="minor">
+              <a:schemeClr val="dk1"/>
+            </a:fontRef>
+          </p:style>
+          <p:txBody>
+            <a:bodyPr rtlCol="0" anchor="ctr"/>
+            <a:lstStyle/>
+            <a:p>
+              <a:pPr algn="ctr"/>
+              <a:r>
+                <a:rPr lang="en-US" altLang="ko-KR" sz="1500" dirty="0" err="1"/>
+                <a:t>EventProcessing</a:t>
+              </a:r>
+              <a:endParaRPr lang="en-US" altLang="ko-KR" sz="1500" dirty="0"/>
+            </a:p>
+            <a:p>
+              <a:pPr algn="ctr"/>
+              <a:r>
+                <a:rPr lang="en-US" altLang="ko-KR" sz="1500" dirty="0"/>
+                <a:t>(</a:t>
+              </a:r>
+              <a:r>
+                <a:rPr lang="ko-KR" altLang="en-US" sz="1500" dirty="0"/>
+                <a:t>이벤트 우선순위 </a:t>
+              </a:r>
+              <a:endParaRPr lang="en-US" altLang="ko-KR" sz="1500" dirty="0"/>
+            </a:p>
+            <a:p>
+              <a:pPr algn="ctr"/>
+              <a:r>
+                <a:rPr lang="ko-KR" altLang="en-US" sz="1500" dirty="0"/>
+                <a:t>정렬</a:t>
+              </a:r>
+              <a:r>
+                <a:rPr lang="en-US" altLang="ko-KR" sz="1500" dirty="0"/>
+                <a:t>)</a:t>
+              </a:r>
+              <a:endParaRPr lang="ko-KR" altLang="en-US" sz="1500" dirty="0"/>
+            </a:p>
+          </p:txBody>
+        </p:sp>
+        <p:sp>
+          <p:nvSpPr>
+            <p:cNvPr id="10" name="직사각형 9"/>
+            <p:cNvSpPr/>
+            <p:nvPr/>
+          </p:nvSpPr>
+          <p:spPr>
+            <a:xfrm>
+              <a:off x="1870479" y="3603379"/>
+              <a:ext cx="1194960" cy="1175577"/>
+            </a:xfrm>
+            <a:prstGeom prst="rect">
+              <a:avLst/>
+            </a:prstGeom>
+            <a:solidFill>
+              <a:schemeClr val="bg1"/>
+            </a:solidFill>
+            <a:ln>
+              <a:solidFill>
+                <a:schemeClr val="tx1"/>
+              </a:solidFill>
+            </a:ln>
+          </p:spPr>
+          <p:style>
+            <a:lnRef idx="2">
+              <a:schemeClr val="accent6"/>
+            </a:lnRef>
+            <a:fillRef idx="1">
+              <a:schemeClr val="lt1"/>
+            </a:fillRef>
+            <a:effectRef idx="0">
+              <a:schemeClr val="accent6"/>
+            </a:effectRef>
+            <a:fontRef idx="minor">
+              <a:schemeClr val="dk1"/>
+            </a:fontRef>
+          </p:style>
+          <p:txBody>
+            <a:bodyPr rtlCol="0" anchor="ctr"/>
+            <a:lstStyle/>
+            <a:p>
+              <a:pPr algn="ctr"/>
+              <a:r>
+                <a:rPr lang="en-US" altLang="ko-KR" sz="1500" dirty="0"/>
+                <a:t>View</a:t>
+              </a:r>
+              <a:endParaRPr lang="ko-KR" altLang="en-US" sz="1500" dirty="0"/>
+            </a:p>
+          </p:txBody>
+        </p:sp>
+        <p:sp>
+          <p:nvSpPr>
+            <p:cNvPr id="22" name="TextBox 21"/>
+            <p:cNvSpPr txBox="1"/>
+            <p:nvPr/>
+          </p:nvSpPr>
+          <p:spPr>
+            <a:xfrm>
+              <a:off x="2769329" y="4765248"/>
+              <a:ext cx="569387" cy="323165"/>
+            </a:xfrm>
+            <a:prstGeom prst="rect">
+              <a:avLst/>
+            </a:prstGeom>
+            <a:noFill/>
+          </p:spPr>
+          <p:txBody>
+            <a:bodyPr wrap="none" rtlCol="0">
+              <a:spAutoFit/>
+            </a:bodyPr>
+            <a:lstStyle/>
+            <a:p>
+              <a:r>
+                <a:rPr lang="ko-KR" altLang="en-US" sz="1500" dirty="0"/>
+                <a:t>요청</a:t>
+              </a:r>
+            </a:p>
+          </p:txBody>
+        </p:sp>
+        <p:sp>
+          <p:nvSpPr>
+            <p:cNvPr id="23" name="TextBox 22"/>
+            <p:cNvSpPr txBox="1"/>
+            <p:nvPr/>
+          </p:nvSpPr>
+          <p:spPr>
+            <a:xfrm>
+              <a:off x="1714974" y="4776213"/>
+              <a:ext cx="569387" cy="323165"/>
+            </a:xfrm>
+            <a:prstGeom prst="rect">
+              <a:avLst/>
+            </a:prstGeom>
+            <a:noFill/>
+          </p:spPr>
+          <p:txBody>
+            <a:bodyPr wrap="none" rtlCol="0">
+              <a:spAutoFit/>
+            </a:bodyPr>
+            <a:lstStyle/>
+            <a:p>
+              <a:r>
+                <a:rPr lang="ko-KR" altLang="en-US" sz="1500" dirty="0"/>
+                <a:t>응답</a:t>
+              </a:r>
+            </a:p>
+          </p:txBody>
+        </p:sp>
+        <p:sp>
+          <p:nvSpPr>
+            <p:cNvPr id="25" name="TextBox 24"/>
+            <p:cNvSpPr txBox="1"/>
+            <p:nvPr/>
+          </p:nvSpPr>
+          <p:spPr>
+            <a:xfrm>
+              <a:off x="2924080" y="1761978"/>
+              <a:ext cx="569387" cy="323165"/>
+            </a:xfrm>
+            <a:prstGeom prst="rect">
+              <a:avLst/>
+            </a:prstGeom>
+            <a:noFill/>
+          </p:spPr>
+          <p:txBody>
+            <a:bodyPr wrap="none" rtlCol="0">
+              <a:spAutoFit/>
+            </a:bodyPr>
+            <a:lstStyle/>
+            <a:p>
+              <a:r>
+                <a:rPr lang="ko-KR" altLang="en-US" sz="1500" dirty="0"/>
+                <a:t>응답</a:t>
+              </a:r>
+            </a:p>
+          </p:txBody>
+        </p:sp>
+        <p:sp>
+          <p:nvSpPr>
+            <p:cNvPr id="26" name="TextBox 25"/>
+            <p:cNvSpPr txBox="1"/>
+            <p:nvPr/>
+          </p:nvSpPr>
+          <p:spPr>
+            <a:xfrm>
+              <a:off x="2919986" y="1306698"/>
+              <a:ext cx="569387" cy="323165"/>
+            </a:xfrm>
+            <a:prstGeom prst="rect">
+              <a:avLst/>
+            </a:prstGeom>
+            <a:noFill/>
+          </p:spPr>
+          <p:txBody>
+            <a:bodyPr wrap="none" rtlCol="0">
+              <a:spAutoFit/>
+            </a:bodyPr>
+            <a:lstStyle/>
+            <a:p>
+              <a:r>
+                <a:rPr lang="ko-KR" altLang="en-US" sz="1500" dirty="0"/>
+                <a:t>요청</a:t>
+              </a:r>
+            </a:p>
+          </p:txBody>
+        </p:sp>
+        <p:sp>
+          <p:nvSpPr>
+            <p:cNvPr id="27" name="TextBox 26"/>
+            <p:cNvSpPr txBox="1"/>
+            <p:nvPr/>
+          </p:nvSpPr>
+          <p:spPr>
+            <a:xfrm>
+              <a:off x="3933838" y="5953152"/>
+              <a:ext cx="1734861" cy="553998"/>
+            </a:xfrm>
+            <a:prstGeom prst="rect">
+              <a:avLst/>
+            </a:prstGeom>
+            <a:noFill/>
+          </p:spPr>
+          <p:txBody>
+            <a:bodyPr wrap="square" rtlCol="0">
+              <a:spAutoFit/>
+            </a:bodyPr>
+            <a:lstStyle/>
+            <a:p>
+              <a:pPr algn="ctr"/>
+              <a:r>
+                <a:rPr lang="ko-KR" altLang="en-US" sz="1500" dirty="0"/>
+                <a:t>이벤트리스트</a:t>
+              </a:r>
+              <a:endParaRPr lang="en-US" altLang="ko-KR" sz="1500" dirty="0"/>
+            </a:p>
+            <a:p>
+              <a:pPr algn="ctr"/>
+              <a:r>
+                <a:rPr lang="ko-KR" altLang="en-US" sz="1500" dirty="0"/>
+                <a:t>리턴</a:t>
+              </a:r>
+            </a:p>
+          </p:txBody>
+        </p:sp>
+        <p:sp>
+          <p:nvSpPr>
+            <p:cNvPr id="29" name="TextBox 28">
+              <a:extLst>
+                <a:ext uri="{FF2B5EF4-FFF2-40B4-BE49-F238E27FC236}">
+                  <a16:creationId xmlns:a16="http://schemas.microsoft.com/office/drawing/2014/main" id="{7E3D9B85-57E2-4274-ADEC-815307140332}"/>
+                </a:ext>
+              </a:extLst>
+            </p:cNvPr>
+            <p:cNvSpPr txBox="1"/>
+            <p:nvPr/>
+          </p:nvSpPr>
+          <p:spPr>
+            <a:xfrm>
+              <a:off x="7241235" y="1050074"/>
+              <a:ext cx="2101743" cy="323165"/>
+            </a:xfrm>
+            <a:prstGeom prst="rect">
+              <a:avLst/>
+            </a:prstGeom>
+            <a:noFill/>
+          </p:spPr>
+          <p:txBody>
+            <a:bodyPr wrap="square" rtlCol="0">
+              <a:spAutoFit/>
+            </a:bodyPr>
+            <a:lstStyle/>
+            <a:p>
+              <a:pPr algn="ctr"/>
+              <a:r>
+                <a:rPr lang="ko-KR" altLang="en-US" sz="1500" dirty="0"/>
+                <a:t>서비스 요청</a:t>
+              </a:r>
+            </a:p>
+          </p:txBody>
+        </p:sp>
+        <p:sp>
+          <p:nvSpPr>
+            <p:cNvPr id="31" name="직사각형 30">
+              <a:extLst>
+                <a:ext uri="{FF2B5EF4-FFF2-40B4-BE49-F238E27FC236}">
+                  <a16:creationId xmlns:a16="http://schemas.microsoft.com/office/drawing/2014/main" id="{4E5B8437-381F-42AD-B7BD-871DE3222263}"/>
+                </a:ext>
+              </a:extLst>
+            </p:cNvPr>
+            <p:cNvSpPr/>
+            <p:nvPr/>
+          </p:nvSpPr>
+          <p:spPr>
+            <a:xfrm>
+              <a:off x="4085392" y="3600121"/>
+              <a:ext cx="2277499" cy="1035869"/>
+            </a:xfrm>
+            <a:prstGeom prst="rect">
+              <a:avLst/>
+            </a:prstGeom>
+            <a:solidFill>
+              <a:schemeClr val="bg1"/>
+            </a:solidFill>
+            <a:ln>
+              <a:solidFill>
+                <a:schemeClr val="tx1"/>
+              </a:solidFill>
+            </a:ln>
+          </p:spPr>
+          <p:style>
+            <a:lnRef idx="2">
+              <a:schemeClr val="accent6"/>
+            </a:lnRef>
+            <a:fillRef idx="1">
+              <a:schemeClr val="lt1"/>
+            </a:fillRef>
+            <a:effectRef idx="0">
+              <a:schemeClr val="accent6"/>
+            </a:effectRef>
+            <a:fontRef idx="minor">
+              <a:schemeClr val="dk1"/>
+            </a:fontRef>
+          </p:style>
+          <p:txBody>
+            <a:bodyPr rtlCol="0" anchor="ctr"/>
+            <a:lstStyle/>
+            <a:p>
+              <a:pPr algn="ctr"/>
+              <a:r>
+                <a:rPr lang="en-US" altLang="ko-KR" sz="1500" dirty="0" err="1"/>
+                <a:t>EventController</a:t>
+              </a:r>
+              <a:endParaRPr lang="en-US" altLang="ko-KR" sz="1500" dirty="0"/>
+            </a:p>
+            <a:p>
+              <a:pPr algn="ctr"/>
+              <a:r>
+                <a:rPr lang="en-US" altLang="ko-KR" sz="1500" dirty="0"/>
+                <a:t>(</a:t>
+              </a:r>
+              <a:r>
+                <a:rPr lang="ko-KR" altLang="en-US" sz="1500" dirty="0"/>
+                <a:t>이벤트 리스트 전달</a:t>
+              </a:r>
+              <a:r>
+                <a:rPr lang="en-US" altLang="ko-KR" sz="1500" dirty="0"/>
+                <a:t>, </a:t>
+              </a:r>
+              <a:br>
+                <a:rPr lang="en-US" altLang="ko-KR" sz="1500" dirty="0"/>
+              </a:br>
+              <a:r>
+                <a:rPr lang="ko-KR" altLang="en-US" sz="1500" dirty="0"/>
+                <a:t>이벤트 생성</a:t>
+              </a:r>
+              <a:r>
+                <a:rPr lang="en-US" altLang="ko-KR" sz="1500" dirty="0"/>
+                <a:t>, </a:t>
+              </a:r>
+              <a:r>
+                <a:rPr lang="ko-KR" altLang="en-US" sz="1500" dirty="0"/>
+                <a:t>수정</a:t>
+              </a:r>
+              <a:r>
+                <a:rPr lang="en-US" altLang="ko-KR" sz="1500" dirty="0"/>
+                <a:t>, </a:t>
+              </a:r>
+              <a:r>
+                <a:rPr lang="ko-KR" altLang="en-US" sz="1500" dirty="0"/>
+                <a:t>삭제</a:t>
+              </a:r>
+              <a:r>
+                <a:rPr lang="en-US" altLang="ko-KR" sz="1500" dirty="0"/>
+                <a:t>)</a:t>
+              </a:r>
+              <a:endParaRPr lang="ko-KR" altLang="en-US" sz="1500" dirty="0"/>
+            </a:p>
+          </p:txBody>
+        </p:sp>
+        <p:sp>
+          <p:nvSpPr>
+            <p:cNvPr id="35" name="TextBox 34">
+              <a:extLst>
+                <a:ext uri="{FF2B5EF4-FFF2-40B4-BE49-F238E27FC236}">
+                  <a16:creationId xmlns:a16="http://schemas.microsoft.com/office/drawing/2014/main" id="{7CDE742E-103B-4BE3-8E67-B2262E6FD034}"/>
+                </a:ext>
+              </a:extLst>
+            </p:cNvPr>
+            <p:cNvSpPr txBox="1"/>
+            <p:nvPr/>
+          </p:nvSpPr>
+          <p:spPr>
+            <a:xfrm>
+              <a:off x="7241234" y="1721821"/>
+              <a:ext cx="2101743" cy="323165"/>
+            </a:xfrm>
+            <a:prstGeom prst="rect">
+              <a:avLst/>
+            </a:prstGeom>
+            <a:noFill/>
+          </p:spPr>
+          <p:txBody>
+            <a:bodyPr wrap="square" rtlCol="0">
+              <a:spAutoFit/>
+            </a:bodyPr>
+            <a:lstStyle/>
+            <a:p>
+              <a:pPr algn="ctr"/>
+              <a:r>
+                <a:rPr lang="ko-KR" altLang="en-US" sz="1500" dirty="0"/>
+                <a:t>서비스 리턴</a:t>
+              </a:r>
+            </a:p>
+          </p:txBody>
+        </p:sp>
+        <p:cxnSp>
+          <p:nvCxnSpPr>
+            <p:cNvPr id="11" name="직선 화살표 연결선 10">
+              <a:extLst>
+                <a:ext uri="{FF2B5EF4-FFF2-40B4-BE49-F238E27FC236}">
+                  <a16:creationId xmlns:a16="http://schemas.microsoft.com/office/drawing/2014/main" id="{9620A5EF-03C3-47B4-AEDF-8DE699D17295}"/>
+                </a:ext>
+              </a:extLst>
+            </p:cNvPr>
+            <p:cNvCxnSpPr>
+              <a:cxnSpLocks/>
+              <a:endCxn id="52" idx="1"/>
+            </p:cNvCxnSpPr>
+            <p:nvPr/>
+          </p:nvCxnSpPr>
+          <p:spPr>
+            <a:xfrm rot="5400000" flipH="1" flipV="1">
+              <a:off x="2150539" y="1683520"/>
+              <a:ext cx="2040062" cy="1799669"/>
+            </a:xfrm>
+            <a:prstGeom prst="bentConnector2">
+              <a:avLst/>
+            </a:prstGeom>
+            <a:ln>
+              <a:solidFill>
+                <a:schemeClr val="tx1"/>
+              </a:solidFill>
+              <a:tailEnd type="triangle"/>
+            </a:ln>
+          </p:spPr>
+          <p:style>
+            <a:lnRef idx="1">
+              <a:schemeClr val="dk1"/>
+            </a:lnRef>
+            <a:fillRef idx="0">
+              <a:schemeClr val="dk1"/>
+            </a:fillRef>
+            <a:effectRef idx="0">
+              <a:schemeClr val="dk1"/>
+            </a:effectRef>
+            <a:fontRef idx="minor">
+              <a:schemeClr val="tx1"/>
+            </a:fontRef>
+          </p:style>
+        </p:cxnSp>
+        <p:cxnSp>
+          <p:nvCxnSpPr>
+            <p:cNvPr id="19" name="직선 화살표 연결선 18">
+              <a:extLst>
+                <a:ext uri="{FF2B5EF4-FFF2-40B4-BE49-F238E27FC236}">
+                  <a16:creationId xmlns:a16="http://schemas.microsoft.com/office/drawing/2014/main" id="{FA55B88B-6E9F-4582-9671-98D7CE887FDF}"/>
+                </a:ext>
+              </a:extLst>
+            </p:cNvPr>
+            <p:cNvCxnSpPr>
+              <a:cxnSpLocks/>
+              <a:endCxn id="10" idx="0"/>
+            </p:cNvCxnSpPr>
+            <p:nvPr/>
+          </p:nvCxnSpPr>
+          <p:spPr>
+            <a:xfrm rot="5400000">
+              <a:off x="2335250" y="1883034"/>
+              <a:ext cx="1853054" cy="1587636"/>
+            </a:xfrm>
+            <a:prstGeom prst="bentConnector3">
+              <a:avLst>
+                <a:gd name="adj1" fmla="val -1402"/>
+              </a:avLst>
+            </a:prstGeom>
+            <a:ln>
+              <a:tailEnd type="triangle"/>
+            </a:ln>
+          </p:spPr>
+          <p:style>
+            <a:lnRef idx="1">
+              <a:schemeClr val="dk1"/>
+            </a:lnRef>
+            <a:fillRef idx="0">
+              <a:schemeClr val="dk1"/>
+            </a:fillRef>
+            <a:effectRef idx="0">
+              <a:schemeClr val="dk1"/>
+            </a:effectRef>
+            <a:fontRef idx="minor">
+              <a:schemeClr val="tx1"/>
+            </a:fontRef>
+          </p:style>
+        </p:cxnSp>
+        <p:cxnSp>
+          <p:nvCxnSpPr>
+            <p:cNvPr id="38" name="직선 화살표 연결선 37">
+              <a:extLst>
+                <a:ext uri="{FF2B5EF4-FFF2-40B4-BE49-F238E27FC236}">
+                  <a16:creationId xmlns:a16="http://schemas.microsoft.com/office/drawing/2014/main" id="{AF869DA9-356F-4A44-97BD-2DCA5BAB34EF}"/>
+                </a:ext>
+              </a:extLst>
+            </p:cNvPr>
+            <p:cNvCxnSpPr>
+              <a:cxnSpLocks/>
+            </p:cNvCxnSpPr>
+            <p:nvPr/>
+          </p:nvCxnSpPr>
+          <p:spPr>
+            <a:xfrm flipV="1">
+              <a:off x="2698078" y="2676852"/>
+              <a:ext cx="1372327" cy="926520"/>
+            </a:xfrm>
+            <a:prstGeom prst="bentConnector3">
+              <a:avLst>
+                <a:gd name="adj1" fmla="val 27"/>
+              </a:avLst>
+            </a:prstGeom>
+            <a:ln>
+              <a:tailEnd type="triangle"/>
+            </a:ln>
+          </p:spPr>
+          <p:style>
+            <a:lnRef idx="1">
+              <a:schemeClr val="dk1"/>
+            </a:lnRef>
+            <a:fillRef idx="0">
+              <a:schemeClr val="dk1"/>
+            </a:fillRef>
+            <a:effectRef idx="0">
+              <a:schemeClr val="dk1"/>
+            </a:effectRef>
+            <a:fontRef idx="minor">
+              <a:schemeClr val="tx1"/>
+            </a:fontRef>
+          </p:style>
+        </p:cxnSp>
+        <p:sp>
+          <p:nvSpPr>
+            <p:cNvPr id="41" name="TextBox 40">
+              <a:extLst>
+                <a:ext uri="{FF2B5EF4-FFF2-40B4-BE49-F238E27FC236}">
+                  <a16:creationId xmlns:a16="http://schemas.microsoft.com/office/drawing/2014/main" id="{9C751B4C-E873-4ED9-9432-8F623FC8F650}"/>
+                </a:ext>
+              </a:extLst>
+            </p:cNvPr>
+            <p:cNvSpPr txBox="1"/>
+            <p:nvPr/>
+          </p:nvSpPr>
+          <p:spPr>
+            <a:xfrm>
+              <a:off x="3200889" y="2383986"/>
+              <a:ext cx="569387" cy="323165"/>
+            </a:xfrm>
+            <a:prstGeom prst="rect">
+              <a:avLst/>
+            </a:prstGeom>
+            <a:noFill/>
+          </p:spPr>
+          <p:txBody>
+            <a:bodyPr wrap="none" rtlCol="0">
+              <a:spAutoFit/>
+            </a:bodyPr>
+            <a:lstStyle/>
+            <a:p>
+              <a:r>
+                <a:rPr lang="ko-KR" altLang="en-US" sz="1500" dirty="0"/>
+                <a:t>요청</a:t>
+              </a:r>
+            </a:p>
+          </p:txBody>
+        </p:sp>
+        <p:cxnSp>
+          <p:nvCxnSpPr>
+            <p:cNvPr id="43" name="직선 화살표 연결선 42">
+              <a:extLst>
+                <a:ext uri="{FF2B5EF4-FFF2-40B4-BE49-F238E27FC236}">
+                  <a16:creationId xmlns:a16="http://schemas.microsoft.com/office/drawing/2014/main" id="{1D45C879-239A-4693-9EC4-57816A06F528}"/>
+                </a:ext>
+              </a:extLst>
+            </p:cNvPr>
+            <p:cNvCxnSpPr>
+              <a:cxnSpLocks/>
+            </p:cNvCxnSpPr>
+            <p:nvPr/>
+          </p:nvCxnSpPr>
+          <p:spPr>
+            <a:xfrm flipH="1">
+              <a:off x="3065439" y="4357179"/>
+              <a:ext cx="1019953" cy="0"/>
+            </a:xfrm>
+            <a:prstGeom prst="straightConnector1">
+              <a:avLst/>
+            </a:prstGeom>
+            <a:ln>
+              <a:tailEnd type="triangle"/>
+            </a:ln>
+          </p:spPr>
+          <p:style>
+            <a:lnRef idx="1">
+              <a:schemeClr val="dk1"/>
+            </a:lnRef>
+            <a:fillRef idx="0">
+              <a:schemeClr val="dk1"/>
+            </a:fillRef>
+            <a:effectRef idx="0">
+              <a:schemeClr val="dk1"/>
+            </a:effectRef>
+            <a:fontRef idx="minor">
+              <a:schemeClr val="tx1"/>
+            </a:fontRef>
+          </p:style>
+        </p:cxnSp>
+        <p:sp>
+          <p:nvSpPr>
+            <p:cNvPr id="44" name="TextBox 43">
+              <a:extLst>
+                <a:ext uri="{FF2B5EF4-FFF2-40B4-BE49-F238E27FC236}">
+                  <a16:creationId xmlns:a16="http://schemas.microsoft.com/office/drawing/2014/main" id="{ED4E6E3D-E8F0-49E0-A592-449F12EBFD64}"/>
+                </a:ext>
+              </a:extLst>
+            </p:cNvPr>
+            <p:cNvSpPr txBox="1"/>
+            <p:nvPr/>
+          </p:nvSpPr>
+          <p:spPr>
+            <a:xfrm>
+              <a:off x="3200888" y="2914271"/>
+              <a:ext cx="569387" cy="323165"/>
+            </a:xfrm>
+            <a:prstGeom prst="rect">
+              <a:avLst/>
+            </a:prstGeom>
+            <a:noFill/>
+          </p:spPr>
+          <p:txBody>
+            <a:bodyPr wrap="none" rtlCol="0">
+              <a:spAutoFit/>
+            </a:bodyPr>
+            <a:lstStyle/>
+            <a:p>
+              <a:r>
+                <a:rPr lang="ko-KR" altLang="en-US" sz="1500" dirty="0"/>
+                <a:t>응답</a:t>
+              </a:r>
+            </a:p>
+          </p:txBody>
+        </p:sp>
+        <p:cxnSp>
+          <p:nvCxnSpPr>
+            <p:cNvPr id="46" name="직선 화살표 연결선 45">
+              <a:extLst>
+                <a:ext uri="{FF2B5EF4-FFF2-40B4-BE49-F238E27FC236}">
+                  <a16:creationId xmlns:a16="http://schemas.microsoft.com/office/drawing/2014/main" id="{B458B4BF-4829-4346-912E-20E507061CE8}"/>
+                </a:ext>
+              </a:extLst>
+            </p:cNvPr>
+            <p:cNvCxnSpPr>
+              <a:cxnSpLocks/>
+              <a:endCxn id="4" idx="0"/>
+            </p:cNvCxnSpPr>
+            <p:nvPr/>
+          </p:nvCxnSpPr>
+          <p:spPr>
+            <a:xfrm>
+              <a:off x="2753275" y="4790725"/>
+              <a:ext cx="0" cy="356934"/>
+            </a:xfrm>
+            <a:prstGeom prst="straightConnector1">
+              <a:avLst/>
+            </a:prstGeom>
+            <a:ln>
+              <a:tailEnd type="triangle"/>
+            </a:ln>
+          </p:spPr>
+          <p:style>
+            <a:lnRef idx="1">
+              <a:schemeClr val="dk1"/>
+            </a:lnRef>
+            <a:fillRef idx="0">
+              <a:schemeClr val="dk1"/>
+            </a:fillRef>
+            <a:effectRef idx="0">
+              <a:schemeClr val="dk1"/>
+            </a:effectRef>
+            <a:fontRef idx="minor">
+              <a:schemeClr val="tx1"/>
+            </a:fontRef>
+          </p:style>
+        </p:cxnSp>
+        <p:cxnSp>
+          <p:nvCxnSpPr>
+            <p:cNvPr id="53" name="직선 화살표 연결선 52">
+              <a:extLst>
+                <a:ext uri="{FF2B5EF4-FFF2-40B4-BE49-F238E27FC236}">
+                  <a16:creationId xmlns:a16="http://schemas.microsoft.com/office/drawing/2014/main" id="{AA72EFB8-D3B6-4573-9FE6-6F5B3AAFE87F}"/>
+                </a:ext>
+              </a:extLst>
+            </p:cNvPr>
+            <p:cNvCxnSpPr>
+              <a:cxnSpLocks/>
+              <a:stCxn id="6" idx="2"/>
+              <a:endCxn id="39" idx="0"/>
+            </p:cNvCxnSpPr>
+            <p:nvPr/>
+          </p:nvCxnSpPr>
+          <p:spPr>
+            <a:xfrm rot="16200000" flipH="1">
+              <a:off x="9180926" y="4941823"/>
+              <a:ext cx="987370" cy="1"/>
+            </a:xfrm>
+            <a:prstGeom prst="bentConnector3">
+              <a:avLst>
+                <a:gd name="adj1" fmla="val 50000"/>
+              </a:avLst>
+            </a:prstGeom>
+            <a:ln>
+              <a:tailEnd type="triangle"/>
+            </a:ln>
+          </p:spPr>
+          <p:style>
+            <a:lnRef idx="1">
+              <a:schemeClr val="dk1"/>
+            </a:lnRef>
+            <a:fillRef idx="0">
+              <a:schemeClr val="dk1"/>
+            </a:fillRef>
+            <a:effectRef idx="0">
+              <a:schemeClr val="dk1"/>
+            </a:effectRef>
+            <a:fontRef idx="minor">
+              <a:schemeClr val="tx1"/>
+            </a:fontRef>
+          </p:style>
+        </p:cxnSp>
+        <p:cxnSp>
+          <p:nvCxnSpPr>
+            <p:cNvPr id="55" name="직선 화살표 연결선 54">
+              <a:extLst>
+                <a:ext uri="{FF2B5EF4-FFF2-40B4-BE49-F238E27FC236}">
+                  <a16:creationId xmlns:a16="http://schemas.microsoft.com/office/drawing/2014/main" id="{603FF358-30F4-44EA-ABF4-301ACADFB01E}"/>
+                </a:ext>
+              </a:extLst>
+            </p:cNvPr>
+            <p:cNvCxnSpPr>
+              <a:cxnSpLocks/>
+              <a:stCxn id="8" idx="1"/>
+              <a:endCxn id="31" idx="2"/>
+            </p:cNvCxnSpPr>
+            <p:nvPr/>
+          </p:nvCxnSpPr>
+          <p:spPr>
+            <a:xfrm rot="10800000">
+              <a:off x="5224143" y="4635991"/>
+              <a:ext cx="410383" cy="1272787"/>
+            </a:xfrm>
+            <a:prstGeom prst="bentConnector2">
+              <a:avLst/>
+            </a:prstGeom>
+            <a:ln>
+              <a:tailEnd type="triangle"/>
+            </a:ln>
+          </p:spPr>
+          <p:style>
+            <a:lnRef idx="1">
+              <a:schemeClr val="dk1"/>
+            </a:lnRef>
+            <a:fillRef idx="0">
+              <a:schemeClr val="dk1"/>
+            </a:fillRef>
+            <a:effectRef idx="0">
+              <a:schemeClr val="dk1"/>
+            </a:effectRef>
+            <a:fontRef idx="minor">
+              <a:schemeClr val="tx1"/>
+            </a:fontRef>
+          </p:style>
+        </p:cxnSp>
+        <p:sp>
+          <p:nvSpPr>
+            <p:cNvPr id="61" name="TextBox 60">
+              <a:extLst>
+                <a:ext uri="{FF2B5EF4-FFF2-40B4-BE49-F238E27FC236}">
+                  <a16:creationId xmlns:a16="http://schemas.microsoft.com/office/drawing/2014/main" id="{C32777A4-5277-4E26-9341-9843C36936B8}"/>
+                </a:ext>
+              </a:extLst>
+            </p:cNvPr>
+            <p:cNvSpPr txBox="1"/>
+            <p:nvPr/>
+          </p:nvSpPr>
+          <p:spPr>
+            <a:xfrm>
+              <a:off x="9674610" y="4549409"/>
+              <a:ext cx="1889402" cy="784830"/>
+            </a:xfrm>
+            <a:prstGeom prst="rect">
+              <a:avLst/>
+            </a:prstGeom>
+            <a:noFill/>
+          </p:spPr>
+          <p:txBody>
+            <a:bodyPr wrap="square" rtlCol="0">
+              <a:spAutoFit/>
+            </a:bodyPr>
+            <a:lstStyle/>
+            <a:p>
+              <a:pPr algn="ctr"/>
+              <a:r>
+                <a:rPr lang="ko-KR" altLang="en-US" sz="1500" dirty="0"/>
+                <a:t>이벤트리스트 </a:t>
+              </a:r>
+              <a:endParaRPr lang="en-US" altLang="ko-KR" sz="1500" dirty="0"/>
+            </a:p>
+            <a:p>
+              <a:pPr algn="ctr"/>
+              <a:r>
+                <a:rPr lang="ko-KR" altLang="en-US" sz="1500" dirty="0"/>
+                <a:t>요청 시 반복 일정</a:t>
+              </a:r>
+              <a:br>
+                <a:rPr lang="en-US" altLang="ko-KR" sz="1500" dirty="0"/>
+              </a:br>
+              <a:r>
+                <a:rPr lang="ko-KR" altLang="en-US" sz="1500" dirty="0"/>
+                <a:t>있으면</a:t>
+              </a:r>
+            </a:p>
+          </p:txBody>
+        </p:sp>
+        <p:cxnSp>
+          <p:nvCxnSpPr>
+            <p:cNvPr id="63" name="직선 화살표 연결선 62">
+              <a:extLst>
+                <a:ext uri="{FF2B5EF4-FFF2-40B4-BE49-F238E27FC236}">
+                  <a16:creationId xmlns:a16="http://schemas.microsoft.com/office/drawing/2014/main" id="{EA473D81-BEBE-4CE2-BB24-22E9E05A225F}"/>
+                </a:ext>
+              </a:extLst>
+            </p:cNvPr>
+            <p:cNvCxnSpPr>
+              <a:cxnSpLocks/>
+            </p:cNvCxnSpPr>
+            <p:nvPr/>
+          </p:nvCxnSpPr>
+          <p:spPr>
+            <a:xfrm>
+              <a:off x="6365257" y="1373239"/>
+              <a:ext cx="3664568" cy="2038741"/>
+            </a:xfrm>
+            <a:prstGeom prst="bentConnector3">
+              <a:avLst>
+                <a:gd name="adj1" fmla="val 100113"/>
+              </a:avLst>
+            </a:prstGeom>
+            <a:ln>
+              <a:tailEnd type="triangle"/>
+            </a:ln>
+          </p:spPr>
+          <p:style>
+            <a:lnRef idx="1">
+              <a:schemeClr val="dk1"/>
+            </a:lnRef>
+            <a:fillRef idx="0">
+              <a:schemeClr val="dk1"/>
+            </a:fillRef>
+            <a:effectRef idx="0">
+              <a:schemeClr val="dk1"/>
+            </a:effectRef>
+            <a:fontRef idx="minor">
+              <a:schemeClr val="tx1"/>
+            </a:fontRef>
+          </p:style>
+        </p:cxnSp>
+        <p:cxnSp>
+          <p:nvCxnSpPr>
+            <p:cNvPr id="65" name="직선 화살표 연결선 64">
+              <a:extLst>
+                <a:ext uri="{FF2B5EF4-FFF2-40B4-BE49-F238E27FC236}">
+                  <a16:creationId xmlns:a16="http://schemas.microsoft.com/office/drawing/2014/main" id="{E3C7A6FC-4AB3-428B-A34D-6CEC6343CEA0}"/>
+                </a:ext>
+              </a:extLst>
+            </p:cNvPr>
+            <p:cNvCxnSpPr>
+              <a:cxnSpLocks/>
+              <a:endCxn id="7" idx="3"/>
+            </p:cNvCxnSpPr>
+            <p:nvPr/>
+          </p:nvCxnSpPr>
+          <p:spPr>
+            <a:xfrm rot="10800000">
+              <a:off x="6347906" y="2860958"/>
+              <a:ext cx="3088449" cy="551021"/>
+            </a:xfrm>
+            <a:prstGeom prst="bentConnector3">
+              <a:avLst>
+                <a:gd name="adj1" fmla="val 9044"/>
+              </a:avLst>
+            </a:prstGeom>
+            <a:ln>
+              <a:tailEnd type="triangle"/>
+            </a:ln>
+          </p:spPr>
+          <p:style>
+            <a:lnRef idx="1">
+              <a:schemeClr val="dk1"/>
+            </a:lnRef>
+            <a:fillRef idx="0">
+              <a:schemeClr val="dk1"/>
+            </a:fillRef>
+            <a:effectRef idx="0">
+              <a:schemeClr val="dk1"/>
+            </a:effectRef>
+            <a:fontRef idx="minor">
+              <a:schemeClr val="tx1"/>
+            </a:fontRef>
+          </p:style>
+        </p:cxnSp>
+        <p:cxnSp>
+          <p:nvCxnSpPr>
+            <p:cNvPr id="74" name="직선 화살표 연결선 73">
+              <a:extLst>
+                <a:ext uri="{FF2B5EF4-FFF2-40B4-BE49-F238E27FC236}">
+                  <a16:creationId xmlns:a16="http://schemas.microsoft.com/office/drawing/2014/main" id="{60A29372-D651-4AA1-B542-F43440C537B3}"/>
+                </a:ext>
+              </a:extLst>
+            </p:cNvPr>
+            <p:cNvCxnSpPr>
+              <a:cxnSpLocks/>
+            </p:cNvCxnSpPr>
+            <p:nvPr/>
+          </p:nvCxnSpPr>
+          <p:spPr>
+            <a:xfrm>
+              <a:off x="6347904" y="2648706"/>
+              <a:ext cx="3105802" cy="745167"/>
+            </a:xfrm>
+            <a:prstGeom prst="bentConnector3">
+              <a:avLst>
+                <a:gd name="adj1" fmla="val 99805"/>
+              </a:avLst>
+            </a:prstGeom>
+            <a:ln>
+              <a:tailEnd type="triangle"/>
+            </a:ln>
+          </p:spPr>
+          <p:style>
+            <a:lnRef idx="1">
+              <a:schemeClr val="dk1"/>
+            </a:lnRef>
+            <a:fillRef idx="0">
+              <a:schemeClr val="dk1"/>
+            </a:fillRef>
+            <a:effectRef idx="0">
+              <a:schemeClr val="dk1"/>
+            </a:effectRef>
+            <a:fontRef idx="minor">
+              <a:schemeClr val="tx1"/>
+            </a:fontRef>
+          </p:style>
+        </p:cxnSp>
+        <p:cxnSp>
+          <p:nvCxnSpPr>
+            <p:cNvPr id="78" name="직선 화살표 연결선 77">
+              <a:extLst>
+                <a:ext uri="{FF2B5EF4-FFF2-40B4-BE49-F238E27FC236}">
+                  <a16:creationId xmlns:a16="http://schemas.microsoft.com/office/drawing/2014/main" id="{E8B2B037-FA01-4D08-9B20-145F3BEEEA3F}"/>
+                </a:ext>
+              </a:extLst>
+            </p:cNvPr>
+            <p:cNvCxnSpPr>
+              <a:cxnSpLocks/>
+              <a:stCxn id="6" idx="0"/>
+            </p:cNvCxnSpPr>
+            <p:nvPr/>
+          </p:nvCxnSpPr>
+          <p:spPr>
+            <a:xfrm rot="16200000" flipV="1">
+              <a:off x="7148763" y="886422"/>
+              <a:ext cx="1724988" cy="3326708"/>
+            </a:xfrm>
+            <a:prstGeom prst="bentConnector2">
+              <a:avLst/>
+            </a:prstGeom>
+            <a:ln>
+              <a:tailEnd type="triangle"/>
+            </a:ln>
+          </p:spPr>
+          <p:style>
+            <a:lnRef idx="1">
+              <a:schemeClr val="dk1"/>
+            </a:lnRef>
+            <a:fillRef idx="0">
+              <a:schemeClr val="dk1"/>
+            </a:fillRef>
+            <a:effectRef idx="0">
+              <a:schemeClr val="dk1"/>
+            </a:effectRef>
+            <a:fontRef idx="minor">
+              <a:schemeClr val="tx1"/>
+            </a:fontRef>
+          </p:style>
+        </p:cxnSp>
+        <p:sp>
+          <p:nvSpPr>
+            <p:cNvPr id="79" name="TextBox 78">
+              <a:extLst>
+                <a:ext uri="{FF2B5EF4-FFF2-40B4-BE49-F238E27FC236}">
+                  <a16:creationId xmlns:a16="http://schemas.microsoft.com/office/drawing/2014/main" id="{DE506908-6604-4C93-812E-6BD3A2C29EBC}"/>
+                </a:ext>
+              </a:extLst>
+            </p:cNvPr>
+            <p:cNvSpPr txBox="1"/>
+            <p:nvPr/>
+          </p:nvSpPr>
+          <p:spPr>
+            <a:xfrm>
+              <a:off x="6849933" y="2324905"/>
+              <a:ext cx="2101743" cy="323165"/>
+            </a:xfrm>
+            <a:prstGeom prst="rect">
+              <a:avLst/>
+            </a:prstGeom>
+            <a:noFill/>
+          </p:spPr>
+          <p:txBody>
+            <a:bodyPr wrap="square" rtlCol="0">
+              <a:spAutoFit/>
+            </a:bodyPr>
+            <a:lstStyle/>
+            <a:p>
+              <a:pPr algn="ctr"/>
+              <a:r>
+                <a:rPr lang="ko-KR" altLang="en-US" sz="1500" dirty="0"/>
+                <a:t>서비스 요청</a:t>
+              </a:r>
+            </a:p>
+          </p:txBody>
+        </p:sp>
+        <p:sp>
+          <p:nvSpPr>
+            <p:cNvPr id="81" name="TextBox 80">
+              <a:extLst>
+                <a:ext uri="{FF2B5EF4-FFF2-40B4-BE49-F238E27FC236}">
+                  <a16:creationId xmlns:a16="http://schemas.microsoft.com/office/drawing/2014/main" id="{2234B263-F17D-43D3-8DF0-DB1388EB2B96}"/>
+                </a:ext>
+              </a:extLst>
+            </p:cNvPr>
+            <p:cNvSpPr txBox="1"/>
+            <p:nvPr/>
+          </p:nvSpPr>
+          <p:spPr>
+            <a:xfrm>
+              <a:off x="6871779" y="2832320"/>
+              <a:ext cx="2101743" cy="323165"/>
+            </a:xfrm>
+            <a:prstGeom prst="rect">
+              <a:avLst/>
+            </a:prstGeom>
+            <a:noFill/>
+          </p:spPr>
+          <p:txBody>
+            <a:bodyPr wrap="square" rtlCol="0">
+              <a:spAutoFit/>
+            </a:bodyPr>
+            <a:lstStyle/>
+            <a:p>
+              <a:pPr algn="ctr"/>
+              <a:r>
+                <a:rPr lang="ko-KR" altLang="en-US" sz="1500" dirty="0"/>
+                <a:t>서비스 리턴</a:t>
+              </a:r>
+            </a:p>
+          </p:txBody>
+        </p:sp>
+        <p:sp>
+          <p:nvSpPr>
+            <p:cNvPr id="39" name="직사각형 38">
+              <a:extLst>
+                <a:ext uri="{FF2B5EF4-FFF2-40B4-BE49-F238E27FC236}">
+                  <a16:creationId xmlns:a16="http://schemas.microsoft.com/office/drawing/2014/main" id="{D4F9528D-3F5C-44F1-9BBB-C93EA9938D4F}"/>
+                </a:ext>
+              </a:extLst>
+            </p:cNvPr>
+            <p:cNvSpPr/>
+            <p:nvPr/>
+          </p:nvSpPr>
+          <p:spPr>
+            <a:xfrm>
+              <a:off x="8530549" y="5435509"/>
+              <a:ext cx="2288126" cy="946537"/>
+            </a:xfrm>
+            <a:prstGeom prst="rect">
+              <a:avLst/>
+            </a:prstGeom>
+            <a:solidFill>
+              <a:schemeClr val="bg1"/>
+            </a:solidFill>
+            <a:ln>
+              <a:solidFill>
+                <a:schemeClr val="tx1"/>
+              </a:solidFill>
+            </a:ln>
+          </p:spPr>
+          <p:style>
+            <a:lnRef idx="2">
+              <a:schemeClr val="accent6"/>
+            </a:lnRef>
+            <a:fillRef idx="1">
+              <a:schemeClr val="lt1"/>
+            </a:fillRef>
+            <a:effectRef idx="0">
+              <a:schemeClr val="accent6"/>
+            </a:effectRef>
+            <a:fontRef idx="minor">
+              <a:schemeClr val="dk1"/>
+            </a:fontRef>
+          </p:style>
+          <p:txBody>
+            <a:bodyPr rtlCol="0" anchor="ctr"/>
+            <a:lstStyle/>
+            <a:p>
+              <a:pPr algn="ctr"/>
+              <a:r>
+                <a:rPr lang="en-US" altLang="ko-KR" sz="1500" dirty="0" err="1"/>
+                <a:t>CalculateRecurrence</a:t>
+              </a:r>
+              <a:endParaRPr lang="en-US" altLang="ko-KR" sz="1500" dirty="0"/>
+            </a:p>
+            <a:p>
+              <a:pPr algn="ctr"/>
+              <a:r>
+                <a:rPr lang="en-US" altLang="ko-KR" sz="1500" dirty="0"/>
+                <a:t>(</a:t>
+              </a:r>
+              <a:r>
+                <a:rPr lang="ko-KR" altLang="en-US" sz="1500" dirty="0"/>
+                <a:t>반복 일정 계산</a:t>
+              </a:r>
+              <a:r>
+                <a:rPr lang="en-US" altLang="ko-KR" sz="1500" dirty="0"/>
+                <a:t>)</a:t>
+              </a:r>
+              <a:endParaRPr lang="ko-KR" altLang="en-US" sz="1500" dirty="0"/>
+            </a:p>
+          </p:txBody>
+        </p:sp>
+        <p:cxnSp>
+          <p:nvCxnSpPr>
+            <p:cNvPr id="45" name="직선 화살표 연결선 52">
+              <a:extLst>
+                <a:ext uri="{FF2B5EF4-FFF2-40B4-BE49-F238E27FC236}">
+                  <a16:creationId xmlns:a16="http://schemas.microsoft.com/office/drawing/2014/main" id="{0800A536-1ADA-4975-8E6C-C4DFBB810BB4}"/>
+                </a:ext>
+              </a:extLst>
+            </p:cNvPr>
+            <p:cNvCxnSpPr>
+              <a:cxnSpLocks/>
+              <a:stCxn id="39" idx="1"/>
+              <a:endCxn id="8" idx="3"/>
+            </p:cNvCxnSpPr>
+            <p:nvPr/>
+          </p:nvCxnSpPr>
+          <p:spPr>
+            <a:xfrm rot="10800000">
+              <a:off x="7922651" y="5908778"/>
+              <a:ext cx="607898" cy="1"/>
+            </a:xfrm>
+            <a:prstGeom prst="bentConnector3">
+              <a:avLst>
+                <a:gd name="adj1" fmla="val 50000"/>
+              </a:avLst>
+            </a:prstGeom>
+            <a:ln>
+              <a:tailEnd type="triangle"/>
+            </a:ln>
+          </p:spPr>
+          <p:style>
+            <a:lnRef idx="1">
+              <a:schemeClr val="dk1"/>
+            </a:lnRef>
+            <a:fillRef idx="0">
+              <a:schemeClr val="dk1"/>
+            </a:fillRef>
+            <a:effectRef idx="0">
+              <a:schemeClr val="dk1"/>
+            </a:effectRef>
+            <a:fontRef idx="minor">
+              <a:schemeClr val="tx1"/>
+            </a:fontRef>
+          </p:style>
+        </p:cxnSp>
+        <p:cxnSp>
+          <p:nvCxnSpPr>
+            <p:cNvPr id="49" name="직선 화살표 연결선 52">
+              <a:extLst>
+                <a:ext uri="{FF2B5EF4-FFF2-40B4-BE49-F238E27FC236}">
+                  <a16:creationId xmlns:a16="http://schemas.microsoft.com/office/drawing/2014/main" id="{13E6FA41-AB3D-46B8-B887-19A61E211C26}"/>
+                </a:ext>
+              </a:extLst>
+            </p:cNvPr>
+            <p:cNvCxnSpPr>
+              <a:cxnSpLocks/>
+              <a:endCxn id="8" idx="0"/>
+            </p:cNvCxnSpPr>
+            <p:nvPr/>
+          </p:nvCxnSpPr>
+          <p:spPr>
+            <a:xfrm rot="10800000" flipV="1">
+              <a:off x="6778589" y="4353172"/>
+              <a:ext cx="1601389" cy="1082336"/>
+            </a:xfrm>
+            <a:prstGeom prst="bentConnector2">
+              <a:avLst/>
+            </a:prstGeom>
+            <a:ln>
+              <a:tailEnd type="triangle"/>
+            </a:ln>
+          </p:spPr>
+          <p:style>
+            <a:lnRef idx="1">
+              <a:schemeClr val="dk1"/>
+            </a:lnRef>
+            <a:fillRef idx="0">
+              <a:schemeClr val="dk1"/>
+            </a:fillRef>
+            <a:effectRef idx="0">
+              <a:schemeClr val="dk1"/>
+            </a:effectRef>
+            <a:fontRef idx="minor">
+              <a:schemeClr val="tx1"/>
+            </a:fontRef>
+          </p:style>
+        </p:cxnSp>
+        <p:sp>
+          <p:nvSpPr>
+            <p:cNvPr id="51" name="TextBox 50">
+              <a:extLst>
+                <a:ext uri="{FF2B5EF4-FFF2-40B4-BE49-F238E27FC236}">
+                  <a16:creationId xmlns:a16="http://schemas.microsoft.com/office/drawing/2014/main" id="{D12AD43F-0243-4AC0-9E6C-0CEA0467888E}"/>
+                </a:ext>
+              </a:extLst>
+            </p:cNvPr>
+            <p:cNvSpPr txBox="1"/>
+            <p:nvPr/>
+          </p:nvSpPr>
+          <p:spPr>
+            <a:xfrm>
+              <a:off x="6814685" y="4600043"/>
+              <a:ext cx="1889402" cy="784830"/>
+            </a:xfrm>
+            <a:prstGeom prst="rect">
+              <a:avLst/>
+            </a:prstGeom>
+            <a:noFill/>
+          </p:spPr>
+          <p:txBody>
+            <a:bodyPr wrap="square" rtlCol="0">
+              <a:spAutoFit/>
+            </a:bodyPr>
+            <a:lstStyle/>
+            <a:p>
+              <a:pPr algn="ctr"/>
+              <a:r>
+                <a:rPr lang="ko-KR" altLang="en-US" sz="1500" dirty="0"/>
+                <a:t>이벤트리스트 </a:t>
+              </a:r>
+              <a:endParaRPr lang="en-US" altLang="ko-KR" sz="1500" dirty="0"/>
+            </a:p>
+            <a:p>
+              <a:pPr algn="ctr"/>
+              <a:r>
+                <a:rPr lang="ko-KR" altLang="en-US" sz="1500" dirty="0"/>
+                <a:t>요청 시 반복 일정</a:t>
+              </a:r>
+              <a:br>
+                <a:rPr lang="en-US" altLang="ko-KR" sz="1500" dirty="0"/>
+              </a:br>
+              <a:r>
+                <a:rPr lang="ko-KR" altLang="en-US" sz="1500" dirty="0"/>
+                <a:t>없으면</a:t>
+              </a:r>
+            </a:p>
+          </p:txBody>
+        </p:sp>
+        <p:sp>
+          <p:nvSpPr>
+            <p:cNvPr id="52" name="직사각형 51">
+              <a:extLst>
+                <a:ext uri="{FF2B5EF4-FFF2-40B4-BE49-F238E27FC236}">
+                  <a16:creationId xmlns:a16="http://schemas.microsoft.com/office/drawing/2014/main" id="{CA0EB943-2B8A-48B9-82D7-874B7AF1FBCC}"/>
+                </a:ext>
+              </a:extLst>
+            </p:cNvPr>
+            <p:cNvSpPr/>
+            <p:nvPr/>
+          </p:nvSpPr>
+          <p:spPr>
+            <a:xfrm>
+              <a:off x="4070405" y="1045388"/>
+              <a:ext cx="2277499" cy="1035869"/>
+            </a:xfrm>
+            <a:prstGeom prst="rect">
+              <a:avLst/>
+            </a:prstGeom>
+            <a:solidFill>
+              <a:schemeClr val="bg1"/>
+            </a:solidFill>
+            <a:ln>
+              <a:solidFill>
+                <a:schemeClr val="tx1"/>
+              </a:solidFill>
+            </a:ln>
+          </p:spPr>
+          <p:style>
+            <a:lnRef idx="2">
+              <a:schemeClr val="accent6"/>
+            </a:lnRef>
+            <a:fillRef idx="1">
+              <a:schemeClr val="lt1"/>
+            </a:fillRef>
+            <a:effectRef idx="0">
+              <a:schemeClr val="accent6"/>
+            </a:effectRef>
+            <a:fontRef idx="minor">
+              <a:schemeClr val="dk1"/>
+            </a:fontRef>
+          </p:style>
+          <p:txBody>
+            <a:bodyPr rtlCol="0" anchor="ctr"/>
+            <a:lstStyle/>
+            <a:p>
+              <a:pPr algn="ctr"/>
+              <a:r>
+                <a:rPr lang="en-US" altLang="ko-KR" sz="1500" dirty="0" err="1"/>
+                <a:t>ACLController</a:t>
+              </a:r>
+              <a:endParaRPr lang="en-US" altLang="ko-KR" sz="1500" dirty="0"/>
+            </a:p>
+            <a:p>
+              <a:pPr algn="ctr"/>
+              <a:r>
+                <a:rPr lang="en-US" altLang="ko-KR" sz="1500" dirty="0"/>
+                <a:t>(</a:t>
+              </a:r>
+              <a:r>
+                <a:rPr lang="ko-KR" altLang="en-US" sz="1500" dirty="0"/>
+                <a:t>캘린더 권한 전달</a:t>
+              </a:r>
+              <a:r>
+                <a:rPr lang="en-US" altLang="ko-KR" sz="1500" dirty="0"/>
+                <a:t>, </a:t>
+              </a:r>
+              <a:r>
+                <a:rPr lang="ko-KR" altLang="en-US" sz="1500" dirty="0"/>
+                <a:t>생성</a:t>
+              </a:r>
+              <a:r>
+                <a:rPr lang="en-US" altLang="ko-KR" sz="1500" dirty="0"/>
+                <a:t>, </a:t>
+              </a:r>
+              <a:r>
+                <a:rPr lang="ko-KR" altLang="en-US" sz="1500" dirty="0"/>
+                <a:t>수정</a:t>
+              </a:r>
+              <a:r>
+                <a:rPr lang="en-US" altLang="ko-KR" sz="1500" dirty="0"/>
+                <a:t>, </a:t>
+              </a:r>
+              <a:r>
+                <a:rPr lang="ko-KR" altLang="en-US" sz="1500" dirty="0"/>
+                <a:t>삭제</a:t>
+              </a:r>
+              <a:r>
+                <a:rPr lang="en-US" altLang="ko-KR" sz="1500" dirty="0"/>
+                <a:t>)</a:t>
+              </a:r>
+              <a:endParaRPr lang="ko-KR" altLang="en-US" sz="1500" dirty="0"/>
+            </a:p>
+          </p:txBody>
+        </p:sp>
+        <p:cxnSp>
+          <p:nvCxnSpPr>
+            <p:cNvPr id="66" name="직선 화살표 연결선 65">
+              <a:extLst>
+                <a:ext uri="{FF2B5EF4-FFF2-40B4-BE49-F238E27FC236}">
+                  <a16:creationId xmlns:a16="http://schemas.microsoft.com/office/drawing/2014/main" id="{46C5EBCA-AEC0-438B-BBE7-3359C76EDC5E}"/>
+                </a:ext>
+              </a:extLst>
+            </p:cNvPr>
+            <p:cNvCxnSpPr>
+              <a:cxnSpLocks/>
+            </p:cNvCxnSpPr>
+            <p:nvPr/>
+          </p:nvCxnSpPr>
+          <p:spPr>
+            <a:xfrm flipV="1">
+              <a:off x="2368779" y="4792087"/>
+              <a:ext cx="0" cy="355572"/>
+            </a:xfrm>
+            <a:prstGeom prst="straightConnector1">
+              <a:avLst/>
+            </a:prstGeom>
+            <a:ln>
+              <a:tailEnd type="triangle"/>
+            </a:ln>
+          </p:spPr>
+          <p:style>
+            <a:lnRef idx="1">
+              <a:schemeClr val="dk1"/>
+            </a:lnRef>
+            <a:fillRef idx="0">
+              <a:schemeClr val="dk1"/>
+            </a:fillRef>
+            <a:effectRef idx="0">
+              <a:schemeClr val="dk1"/>
+            </a:effectRef>
+            <a:fontRef idx="minor">
+              <a:schemeClr val="tx1"/>
+            </a:fontRef>
+          </p:style>
+        </p:cxnSp>
+        <p:cxnSp>
+          <p:nvCxnSpPr>
+            <p:cNvPr id="77" name="직선 화살표 연결선 76">
+              <a:extLst>
+                <a:ext uri="{FF2B5EF4-FFF2-40B4-BE49-F238E27FC236}">
+                  <a16:creationId xmlns:a16="http://schemas.microsoft.com/office/drawing/2014/main" id="{0710C312-28B8-4A02-970D-87C5C5DD3677}"/>
+                </a:ext>
+              </a:extLst>
+            </p:cNvPr>
+            <p:cNvCxnSpPr>
+              <a:cxnSpLocks/>
+            </p:cNvCxnSpPr>
+            <p:nvPr/>
+          </p:nvCxnSpPr>
+          <p:spPr>
+            <a:xfrm>
+              <a:off x="3078215" y="4071429"/>
+              <a:ext cx="1000827" cy="0"/>
+            </a:xfrm>
+            <a:prstGeom prst="straightConnector1">
+              <a:avLst/>
+            </a:prstGeom>
+            <a:ln>
+              <a:tailEnd type="triangle"/>
+            </a:ln>
+          </p:spPr>
+          <p:style>
+            <a:lnRef idx="1">
+              <a:schemeClr val="dk1"/>
+            </a:lnRef>
+            <a:fillRef idx="0">
+              <a:schemeClr val="dk1"/>
+            </a:fillRef>
+            <a:effectRef idx="0">
+              <a:schemeClr val="dk1"/>
+            </a:effectRef>
+            <a:fontRef idx="minor">
+              <a:schemeClr val="tx1"/>
+            </a:fontRef>
+          </p:style>
+        </p:cxnSp>
+        <p:sp>
+          <p:nvSpPr>
+            <p:cNvPr id="83" name="TextBox 82">
+              <a:extLst>
+                <a:ext uri="{FF2B5EF4-FFF2-40B4-BE49-F238E27FC236}">
+                  <a16:creationId xmlns:a16="http://schemas.microsoft.com/office/drawing/2014/main" id="{827F2AF0-8BA3-4759-A393-0F39233EC262}"/>
+                </a:ext>
+              </a:extLst>
+            </p:cNvPr>
+            <p:cNvSpPr txBox="1"/>
+            <p:nvPr/>
+          </p:nvSpPr>
+          <p:spPr>
+            <a:xfrm>
+              <a:off x="3250053" y="3794418"/>
+              <a:ext cx="569387" cy="323165"/>
+            </a:xfrm>
+            <a:prstGeom prst="rect">
+              <a:avLst/>
+            </a:prstGeom>
+            <a:noFill/>
+          </p:spPr>
+          <p:txBody>
+            <a:bodyPr wrap="none" rtlCol="0">
+              <a:spAutoFit/>
+            </a:bodyPr>
+            <a:lstStyle/>
+            <a:p>
+              <a:r>
+                <a:rPr lang="ko-KR" altLang="en-US" sz="1500" dirty="0"/>
+                <a:t>요청</a:t>
+              </a:r>
+            </a:p>
+          </p:txBody>
+        </p:sp>
+        <p:sp>
+          <p:nvSpPr>
+            <p:cNvPr id="84" name="TextBox 83">
+              <a:extLst>
+                <a:ext uri="{FF2B5EF4-FFF2-40B4-BE49-F238E27FC236}">
+                  <a16:creationId xmlns:a16="http://schemas.microsoft.com/office/drawing/2014/main" id="{DD95350B-7B98-41F3-83BA-64D5237A3772}"/>
+                </a:ext>
+              </a:extLst>
+            </p:cNvPr>
+            <p:cNvSpPr txBox="1"/>
+            <p:nvPr/>
+          </p:nvSpPr>
+          <p:spPr>
+            <a:xfrm>
+              <a:off x="3250053" y="4364068"/>
+              <a:ext cx="569387" cy="323165"/>
+            </a:xfrm>
+            <a:prstGeom prst="rect">
+              <a:avLst/>
+            </a:prstGeom>
+            <a:noFill/>
+          </p:spPr>
+          <p:txBody>
+            <a:bodyPr wrap="none" rtlCol="0">
+              <a:spAutoFit/>
+            </a:bodyPr>
+            <a:lstStyle/>
+            <a:p>
+              <a:r>
+                <a:rPr lang="ko-KR" altLang="en-US" sz="1500" dirty="0"/>
+                <a:t>응답</a:t>
+              </a:r>
+            </a:p>
+          </p:txBody>
+        </p:sp>
+        <p:cxnSp>
+          <p:nvCxnSpPr>
+            <p:cNvPr id="85" name="직선 화살표 연결선 84">
+              <a:extLst>
+                <a:ext uri="{FF2B5EF4-FFF2-40B4-BE49-F238E27FC236}">
+                  <a16:creationId xmlns:a16="http://schemas.microsoft.com/office/drawing/2014/main" id="{9FA473A5-93CE-45FD-A570-5551CC0E85A4}"/>
+                </a:ext>
+              </a:extLst>
+            </p:cNvPr>
+            <p:cNvCxnSpPr>
+              <a:cxnSpLocks/>
+            </p:cNvCxnSpPr>
+            <p:nvPr/>
+          </p:nvCxnSpPr>
+          <p:spPr>
+            <a:xfrm flipH="1">
+              <a:off x="6362891" y="3904015"/>
+              <a:ext cx="2017087" cy="887"/>
+            </a:xfrm>
+            <a:prstGeom prst="straightConnector1">
+              <a:avLst/>
+            </a:prstGeom>
+            <a:ln>
+              <a:tailEnd type="triangle"/>
+            </a:ln>
+          </p:spPr>
+          <p:style>
+            <a:lnRef idx="1">
+              <a:schemeClr val="dk1"/>
+            </a:lnRef>
+            <a:fillRef idx="0">
+              <a:schemeClr val="dk1"/>
+            </a:fillRef>
+            <a:effectRef idx="0">
+              <a:schemeClr val="dk1"/>
+            </a:effectRef>
+            <a:fontRef idx="minor">
+              <a:schemeClr val="tx1"/>
+            </a:fontRef>
+          </p:style>
+        </p:cxnSp>
+        <p:cxnSp>
+          <p:nvCxnSpPr>
+            <p:cNvPr id="86" name="직선 화살표 연결선 85">
+              <a:extLst>
+                <a:ext uri="{FF2B5EF4-FFF2-40B4-BE49-F238E27FC236}">
+                  <a16:creationId xmlns:a16="http://schemas.microsoft.com/office/drawing/2014/main" id="{01BE7B26-2BEE-4122-8858-009D166ACFD7}"/>
+                </a:ext>
+              </a:extLst>
+            </p:cNvPr>
+            <p:cNvCxnSpPr>
+              <a:cxnSpLocks/>
+            </p:cNvCxnSpPr>
+            <p:nvPr/>
+          </p:nvCxnSpPr>
+          <p:spPr>
+            <a:xfrm>
+              <a:off x="6362891" y="3717038"/>
+              <a:ext cx="2034440" cy="0"/>
+            </a:xfrm>
+            <a:prstGeom prst="straightConnector1">
+              <a:avLst/>
+            </a:prstGeom>
+            <a:ln>
+              <a:tailEnd type="triangle"/>
+            </a:ln>
+          </p:spPr>
+          <p:style>
+            <a:lnRef idx="1">
+              <a:schemeClr val="dk1"/>
+            </a:lnRef>
+            <a:fillRef idx="0">
+              <a:schemeClr val="dk1"/>
+            </a:fillRef>
+            <a:effectRef idx="0">
+              <a:schemeClr val="dk1"/>
+            </a:effectRef>
+            <a:fontRef idx="minor">
+              <a:schemeClr val="tx1"/>
+            </a:fontRef>
+          </p:style>
+        </p:cxnSp>
+        <p:sp>
+          <p:nvSpPr>
+            <p:cNvPr id="87" name="TextBox 86">
+              <a:extLst>
+                <a:ext uri="{FF2B5EF4-FFF2-40B4-BE49-F238E27FC236}">
+                  <a16:creationId xmlns:a16="http://schemas.microsoft.com/office/drawing/2014/main" id="{C27E0A4B-F2B0-48A8-942E-A22D06B22600}"/>
+                </a:ext>
+              </a:extLst>
+            </p:cNvPr>
+            <p:cNvSpPr txBox="1"/>
+            <p:nvPr/>
+          </p:nvSpPr>
+          <p:spPr>
+            <a:xfrm>
+              <a:off x="6907491" y="3335252"/>
+              <a:ext cx="1213794" cy="323165"/>
+            </a:xfrm>
+            <a:prstGeom prst="rect">
+              <a:avLst/>
+            </a:prstGeom>
+            <a:noFill/>
+          </p:spPr>
+          <p:txBody>
+            <a:bodyPr wrap="none" rtlCol="0">
+              <a:spAutoFit/>
+            </a:bodyPr>
+            <a:lstStyle/>
+            <a:p>
+              <a:r>
+                <a:rPr lang="ko-KR" altLang="en-US" sz="1500" dirty="0"/>
+                <a:t>서비스 요청</a:t>
+              </a:r>
+            </a:p>
+          </p:txBody>
+        </p:sp>
+        <p:sp>
+          <p:nvSpPr>
+            <p:cNvPr id="88" name="TextBox 87">
+              <a:extLst>
+                <a:ext uri="{FF2B5EF4-FFF2-40B4-BE49-F238E27FC236}">
+                  <a16:creationId xmlns:a16="http://schemas.microsoft.com/office/drawing/2014/main" id="{7C80B217-0563-4735-AC43-473EA156BB9F}"/>
+                </a:ext>
+              </a:extLst>
+            </p:cNvPr>
+            <p:cNvSpPr txBox="1"/>
+            <p:nvPr/>
+          </p:nvSpPr>
+          <p:spPr>
+            <a:xfrm>
+              <a:off x="6907491" y="3904902"/>
+              <a:ext cx="1213794" cy="323165"/>
+            </a:xfrm>
+            <a:prstGeom prst="rect">
+              <a:avLst/>
+            </a:prstGeom>
+            <a:noFill/>
+          </p:spPr>
+          <p:txBody>
+            <a:bodyPr wrap="none" rtlCol="0">
+              <a:spAutoFit/>
+            </a:bodyPr>
+            <a:lstStyle/>
+            <a:p>
+              <a:r>
+                <a:rPr lang="ko-KR" altLang="en-US" sz="1500" dirty="0"/>
+                <a:t>서비스 응답</a:t>
+              </a:r>
+            </a:p>
+          </p:txBody>
+        </p:sp>
+        <p:cxnSp>
+          <p:nvCxnSpPr>
+            <p:cNvPr id="111" name="직선 화살표 연결선 18">
+              <a:extLst>
+                <a:ext uri="{FF2B5EF4-FFF2-40B4-BE49-F238E27FC236}">
+                  <a16:creationId xmlns:a16="http://schemas.microsoft.com/office/drawing/2014/main" id="{E654A0B0-7E10-44FF-BD63-0657F2978172}"/>
+                </a:ext>
+              </a:extLst>
+            </p:cNvPr>
+            <p:cNvCxnSpPr>
+              <a:cxnSpLocks/>
+            </p:cNvCxnSpPr>
+            <p:nvPr/>
+          </p:nvCxnSpPr>
+          <p:spPr>
+            <a:xfrm rot="10800000" flipV="1">
+              <a:off x="2851151" y="2860357"/>
+              <a:ext cx="1227893" cy="739763"/>
+            </a:xfrm>
+            <a:prstGeom prst="bentConnector3">
+              <a:avLst>
+                <a:gd name="adj1" fmla="val 100163"/>
+              </a:avLst>
+            </a:prstGeom>
+            <a:ln>
+              <a:tailEnd type="triangle"/>
+            </a:ln>
+          </p:spPr>
+          <p:style>
+            <a:lnRef idx="1">
+              <a:schemeClr val="dk1"/>
+            </a:lnRef>
+            <a:fillRef idx="0">
+              <a:schemeClr val="dk1"/>
+            </a:fillRef>
+            <a:effectRef idx="0">
+              <a:schemeClr val="dk1"/>
+            </a:effectRef>
+            <a:fontRef idx="minor">
+              <a:schemeClr val="tx1"/>
+            </a:fontRef>
+          </p:style>
+        </p:cxnSp>
+      </p:grpSp>
+    </p:spTree>
+    <p:extLst>
+      <p:ext uri="{BB962C8B-B14F-4D97-AF65-F5344CB8AC3E}">
+        <p14:creationId xmlns:p14="http://schemas.microsoft.com/office/powerpoint/2010/main" val="2701071345"/>
+      </p:ext>
+    </p:extLst>
+  </p:cSld>
+  <p:clrMapOvr>
+    <a:masterClrMapping/>
+  </p:clrMapOvr>
+</p:sld>
+</file>
+
+<file path=ppt/slides/slide3.xml><?xml version="1.0" encoding="utf-8"?>
+<p:sld xmlns:a="http://schemas.openxmlformats.org/drawingml/2006/main" xmlns:r="http://schemas.openxmlformats.org/officeDocument/2006/relationships" xmlns:p="http://schemas.openxmlformats.org/presentationml/2006/main">
+  <p:cSld>
+    <p:spTree>
+      <p:nvGrpSpPr>
+        <p:cNvPr id="1" name=""/>
+        <p:cNvGrpSpPr/>
+        <p:nvPr/>
+      </p:nvGrpSpPr>
+      <p:grpSpPr>
+        <a:xfrm>
+          <a:off x="0" y="0"/>
+          <a:ext cx="0" cy="0"/>
+          <a:chOff x="0" y="0"/>
+          <a:chExt cx="0" cy="0"/>
+        </a:xfrm>
+      </p:grpSpPr>
       <p:pic>
         <p:nvPicPr>
           <p:cNvPr id="4" name="그림 3">

--- a/클래스 설계도.pptx
+++ b/클래스 설계도.pptx
@@ -243,7 +243,7 @@
           <a:p>
             <a:fld id="{F9EE1C67-F7D1-497A-B2E4-C5BCCC4B7E13}" type="datetimeFigureOut">
               <a:rPr lang="ko-KR" altLang="en-US" smtClean="0"/>
-              <a:t>2018-05-13</a:t>
+              <a:t>2018-05-15</a:t>
             </a:fld>
             <a:endParaRPr lang="ko-KR" altLang="en-US"/>
           </a:p>
@@ -411,7 +411,7 @@
           <a:p>
             <a:fld id="{F9EE1C67-F7D1-497A-B2E4-C5BCCC4B7E13}" type="datetimeFigureOut">
               <a:rPr lang="ko-KR" altLang="en-US" smtClean="0"/>
-              <a:t>2018-05-13</a:t>
+              <a:t>2018-05-15</a:t>
             </a:fld>
             <a:endParaRPr lang="ko-KR" altLang="en-US"/>
           </a:p>
@@ -589,7 +589,7 @@
           <a:p>
             <a:fld id="{F9EE1C67-F7D1-497A-B2E4-C5BCCC4B7E13}" type="datetimeFigureOut">
               <a:rPr lang="ko-KR" altLang="en-US" smtClean="0"/>
-              <a:t>2018-05-13</a:t>
+              <a:t>2018-05-15</a:t>
             </a:fld>
             <a:endParaRPr lang="ko-KR" altLang="en-US"/>
           </a:p>
@@ -757,7 +757,7 @@
           <a:p>
             <a:fld id="{F9EE1C67-F7D1-497A-B2E4-C5BCCC4B7E13}" type="datetimeFigureOut">
               <a:rPr lang="ko-KR" altLang="en-US" smtClean="0"/>
-              <a:t>2018-05-13</a:t>
+              <a:t>2018-05-15</a:t>
             </a:fld>
             <a:endParaRPr lang="ko-KR" altLang="en-US"/>
           </a:p>
@@ -1002,7 +1002,7 @@
           <a:p>
             <a:fld id="{F9EE1C67-F7D1-497A-B2E4-C5BCCC4B7E13}" type="datetimeFigureOut">
               <a:rPr lang="ko-KR" altLang="en-US" smtClean="0"/>
-              <a:t>2018-05-13</a:t>
+              <a:t>2018-05-15</a:t>
             </a:fld>
             <a:endParaRPr lang="ko-KR" altLang="en-US"/>
           </a:p>
@@ -1231,7 +1231,7 @@
           <a:p>
             <a:fld id="{F9EE1C67-F7D1-497A-B2E4-C5BCCC4B7E13}" type="datetimeFigureOut">
               <a:rPr lang="ko-KR" altLang="en-US" smtClean="0"/>
-              <a:t>2018-05-13</a:t>
+              <a:t>2018-05-15</a:t>
             </a:fld>
             <a:endParaRPr lang="ko-KR" altLang="en-US"/>
           </a:p>
@@ -1595,7 +1595,7 @@
           <a:p>
             <a:fld id="{F9EE1C67-F7D1-497A-B2E4-C5BCCC4B7E13}" type="datetimeFigureOut">
               <a:rPr lang="ko-KR" altLang="en-US" smtClean="0"/>
-              <a:t>2018-05-13</a:t>
+              <a:t>2018-05-15</a:t>
             </a:fld>
             <a:endParaRPr lang="ko-KR" altLang="en-US"/>
           </a:p>
@@ -1712,7 +1712,7 @@
           <a:p>
             <a:fld id="{F9EE1C67-F7D1-497A-B2E4-C5BCCC4B7E13}" type="datetimeFigureOut">
               <a:rPr lang="ko-KR" altLang="en-US" smtClean="0"/>
-              <a:t>2018-05-13</a:t>
+              <a:t>2018-05-15</a:t>
             </a:fld>
             <a:endParaRPr lang="ko-KR" altLang="en-US"/>
           </a:p>
@@ -1807,7 +1807,7 @@
           <a:p>
             <a:fld id="{F9EE1C67-F7D1-497A-B2E4-C5BCCC4B7E13}" type="datetimeFigureOut">
               <a:rPr lang="ko-KR" altLang="en-US" smtClean="0"/>
-              <a:t>2018-05-13</a:t>
+              <a:t>2018-05-15</a:t>
             </a:fld>
             <a:endParaRPr lang="ko-KR" altLang="en-US"/>
           </a:p>
@@ -2082,7 +2082,7 @@
           <a:p>
             <a:fld id="{F9EE1C67-F7D1-497A-B2E4-C5BCCC4B7E13}" type="datetimeFigureOut">
               <a:rPr lang="ko-KR" altLang="en-US" smtClean="0"/>
-              <a:t>2018-05-13</a:t>
+              <a:t>2018-05-15</a:t>
             </a:fld>
             <a:endParaRPr lang="ko-KR" altLang="en-US"/>
           </a:p>
@@ -2334,7 +2334,7 @@
           <a:p>
             <a:fld id="{F9EE1C67-F7D1-497A-B2E4-C5BCCC4B7E13}" type="datetimeFigureOut">
               <a:rPr lang="ko-KR" altLang="en-US" smtClean="0"/>
-              <a:t>2018-05-13</a:t>
+              <a:t>2018-05-15</a:t>
             </a:fld>
             <a:endParaRPr lang="ko-KR" altLang="en-US"/>
           </a:p>
@@ -2545,7 +2545,7 @@
           <a:p>
             <a:fld id="{F9EE1C67-F7D1-497A-B2E4-C5BCCC4B7E13}" type="datetimeFigureOut">
               <a:rPr lang="ko-KR" altLang="en-US" smtClean="0"/>
-              <a:t>2018-05-13</a:t>
+              <a:t>2018-05-15</a:t>
             </a:fld>
             <a:endParaRPr lang="ko-KR" altLang="en-US"/>
           </a:p>
@@ -4428,10 +4428,10 @@
       </p:grpSpPr>
       <p:grpSp>
         <p:nvGrpSpPr>
-          <p:cNvPr id="129" name="그룹 128">
+          <p:cNvPr id="30" name="그룹 29">
             <a:extLst>
               <a:ext uri="{FF2B5EF4-FFF2-40B4-BE49-F238E27FC236}">
-                <a16:creationId xmlns:a16="http://schemas.microsoft.com/office/drawing/2014/main" id="{8B74138F-74AE-4649-B291-C6F4FFAE9507}"/>
+                <a16:creationId xmlns:a16="http://schemas.microsoft.com/office/drawing/2014/main" id="{C706590A-AAED-458C-906F-FAD434EC8ECF}"/>
               </a:ext>
             </a:extLst>
           </p:cNvPr>
@@ -4440,10 +4440,10 @@
         </p:nvGrpSpPr>
         <p:grpSpPr>
           <a:xfrm>
-            <a:off x="1023975" y="912038"/>
-            <a:ext cx="9949487" cy="5461762"/>
-            <a:chOff x="1614525" y="1045388"/>
-            <a:chExt cx="9949487" cy="5461762"/>
+            <a:off x="1023975" y="-7182"/>
+            <a:ext cx="9949487" cy="6380982"/>
+            <a:chOff x="1023975" y="-7182"/>
+            <a:chExt cx="9949487" cy="6380982"/>
           </a:xfrm>
         </p:grpSpPr>
         <p:sp>
@@ -4454,7 +4454,7 @@
           </p:nvSpPr>
           <p:spPr>
             <a:xfrm>
-              <a:off x="1614525" y="5147659"/>
+              <a:off x="1023975" y="5014309"/>
               <a:ext cx="2277499" cy="705239"/>
             </a:xfrm>
             <a:prstGeom prst="rect">
@@ -4524,7 +4524,7 @@
           </p:nvSpPr>
           <p:spPr>
             <a:xfrm>
-              <a:off x="8397331" y="3412270"/>
+              <a:off x="7806781" y="3278920"/>
               <a:ext cx="2554559" cy="1035869"/>
             </a:xfrm>
             <a:prstGeom prst="rect">
@@ -4598,7 +4598,7 @@
           </p:nvSpPr>
           <p:spPr>
             <a:xfrm>
-              <a:off x="4070406" y="2343022"/>
+              <a:off x="3479856" y="2209672"/>
               <a:ext cx="2277499" cy="1035869"/>
             </a:xfrm>
             <a:prstGeom prst="rect">
@@ -4633,57 +4633,49 @@
             <a:p>
               <a:pPr algn="ctr"/>
               <a:r>
-                <a:rPr lang="en-US" altLang="ko-KR" sz="1500"/>
-                <a:t>CalendarController</a:t>
-              </a:r>
+                <a:rPr lang="en-US" altLang="ko-KR" sz="1500" dirty="0" err="1"/>
+                <a:t>ACLController</a:t>
+              </a:r>
+              <a:endParaRPr lang="en-US" altLang="ko-KR" sz="1500" dirty="0"/>
             </a:p>
             <a:p>
               <a:pPr algn="ctr"/>
               <a:r>
-                <a:rPr lang="en-US" altLang="ko-KR" sz="1500"/>
+                <a:rPr lang="en-US" altLang="ko-KR" sz="1500" dirty="0"/>
                 <a:t>(</a:t>
               </a:r>
               <a:r>
-                <a:rPr lang="ko-KR" altLang="en-US" sz="1500"/>
-                <a:t>캘린더 리스트 </a:t>
-              </a:r>
-              <a:endParaRPr lang="en-US" altLang="ko-KR" sz="1500"/>
-            </a:p>
-            <a:p>
-              <a:pPr algn="ctr"/>
-              <a:r>
-                <a:rPr lang="ko-KR" altLang="en-US" sz="1500"/>
-                <a:t>전달</a:t>
-              </a:r>
-              <a:r>
-                <a:rPr lang="en-US" altLang="ko-KR" sz="1500"/>
+                <a:rPr lang="ko-KR" altLang="en-US" sz="1500" dirty="0"/>
+                <a:t>캘린더 권한 전달</a:t>
+              </a:r>
+              <a:r>
+                <a:rPr lang="en-US" altLang="ko-KR" sz="1500" dirty="0"/>
                 <a:t>, </a:t>
               </a:r>
               <a:r>
-                <a:rPr lang="ko-KR" altLang="en-US" sz="1500"/>
-                <a:t>캘린더 생성</a:t>
-              </a:r>
-              <a:r>
-                <a:rPr lang="en-US" altLang="ko-KR" sz="1500"/>
+                <a:rPr lang="ko-KR" altLang="en-US" sz="1500" dirty="0"/>
+                <a:t>생성</a:t>
+              </a:r>
+              <a:r>
+                <a:rPr lang="en-US" altLang="ko-KR" sz="1500" dirty="0"/>
                 <a:t>, </a:t>
               </a:r>
               <a:r>
-                <a:rPr lang="ko-KR" altLang="en-US" sz="1500"/>
+                <a:rPr lang="ko-KR" altLang="en-US" sz="1500" dirty="0"/>
                 <a:t>수정</a:t>
               </a:r>
               <a:r>
-                <a:rPr lang="en-US" altLang="ko-KR" sz="1500"/>
+                <a:rPr lang="en-US" altLang="ko-KR" sz="1500" dirty="0"/>
                 <a:t>, </a:t>
               </a:r>
               <a:r>
-                <a:rPr lang="ko-KR" altLang="en-US" sz="1500"/>
+                <a:rPr lang="ko-KR" altLang="en-US" sz="1500" dirty="0"/>
                 <a:t>삭제</a:t>
               </a:r>
               <a:r>
-                <a:rPr lang="en-US" altLang="ko-KR" sz="1500"/>
+                <a:rPr lang="en-US" altLang="ko-KR" sz="1500" dirty="0"/>
                 <a:t>)</a:t>
               </a:r>
-              <a:endParaRPr lang="en-US" altLang="ko-KR" sz="1500" dirty="0"/>
             </a:p>
           </p:txBody>
         </p:sp>
@@ -4695,7 +4687,7 @@
           </p:nvSpPr>
           <p:spPr>
             <a:xfrm>
-              <a:off x="5634525" y="5435508"/>
+              <a:off x="5043975" y="5302158"/>
               <a:ext cx="2288126" cy="946537"/>
             </a:xfrm>
             <a:prstGeom prst="rect">
@@ -4769,7 +4761,7 @@
           </p:nvSpPr>
           <p:spPr>
             <a:xfrm>
-              <a:off x="1870479" y="3603379"/>
+              <a:off x="1279929" y="3470029"/>
               <a:ext cx="1194960" cy="1175577"/>
             </a:xfrm>
             <a:prstGeom prst="rect">
@@ -4819,7 +4811,7 @@
           </p:nvSpPr>
           <p:spPr>
             <a:xfrm>
-              <a:off x="2769329" y="4765248"/>
+              <a:off x="2178779" y="4631898"/>
               <a:ext cx="569387" cy="323165"/>
             </a:xfrm>
             <a:prstGeom prst="rect">
@@ -4848,7 +4840,7 @@
           </p:nvSpPr>
           <p:spPr>
             <a:xfrm>
-              <a:off x="1714974" y="4776213"/>
+              <a:off x="1124424" y="4642863"/>
               <a:ext cx="569387" cy="323165"/>
             </a:xfrm>
             <a:prstGeom prst="rect">
@@ -4877,7 +4869,7 @@
           </p:nvSpPr>
           <p:spPr>
             <a:xfrm>
-              <a:off x="2924080" y="1761978"/>
+              <a:off x="2333530" y="1628628"/>
               <a:ext cx="569387" cy="323165"/>
             </a:xfrm>
             <a:prstGeom prst="rect">
@@ -4906,7 +4898,7 @@
           </p:nvSpPr>
           <p:spPr>
             <a:xfrm>
-              <a:off x="2919986" y="1306698"/>
+              <a:off x="2329436" y="1173348"/>
               <a:ext cx="569387" cy="323165"/>
             </a:xfrm>
             <a:prstGeom prst="rect">
@@ -4935,7 +4927,7 @@
           </p:nvSpPr>
           <p:spPr>
             <a:xfrm>
-              <a:off x="3933838" y="5953152"/>
+              <a:off x="3343288" y="5819802"/>
               <a:ext cx="1734861" cy="553998"/>
             </a:xfrm>
             <a:prstGeom prst="rect">
@@ -4979,7 +4971,7 @@
           </p:nvSpPr>
           <p:spPr>
             <a:xfrm>
-              <a:off x="7241235" y="1050074"/>
+              <a:off x="6585177" y="1094896"/>
               <a:ext cx="2101743" cy="323165"/>
             </a:xfrm>
             <a:prstGeom prst="rect">
@@ -5015,7 +5007,7 @@
           </p:nvSpPr>
           <p:spPr>
             <a:xfrm>
-              <a:off x="4085392" y="3600121"/>
+              <a:off x="3494842" y="3466771"/>
               <a:ext cx="2277499" cy="1035869"/>
             </a:xfrm>
             <a:prstGeom prst="rect">
@@ -5114,7 +5106,7 @@
           </p:nvSpPr>
           <p:spPr>
             <a:xfrm>
-              <a:off x="7241234" y="1721821"/>
+              <a:off x="6650684" y="1588471"/>
               <a:ext cx="2101743" cy="323165"/>
             </a:xfrm>
             <a:prstGeom prst="rect">
@@ -5153,7 +5145,7 @@
           </p:nvCxnSpPr>
           <p:spPr>
             <a:xfrm rot="5400000" flipH="1" flipV="1">
-              <a:off x="2150539" y="1683520"/>
+              <a:off x="1559989" y="1550170"/>
               <a:ext cx="2040062" cy="1799669"/>
             </a:xfrm>
             <a:prstGeom prst="bentConnector2">
@@ -5198,7 +5190,7 @@
           </p:nvCxnSpPr>
           <p:spPr>
             <a:xfrm rot="5400000">
-              <a:off x="2335250" y="1883034"/>
+              <a:off x="1744700" y="1749684"/>
               <a:ext cx="1853054" cy="1587636"/>
             </a:xfrm>
             <a:prstGeom prst="bentConnector3">
@@ -5241,7 +5233,7 @@
           </p:nvCxnSpPr>
           <p:spPr>
             <a:xfrm flipV="1">
-              <a:off x="2698078" y="2676852"/>
+              <a:off x="2107528" y="2543502"/>
               <a:ext cx="1372327" cy="926520"/>
             </a:xfrm>
             <a:prstGeom prst="bentConnector3">
@@ -5282,7 +5274,7 @@
           </p:nvSpPr>
           <p:spPr>
             <a:xfrm>
-              <a:off x="3200889" y="2383986"/>
+              <a:off x="2610339" y="2250636"/>
               <a:ext cx="569387" cy="323165"/>
             </a:xfrm>
             <a:prstGeom prst="rect">
@@ -5319,7 +5311,7 @@
           </p:nvCxnSpPr>
           <p:spPr>
             <a:xfrm flipH="1">
-              <a:off x="3065439" y="4357179"/>
+              <a:off x="2474889" y="4223829"/>
               <a:ext cx="1019953" cy="0"/>
             </a:xfrm>
             <a:prstGeom prst="straightConnector1">
@@ -5358,7 +5350,7 @@
           </p:nvSpPr>
           <p:spPr>
             <a:xfrm>
-              <a:off x="3200888" y="2914271"/>
+              <a:off x="2610338" y="2780921"/>
               <a:ext cx="569387" cy="323165"/>
             </a:xfrm>
             <a:prstGeom prst="rect">
@@ -5396,7 +5388,7 @@
           </p:nvCxnSpPr>
           <p:spPr>
             <a:xfrm>
-              <a:off x="2753275" y="4790725"/>
+              <a:off x="2162725" y="4657375"/>
               <a:ext cx="0" cy="356934"/>
             </a:xfrm>
             <a:prstGeom prst="straightConnector1">
@@ -5439,7 +5431,7 @@
           </p:nvCxnSpPr>
           <p:spPr>
             <a:xfrm rot="16200000" flipH="1">
-              <a:off x="9180926" y="4941823"/>
+              <a:off x="8590376" y="4808473"/>
               <a:ext cx="987370" cy="1"/>
             </a:xfrm>
             <a:prstGeom prst="bentConnector3">
@@ -5484,7 +5476,7 @@
           </p:nvCxnSpPr>
           <p:spPr>
             <a:xfrm rot="10800000">
-              <a:off x="5224143" y="4635991"/>
+              <a:off x="4633593" y="4502641"/>
               <a:ext cx="410383" cy="1272787"/>
             </a:xfrm>
             <a:prstGeom prst="bentConnector2">
@@ -5523,7 +5515,7 @@
           </p:nvSpPr>
           <p:spPr>
             <a:xfrm>
-              <a:off x="9674610" y="4549409"/>
+              <a:off x="9084060" y="4416059"/>
               <a:ext cx="1889402" cy="784830"/>
             </a:xfrm>
             <a:prstGeom prst="rect">
@@ -5571,17 +5563,18 @@
             </p:cNvPr>
             <p:cNvCxnSpPr>
               <a:cxnSpLocks/>
+              <a:stCxn id="52" idx="3"/>
             </p:cNvCxnSpPr>
             <p:nvPr/>
           </p:nvCxnSpPr>
           <p:spPr>
             <a:xfrm>
-              <a:off x="6365257" y="1373239"/>
-              <a:ext cx="3664568" cy="2038741"/>
+              <a:off x="5757354" y="1429973"/>
+              <a:ext cx="3491421" cy="1825123"/>
             </a:xfrm>
             <a:prstGeom prst="bentConnector3">
               <a:avLst>
-                <a:gd name="adj1" fmla="val 100113"/>
+                <a:gd name="adj1" fmla="val 100197"/>
               </a:avLst>
             </a:prstGeom>
             <a:ln>
@@ -5620,7 +5613,7 @@
           </p:nvCxnSpPr>
           <p:spPr>
             <a:xfrm rot="10800000">
-              <a:off x="6347906" y="2860958"/>
+              <a:off x="5757356" y="2727608"/>
               <a:ext cx="3088449" cy="551021"/>
             </a:xfrm>
             <a:prstGeom prst="bentConnector3">
@@ -5663,7 +5656,7 @@
           </p:nvCxnSpPr>
           <p:spPr>
             <a:xfrm>
-              <a:off x="6347904" y="2648706"/>
+              <a:off x="5757354" y="2515356"/>
               <a:ext cx="3105802" cy="745167"/>
             </a:xfrm>
             <a:prstGeom prst="bentConnector3">
@@ -5707,7 +5700,7 @@
           </p:nvCxnSpPr>
           <p:spPr>
             <a:xfrm rot="16200000" flipV="1">
-              <a:off x="7148763" y="886422"/>
+              <a:off x="6558213" y="753072"/>
               <a:ext cx="1724988" cy="3326708"/>
             </a:xfrm>
             <a:prstGeom prst="bentConnector2">
@@ -5746,7 +5739,7 @@
           </p:nvSpPr>
           <p:spPr>
             <a:xfrm>
-              <a:off x="6849933" y="2324905"/>
+              <a:off x="6259383" y="2191555"/>
               <a:ext cx="2101743" cy="323165"/>
             </a:xfrm>
             <a:prstGeom prst="rect">
@@ -5782,7 +5775,7 @@
           </p:nvSpPr>
           <p:spPr>
             <a:xfrm>
-              <a:off x="6871779" y="2832320"/>
+              <a:off x="6281229" y="2698970"/>
               <a:ext cx="2101743" cy="323165"/>
             </a:xfrm>
             <a:prstGeom prst="rect">
@@ -5818,7 +5811,7 @@
           </p:nvSpPr>
           <p:spPr>
             <a:xfrm>
-              <a:off x="8530549" y="5435509"/>
+              <a:off x="7939999" y="5302159"/>
               <a:ext cx="2288126" cy="946537"/>
             </a:xfrm>
             <a:prstGeom prst="rect">
@@ -5894,7 +5887,7 @@
           </p:nvCxnSpPr>
           <p:spPr>
             <a:xfrm rot="10800000">
-              <a:off x="7922651" y="5908778"/>
+              <a:off x="7332101" y="5775428"/>
               <a:ext cx="607898" cy="1"/>
             </a:xfrm>
             <a:prstGeom prst="bentConnector3">
@@ -5938,7 +5931,7 @@
           </p:nvCxnSpPr>
           <p:spPr>
             <a:xfrm rot="10800000" flipV="1">
-              <a:off x="6778589" y="4353172"/>
+              <a:off x="6188039" y="4219822"/>
               <a:ext cx="1601389" cy="1082336"/>
             </a:xfrm>
             <a:prstGeom prst="bentConnector2">
@@ -5977,7 +5970,7 @@
           </p:nvSpPr>
           <p:spPr>
             <a:xfrm>
-              <a:off x="6814685" y="4600043"/>
+              <a:off x="6224135" y="4466693"/>
               <a:ext cx="1889402" cy="784830"/>
             </a:xfrm>
             <a:prstGeom prst="rect">
@@ -6028,7 +6021,7 @@
           </p:nvSpPr>
           <p:spPr>
             <a:xfrm>
-              <a:off x="4070405" y="1045388"/>
+              <a:off x="3479855" y="912038"/>
               <a:ext cx="2277499" cy="1035869"/>
             </a:xfrm>
             <a:prstGeom prst="rect">
@@ -6063,50 +6056,57 @@
             <a:p>
               <a:pPr algn="ctr"/>
               <a:r>
-                <a:rPr lang="en-US" altLang="ko-KR" sz="1500" dirty="0" err="1"/>
-                <a:t>ACLController</a:t>
-              </a:r>
-              <a:endParaRPr lang="en-US" altLang="ko-KR" sz="1500" dirty="0"/>
+                <a:rPr lang="en-US" altLang="ko-KR" sz="1600" dirty="0" err="1"/>
+                <a:t>CalendarController</a:t>
+              </a:r>
+              <a:endParaRPr lang="en-US" altLang="ko-KR" sz="1600" dirty="0"/>
             </a:p>
             <a:p>
               <a:pPr algn="ctr"/>
               <a:r>
-                <a:rPr lang="en-US" altLang="ko-KR" sz="1500" dirty="0"/>
+                <a:rPr lang="en-US" altLang="ko-KR" sz="1600" dirty="0"/>
                 <a:t>(</a:t>
               </a:r>
               <a:r>
-                <a:rPr lang="ko-KR" altLang="en-US" sz="1500" dirty="0"/>
-                <a:t>캘린더 권한 전달</a:t>
-              </a:r>
-              <a:r>
-                <a:rPr lang="en-US" altLang="ko-KR" sz="1500" dirty="0"/>
+                <a:rPr lang="ko-KR" altLang="en-US" sz="1600" dirty="0"/>
+                <a:t>캘린더 리스트 </a:t>
+              </a:r>
+              <a:endParaRPr lang="en-US" altLang="ko-KR" sz="1600" dirty="0"/>
+            </a:p>
+            <a:p>
+              <a:pPr algn="ctr"/>
+              <a:r>
+                <a:rPr lang="ko-KR" altLang="en-US" sz="1600" dirty="0"/>
+                <a:t>전달</a:t>
+              </a:r>
+              <a:r>
+                <a:rPr lang="en-US" altLang="ko-KR" sz="1600" dirty="0"/>
                 <a:t>, </a:t>
               </a:r>
               <a:r>
-                <a:rPr lang="ko-KR" altLang="en-US" sz="1500" dirty="0"/>
-                <a:t>생성</a:t>
-              </a:r>
-              <a:r>
-                <a:rPr lang="en-US" altLang="ko-KR" sz="1500" dirty="0"/>
+                <a:rPr lang="ko-KR" altLang="en-US" sz="1600" dirty="0"/>
+                <a:t>캘린더 생성</a:t>
+              </a:r>
+              <a:r>
+                <a:rPr lang="en-US" altLang="ko-KR" sz="1600" dirty="0"/>
                 <a:t>, </a:t>
               </a:r>
               <a:r>
-                <a:rPr lang="ko-KR" altLang="en-US" sz="1500" dirty="0"/>
+                <a:rPr lang="ko-KR" altLang="en-US" sz="1600" dirty="0"/>
                 <a:t>수정</a:t>
               </a:r>
               <a:r>
-                <a:rPr lang="en-US" altLang="ko-KR" sz="1500" dirty="0"/>
+                <a:rPr lang="en-US" altLang="ko-KR" sz="1600" dirty="0"/>
                 <a:t>, </a:t>
               </a:r>
               <a:r>
-                <a:rPr lang="ko-KR" altLang="en-US" sz="1500" dirty="0"/>
+                <a:rPr lang="ko-KR" altLang="en-US" sz="1600" dirty="0"/>
                 <a:t>삭제</a:t>
               </a:r>
               <a:r>
-                <a:rPr lang="en-US" altLang="ko-KR" sz="1500" dirty="0"/>
+                <a:rPr lang="en-US" altLang="ko-KR" sz="1600" dirty="0"/>
                 <a:t>)</a:t>
               </a:r>
-              <a:endParaRPr lang="ko-KR" altLang="en-US" sz="1500" dirty="0"/>
             </a:p>
           </p:txBody>
         </p:sp>
@@ -6126,7 +6126,7 @@
           </p:nvCxnSpPr>
           <p:spPr>
             <a:xfrm flipV="1">
-              <a:off x="2368779" y="4792087"/>
+              <a:off x="1778229" y="4658737"/>
               <a:ext cx="0" cy="355572"/>
             </a:xfrm>
             <a:prstGeom prst="straightConnector1">
@@ -6167,7 +6167,7 @@
           </p:nvCxnSpPr>
           <p:spPr>
             <a:xfrm>
-              <a:off x="3078215" y="4071429"/>
+              <a:off x="2487665" y="3938079"/>
               <a:ext cx="1000827" cy="0"/>
             </a:xfrm>
             <a:prstGeom prst="straightConnector1">
@@ -6206,7 +6206,7 @@
           </p:nvSpPr>
           <p:spPr>
             <a:xfrm>
-              <a:off x="3250053" y="3794418"/>
+              <a:off x="2659503" y="3661068"/>
               <a:ext cx="569387" cy="323165"/>
             </a:xfrm>
             <a:prstGeom prst="rect">
@@ -6241,7 +6241,7 @@
           </p:nvSpPr>
           <p:spPr>
             <a:xfrm>
-              <a:off x="3250053" y="4364068"/>
+              <a:off x="2659503" y="4230718"/>
               <a:ext cx="569387" cy="323165"/>
             </a:xfrm>
             <a:prstGeom prst="rect">
@@ -6278,7 +6278,7 @@
           </p:nvCxnSpPr>
           <p:spPr>
             <a:xfrm flipH="1">
-              <a:off x="6362891" y="3904015"/>
+              <a:off x="5772341" y="3770665"/>
               <a:ext cx="2017087" cy="887"/>
             </a:xfrm>
             <a:prstGeom prst="straightConnector1">
@@ -6319,7 +6319,7 @@
           </p:nvCxnSpPr>
           <p:spPr>
             <a:xfrm>
-              <a:off x="6362891" y="3717038"/>
+              <a:off x="5772341" y="3583688"/>
               <a:ext cx="2034440" cy="0"/>
             </a:xfrm>
             <a:prstGeom prst="straightConnector1">
@@ -6358,7 +6358,7 @@
           </p:nvSpPr>
           <p:spPr>
             <a:xfrm>
-              <a:off x="6907491" y="3335252"/>
+              <a:off x="6316941" y="3201902"/>
               <a:ext cx="1213794" cy="323165"/>
             </a:xfrm>
             <a:prstGeom prst="rect">
@@ -6393,7 +6393,7 @@
           </p:nvSpPr>
           <p:spPr>
             <a:xfrm>
-              <a:off x="6907491" y="3904902"/>
+              <a:off x="6316941" y="3771552"/>
               <a:ext cx="1213794" cy="323165"/>
             </a:xfrm>
             <a:prstGeom prst="rect">
@@ -6430,7 +6430,7 @@
           </p:nvCxnSpPr>
           <p:spPr>
             <a:xfrm rot="10800000" flipV="1">
-              <a:off x="2851151" y="2860357"/>
+              <a:off x="2260601" y="2727007"/>
               <a:ext cx="1227893" cy="739763"/>
             </a:xfrm>
             <a:prstGeom prst="bentConnector3">
@@ -6457,6 +6457,425 @@
             </a:fontRef>
           </p:style>
         </p:cxnSp>
+        <p:sp>
+          <p:nvSpPr>
+            <p:cNvPr id="48" name="직사각형 47">
+              <a:extLst>
+                <a:ext uri="{FF2B5EF4-FFF2-40B4-BE49-F238E27FC236}">
+                  <a16:creationId xmlns:a16="http://schemas.microsoft.com/office/drawing/2014/main" id="{3888C9F2-1C78-4FDA-A03F-08D14FB43D85}"/>
+                </a:ext>
+              </a:extLst>
+            </p:cNvPr>
+            <p:cNvSpPr/>
+            <p:nvPr/>
+          </p:nvSpPr>
+          <p:spPr>
+            <a:xfrm>
+              <a:off x="6434648" y="16642"/>
+              <a:ext cx="2277499" cy="1035869"/>
+            </a:xfrm>
+            <a:prstGeom prst="rect">
+              <a:avLst/>
+            </a:prstGeom>
+            <a:solidFill>
+              <a:schemeClr val="bg1"/>
+            </a:solidFill>
+            <a:ln>
+              <a:solidFill>
+                <a:schemeClr val="tx1"/>
+              </a:solidFill>
+            </a:ln>
+          </p:spPr>
+          <p:style>
+            <a:lnRef idx="2">
+              <a:schemeClr val="accent6"/>
+            </a:lnRef>
+            <a:fillRef idx="1">
+              <a:schemeClr val="lt1"/>
+            </a:fillRef>
+            <a:effectRef idx="0">
+              <a:schemeClr val="accent6"/>
+            </a:effectRef>
+            <a:fontRef idx="minor">
+              <a:schemeClr val="dk1"/>
+            </a:fontRef>
+          </p:style>
+          <p:txBody>
+            <a:bodyPr rtlCol="0" anchor="ctr"/>
+            <a:lstStyle/>
+            <a:p>
+              <a:pPr algn="ctr"/>
+              <a:r>
+                <a:rPr lang="en-US" altLang="ko-KR" sz="1600" dirty="0" err="1"/>
+                <a:t>WriteICSFile</a:t>
+              </a:r>
+              <a:endParaRPr lang="en-US" altLang="ko-KR" sz="1600" dirty="0"/>
+            </a:p>
+            <a:p>
+              <a:pPr algn="ctr"/>
+              <a:r>
+                <a:rPr lang="en-US" altLang="ko-KR" sz="1600" dirty="0"/>
+                <a:t>(</a:t>
+              </a:r>
+              <a:r>
+                <a:rPr lang="ko-KR" altLang="en-US" sz="1600" dirty="0"/>
+                <a:t>캘린더 내보내기</a:t>
+              </a:r>
+              <a:r>
+                <a:rPr lang="en-US" altLang="ko-KR" sz="1600" dirty="0"/>
+                <a:t>,</a:t>
+              </a:r>
+            </a:p>
+            <a:p>
+              <a:pPr algn="ctr"/>
+              <a:r>
+                <a:rPr lang="en-US" altLang="ko-KR" sz="1600" dirty="0" err="1"/>
+                <a:t>Ics</a:t>
+              </a:r>
+              <a:r>
+                <a:rPr lang="ko-KR" altLang="en-US" sz="1600" dirty="0"/>
+                <a:t>파일로 변환</a:t>
+              </a:r>
+              <a:r>
+                <a:rPr lang="en-US" altLang="ko-KR" sz="1600" dirty="0"/>
+                <a:t>)</a:t>
+              </a:r>
+            </a:p>
+          </p:txBody>
+        </p:sp>
+        <p:cxnSp>
+          <p:nvCxnSpPr>
+            <p:cNvPr id="54" name="직선 화살표 연결선 10">
+              <a:extLst>
+                <a:ext uri="{FF2B5EF4-FFF2-40B4-BE49-F238E27FC236}">
+                  <a16:creationId xmlns:a16="http://schemas.microsoft.com/office/drawing/2014/main" id="{2961B278-554D-4DE0-91CF-B2EA0C910779}"/>
+                </a:ext>
+              </a:extLst>
+            </p:cNvPr>
+            <p:cNvCxnSpPr>
+              <a:cxnSpLocks/>
+              <a:stCxn id="52" idx="0"/>
+            </p:cNvCxnSpPr>
+            <p:nvPr/>
+          </p:nvCxnSpPr>
+          <p:spPr>
+            <a:xfrm rot="5400000" flipH="1" flipV="1">
+              <a:off x="5217141" y="-311972"/>
+              <a:ext cx="625474" cy="1822546"/>
+            </a:xfrm>
+            <a:prstGeom prst="bentConnector2">
+              <a:avLst/>
+            </a:prstGeom>
+            <a:ln>
+              <a:solidFill>
+                <a:schemeClr val="tx1"/>
+              </a:solidFill>
+              <a:tailEnd type="triangle"/>
+            </a:ln>
+          </p:spPr>
+          <p:style>
+            <a:lnRef idx="1">
+              <a:schemeClr val="dk1"/>
+            </a:lnRef>
+            <a:fillRef idx="0">
+              <a:schemeClr val="dk1"/>
+            </a:fillRef>
+            <a:effectRef idx="0">
+              <a:schemeClr val="dk1"/>
+            </a:effectRef>
+            <a:fontRef idx="minor">
+              <a:schemeClr val="tx1"/>
+            </a:fontRef>
+          </p:style>
+        </p:cxnSp>
+        <p:sp>
+          <p:nvSpPr>
+            <p:cNvPr id="56" name="TextBox 55">
+              <a:extLst>
+                <a:ext uri="{FF2B5EF4-FFF2-40B4-BE49-F238E27FC236}">
+                  <a16:creationId xmlns:a16="http://schemas.microsoft.com/office/drawing/2014/main" id="{BE8C384C-0D44-49DC-8A7E-BD6B591BA5FE}"/>
+                </a:ext>
+              </a:extLst>
+            </p:cNvPr>
+            <p:cNvSpPr txBox="1"/>
+            <p:nvPr/>
+          </p:nvSpPr>
+          <p:spPr>
+            <a:xfrm>
+              <a:off x="3361462" y="-7182"/>
+              <a:ext cx="3079689" cy="323165"/>
+            </a:xfrm>
+            <a:prstGeom prst="rect">
+              <a:avLst/>
+            </a:prstGeom>
+            <a:noFill/>
+          </p:spPr>
+          <p:txBody>
+            <a:bodyPr wrap="none" rtlCol="0">
+              <a:spAutoFit/>
+            </a:bodyPr>
+            <a:lstStyle/>
+            <a:p>
+              <a:r>
+                <a:rPr lang="ko-KR" altLang="en-US" sz="1500" dirty="0"/>
+                <a:t>캘린더 내보내기 </a:t>
+              </a:r>
+              <a:r>
+                <a:rPr lang="ko-KR" altLang="en-US" sz="1500"/>
+                <a:t>요청이 들어오면</a:t>
+              </a:r>
+              <a:endParaRPr lang="ko-KR" altLang="en-US" sz="1500" dirty="0"/>
+            </a:p>
+          </p:txBody>
+        </p:sp>
+        <p:cxnSp>
+          <p:nvCxnSpPr>
+            <p:cNvPr id="57" name="직선 화살표 연결선 18">
+              <a:extLst>
+                <a:ext uri="{FF2B5EF4-FFF2-40B4-BE49-F238E27FC236}">
+                  <a16:creationId xmlns:a16="http://schemas.microsoft.com/office/drawing/2014/main" id="{0BD5A48F-04C0-40B4-B143-ADF481B5ACF7}"/>
+                </a:ext>
+              </a:extLst>
+            </p:cNvPr>
+            <p:cNvCxnSpPr>
+              <a:cxnSpLocks/>
+            </p:cNvCxnSpPr>
+            <p:nvPr/>
+          </p:nvCxnSpPr>
+          <p:spPr>
+            <a:xfrm rot="10800000" flipV="1">
+              <a:off x="4838784" y="474136"/>
+              <a:ext cx="1602368" cy="438538"/>
+            </a:xfrm>
+            <a:prstGeom prst="bentConnector3">
+              <a:avLst>
+                <a:gd name="adj1" fmla="val 99932"/>
+              </a:avLst>
+            </a:prstGeom>
+            <a:ln>
+              <a:tailEnd type="triangle"/>
+            </a:ln>
+          </p:spPr>
+          <p:style>
+            <a:lnRef idx="1">
+              <a:schemeClr val="dk1"/>
+            </a:lnRef>
+            <a:fillRef idx="0">
+              <a:schemeClr val="dk1"/>
+            </a:fillRef>
+            <a:effectRef idx="0">
+              <a:schemeClr val="dk1"/>
+            </a:effectRef>
+            <a:fontRef idx="minor">
+              <a:schemeClr val="tx1"/>
+            </a:fontRef>
+          </p:style>
+        </p:cxnSp>
+        <p:sp>
+          <p:nvSpPr>
+            <p:cNvPr id="59" name="TextBox 58">
+              <a:extLst>
+                <a:ext uri="{FF2B5EF4-FFF2-40B4-BE49-F238E27FC236}">
+                  <a16:creationId xmlns:a16="http://schemas.microsoft.com/office/drawing/2014/main" id="{E24DED08-58D4-42D3-A672-A5B7AB9A6CD0}"/>
+                </a:ext>
+              </a:extLst>
+            </p:cNvPr>
+            <p:cNvSpPr txBox="1"/>
+            <p:nvPr/>
+          </p:nvSpPr>
+          <p:spPr>
+            <a:xfrm>
+              <a:off x="5017842" y="494802"/>
+              <a:ext cx="1244251" cy="323165"/>
+            </a:xfrm>
+            <a:prstGeom prst="rect">
+              <a:avLst/>
+            </a:prstGeom>
+            <a:noFill/>
+          </p:spPr>
+          <p:txBody>
+            <a:bodyPr wrap="none" rtlCol="0">
+              <a:spAutoFit/>
+            </a:bodyPr>
+            <a:lstStyle/>
+            <a:p>
+              <a:r>
+                <a:rPr lang="en-US" altLang="ko-KR" sz="1500" dirty="0" err="1"/>
+                <a:t>ics</a:t>
+              </a:r>
+              <a:r>
+                <a:rPr lang="ko-KR" altLang="en-US" sz="1500" dirty="0"/>
+                <a:t>파일 저장</a:t>
+              </a:r>
+            </a:p>
+          </p:txBody>
+        </p:sp>
+        <p:cxnSp>
+          <p:nvCxnSpPr>
+            <p:cNvPr id="60" name="직선 화살표 연결선 62">
+              <a:extLst>
+                <a:ext uri="{FF2B5EF4-FFF2-40B4-BE49-F238E27FC236}">
+                  <a16:creationId xmlns:a16="http://schemas.microsoft.com/office/drawing/2014/main" id="{C9D1E8A2-199E-4644-B6F1-DB71FC0C4933}"/>
+                </a:ext>
+              </a:extLst>
+            </p:cNvPr>
+            <p:cNvCxnSpPr>
+              <a:cxnSpLocks/>
+            </p:cNvCxnSpPr>
+            <p:nvPr/>
+          </p:nvCxnSpPr>
+          <p:spPr>
+            <a:xfrm rot="16200000" flipH="1">
+              <a:off x="7834358" y="1228206"/>
+              <a:ext cx="2961818" cy="1193237"/>
+            </a:xfrm>
+            <a:prstGeom prst="bentConnector3">
+              <a:avLst>
+                <a:gd name="adj1" fmla="val 4655"/>
+              </a:avLst>
+            </a:prstGeom>
+            <a:ln>
+              <a:tailEnd type="triangle"/>
+            </a:ln>
+          </p:spPr>
+          <p:style>
+            <a:lnRef idx="1">
+              <a:schemeClr val="dk1"/>
+            </a:lnRef>
+            <a:fillRef idx="0">
+              <a:schemeClr val="dk1"/>
+            </a:fillRef>
+            <a:effectRef idx="0">
+              <a:schemeClr val="dk1"/>
+            </a:effectRef>
+            <a:fontRef idx="minor">
+              <a:schemeClr val="tx1"/>
+            </a:fontRef>
+          </p:style>
+        </p:cxnSp>
+        <p:sp>
+          <p:nvSpPr>
+            <p:cNvPr id="67" name="TextBox 66">
+              <a:extLst>
+                <a:ext uri="{FF2B5EF4-FFF2-40B4-BE49-F238E27FC236}">
+                  <a16:creationId xmlns:a16="http://schemas.microsoft.com/office/drawing/2014/main" id="{DA61DB02-D90D-43B2-A5D4-D8281D91406D}"/>
+                </a:ext>
+              </a:extLst>
+            </p:cNvPr>
+            <p:cNvSpPr txBox="1"/>
+            <p:nvPr/>
+          </p:nvSpPr>
+          <p:spPr>
+            <a:xfrm>
+              <a:off x="8369596" y="148359"/>
+              <a:ext cx="2101743" cy="323165"/>
+            </a:xfrm>
+            <a:prstGeom prst="rect">
+              <a:avLst/>
+            </a:prstGeom>
+            <a:noFill/>
+          </p:spPr>
+          <p:txBody>
+            <a:bodyPr wrap="square" rtlCol="0">
+              <a:spAutoFit/>
+            </a:bodyPr>
+            <a:lstStyle/>
+            <a:p>
+              <a:pPr algn="ctr"/>
+              <a:r>
+                <a:rPr lang="ko-KR" altLang="en-US" sz="1500" dirty="0"/>
+                <a:t>서비스 요청</a:t>
+              </a:r>
+            </a:p>
+          </p:txBody>
+        </p:sp>
+        <p:cxnSp>
+          <p:nvCxnSpPr>
+            <p:cNvPr id="68" name="직선 화살표 연결선 77">
+              <a:extLst>
+                <a:ext uri="{FF2B5EF4-FFF2-40B4-BE49-F238E27FC236}">
+                  <a16:creationId xmlns:a16="http://schemas.microsoft.com/office/drawing/2014/main" id="{D52170D9-9128-4D62-AB83-C6D305608B83}"/>
+                </a:ext>
+              </a:extLst>
+            </p:cNvPr>
+            <p:cNvCxnSpPr>
+              <a:cxnSpLocks/>
+            </p:cNvCxnSpPr>
+            <p:nvPr/>
+          </p:nvCxnSpPr>
+          <p:spPr>
+            <a:xfrm rot="16200000" flipV="1">
+              <a:off x="7913839" y="1436528"/>
+              <a:ext cx="2621113" cy="1052817"/>
+            </a:xfrm>
+            <a:prstGeom prst="bentConnector3">
+              <a:avLst>
+                <a:gd name="adj1" fmla="val 99422"/>
+              </a:avLst>
+            </a:prstGeom>
+            <a:ln>
+              <a:tailEnd type="triangle"/>
+            </a:ln>
+          </p:spPr>
+          <p:style>
+            <a:lnRef idx="1">
+              <a:schemeClr val="dk1"/>
+            </a:lnRef>
+            <a:fillRef idx="0">
+              <a:schemeClr val="dk1"/>
+            </a:fillRef>
+            <a:effectRef idx="0">
+              <a:schemeClr val="dk1"/>
+            </a:effectRef>
+            <a:fontRef idx="minor">
+              <a:schemeClr val="tx1"/>
+            </a:fontRef>
+          </p:style>
+        </p:cxnSp>
+        <p:sp>
+          <p:nvSpPr>
+            <p:cNvPr id="69" name="TextBox 68">
+              <a:extLst>
+                <a:ext uri="{FF2B5EF4-FFF2-40B4-BE49-F238E27FC236}">
+                  <a16:creationId xmlns:a16="http://schemas.microsoft.com/office/drawing/2014/main" id="{7845B629-2174-45E8-8B76-B4B0ACD9CAEF}"/>
+                </a:ext>
+              </a:extLst>
+            </p:cNvPr>
+            <p:cNvSpPr txBox="1"/>
+            <p:nvPr/>
+          </p:nvSpPr>
+          <p:spPr>
+            <a:xfrm>
+              <a:off x="9008182" y="724685"/>
+              <a:ext cx="910205" cy="553998"/>
+            </a:xfrm>
+            <a:prstGeom prst="rect">
+              <a:avLst/>
+            </a:prstGeom>
+            <a:noFill/>
+          </p:spPr>
+          <p:txBody>
+            <a:bodyPr wrap="square" rtlCol="0">
+              <a:spAutoFit/>
+            </a:bodyPr>
+            <a:lstStyle/>
+            <a:p>
+              <a:pPr algn="ctr"/>
+              <a:r>
+                <a:rPr lang="ko-KR" altLang="en-US" sz="1500" dirty="0"/>
+                <a:t>서비스</a:t>
+              </a:r>
+              <a:endParaRPr lang="en-US" altLang="ko-KR" sz="1500" dirty="0"/>
+            </a:p>
+            <a:p>
+              <a:pPr algn="ctr"/>
+              <a:r>
+                <a:rPr lang="ko-KR" altLang="en-US" sz="1500" dirty="0"/>
+                <a:t>리턴</a:t>
+              </a:r>
+            </a:p>
+          </p:txBody>
+        </p:sp>
       </p:grpSp>
     </p:spTree>
     <p:extLst>
